--- a/Selenium supportin doc/SeleniumDemoPPT.pptx
+++ b/Selenium supportin doc/SeleniumDemoPPT.pptx
@@ -183,1611 +183,6 @@
 
 <file path=ppt/changesInfos/changesInfo1.xml><?xml version="1.0" encoding="utf-8"?>
 <pc:chgInfo xmlns:a="http://schemas.openxmlformats.org/drawingml/2006/main" xmlns:r="http://schemas.openxmlformats.org/officeDocument/2006/relationships" xmlns:ac="http://schemas.microsoft.com/office/drawing/2013/main/command" xmlns:pc="http://schemas.microsoft.com/office/powerpoint/2013/main/command">
-  <pc:docChgLst>
-    <pc:chgData name="Vaibhav" userId="fea9aad5-0821-494e-8ee5-cb10b5ecb44e" providerId="ADAL" clId="{2EC74AD1-3B96-4B7C-B2AC-53A567667F07}"/>
-    <pc:docChg chg="undo custSel addSld delSld modSld sldOrd">
-      <pc:chgData name="Vaibhav" userId="fea9aad5-0821-494e-8ee5-cb10b5ecb44e" providerId="ADAL" clId="{2EC74AD1-3B96-4B7C-B2AC-53A567667F07}" dt="2020-03-15T15:51:06.484" v="965" actId="20577"/>
-      <pc:docMkLst>
-        <pc:docMk/>
-      </pc:docMkLst>
-      <pc:sldChg chg="modSp">
-        <pc:chgData name="Vaibhav" userId="fea9aad5-0821-494e-8ee5-cb10b5ecb44e" providerId="ADAL" clId="{2EC74AD1-3B96-4B7C-B2AC-53A567667F07}" dt="2020-03-15T05:57:16.931" v="872" actId="207"/>
-        <pc:sldMkLst>
-          <pc:docMk/>
-          <pc:sldMk cId="1593245855" sldId="285"/>
-        </pc:sldMkLst>
-        <pc:spChg chg="mod">
-          <ac:chgData name="Vaibhav" userId="fea9aad5-0821-494e-8ee5-cb10b5ecb44e" providerId="ADAL" clId="{2EC74AD1-3B96-4B7C-B2AC-53A567667F07}" dt="2020-03-15T05:57:16.931" v="872" actId="207"/>
-          <ac:spMkLst>
-            <pc:docMk/>
-            <pc:sldMk cId="1593245855" sldId="285"/>
-            <ac:spMk id="2" creationId="{00000000-0000-0000-0000-000000000000}"/>
-          </ac:spMkLst>
-        </pc:spChg>
-        <pc:spChg chg="mod">
-          <ac:chgData name="Vaibhav" userId="fea9aad5-0821-494e-8ee5-cb10b5ecb44e" providerId="ADAL" clId="{2EC74AD1-3B96-4B7C-B2AC-53A567667F07}" dt="2020-03-11T13:27:23.137" v="1" actId="20577"/>
-          <ac:spMkLst>
-            <pc:docMk/>
-            <pc:sldMk cId="1593245855" sldId="285"/>
-            <ac:spMk id="3" creationId="{00000000-0000-0000-0000-000000000000}"/>
-          </ac:spMkLst>
-        </pc:spChg>
-      </pc:sldChg>
-      <pc:sldChg chg="modSp">
-        <pc:chgData name="Vaibhav" userId="fea9aad5-0821-494e-8ee5-cb10b5ecb44e" providerId="ADAL" clId="{2EC74AD1-3B96-4B7C-B2AC-53A567667F07}" dt="2020-03-14T14:37:11.619" v="641" actId="12"/>
-        <pc:sldMkLst>
-          <pc:docMk/>
-          <pc:sldMk cId="1644363026" sldId="287"/>
-        </pc:sldMkLst>
-        <pc:spChg chg="mod">
-          <ac:chgData name="Vaibhav" userId="fea9aad5-0821-494e-8ee5-cb10b5ecb44e" providerId="ADAL" clId="{2EC74AD1-3B96-4B7C-B2AC-53A567667F07}" dt="2020-03-14T14:37:11.619" v="641" actId="12"/>
-          <ac:spMkLst>
-            <pc:docMk/>
-            <pc:sldMk cId="1644363026" sldId="287"/>
-            <ac:spMk id="2" creationId="{00000000-0000-0000-0000-000000000000}"/>
-          </ac:spMkLst>
-        </pc:spChg>
-      </pc:sldChg>
-      <pc:sldChg chg="addSp delSp modSp">
-        <pc:chgData name="Vaibhav" userId="fea9aad5-0821-494e-8ee5-cb10b5ecb44e" providerId="ADAL" clId="{2EC74AD1-3B96-4B7C-B2AC-53A567667F07}" dt="2020-03-11T17:41:23.806" v="15" actId="14100"/>
-        <pc:sldMkLst>
-          <pc:docMk/>
-          <pc:sldMk cId="1700818200" sldId="393"/>
-        </pc:sldMkLst>
-        <pc:picChg chg="add del mod">
-          <ac:chgData name="Vaibhav" userId="fea9aad5-0821-494e-8ee5-cb10b5ecb44e" providerId="ADAL" clId="{2EC74AD1-3B96-4B7C-B2AC-53A567667F07}" dt="2020-03-11T17:40:14.816" v="11" actId="478"/>
-          <ac:picMkLst>
-            <pc:docMk/>
-            <pc:sldMk cId="1700818200" sldId="393"/>
-            <ac:picMk id="2" creationId="{0086DC95-FCDC-4795-A2B0-8F8172611A78}"/>
-          </ac:picMkLst>
-        </pc:picChg>
-        <pc:picChg chg="add mod">
-          <ac:chgData name="Vaibhav" userId="fea9aad5-0821-494e-8ee5-cb10b5ecb44e" providerId="ADAL" clId="{2EC74AD1-3B96-4B7C-B2AC-53A567667F07}" dt="2020-03-11T17:41:23.806" v="15" actId="14100"/>
-          <ac:picMkLst>
-            <pc:docMk/>
-            <pc:sldMk cId="1700818200" sldId="393"/>
-            <ac:picMk id="3" creationId="{D89B1956-77EB-43BC-9A0D-6F032164FAA2}"/>
-          </ac:picMkLst>
-        </pc:picChg>
-        <pc:picChg chg="del">
-          <ac:chgData name="Vaibhav" userId="fea9aad5-0821-494e-8ee5-cb10b5ecb44e" providerId="ADAL" clId="{2EC74AD1-3B96-4B7C-B2AC-53A567667F07}" dt="2020-03-11T17:41:14.578" v="12" actId="478"/>
-          <ac:picMkLst>
-            <pc:docMk/>
-            <pc:sldMk cId="1700818200" sldId="393"/>
-            <ac:picMk id="1026" creationId="{C359578D-2131-4ED2-B39A-453F73207738}"/>
-          </ac:picMkLst>
-        </pc:picChg>
-      </pc:sldChg>
-      <pc:sldChg chg="modSp">
-        <pc:chgData name="Vaibhav" userId="fea9aad5-0821-494e-8ee5-cb10b5ecb44e" providerId="ADAL" clId="{2EC74AD1-3B96-4B7C-B2AC-53A567667F07}" dt="2020-03-15T06:00:50.028" v="890" actId="20577"/>
-        <pc:sldMkLst>
-          <pc:docMk/>
-          <pc:sldMk cId="2468511198" sldId="436"/>
-        </pc:sldMkLst>
-        <pc:spChg chg="mod">
-          <ac:chgData name="Vaibhav" userId="fea9aad5-0821-494e-8ee5-cb10b5ecb44e" providerId="ADAL" clId="{2EC74AD1-3B96-4B7C-B2AC-53A567667F07}" dt="2020-03-15T06:00:50.028" v="890" actId="20577"/>
-          <ac:spMkLst>
-            <pc:docMk/>
-            <pc:sldMk cId="2468511198" sldId="436"/>
-            <ac:spMk id="2" creationId="{00000000-0000-0000-0000-000000000000}"/>
-          </ac:spMkLst>
-        </pc:spChg>
-        <pc:spChg chg="mod">
-          <ac:chgData name="Vaibhav" userId="fea9aad5-0821-494e-8ee5-cb10b5ecb44e" providerId="ADAL" clId="{2EC74AD1-3B96-4B7C-B2AC-53A567667F07}" dt="2020-03-15T05:58:44.597" v="878" actId="20577"/>
-          <ac:spMkLst>
-            <pc:docMk/>
-            <pc:sldMk cId="2468511198" sldId="436"/>
-            <ac:spMk id="3" creationId="{00000000-0000-0000-0000-000000000000}"/>
-          </ac:spMkLst>
-        </pc:spChg>
-      </pc:sldChg>
-      <pc:sldChg chg="modSp">
-        <pc:chgData name="Vaibhav" userId="fea9aad5-0821-494e-8ee5-cb10b5ecb44e" providerId="ADAL" clId="{2EC74AD1-3B96-4B7C-B2AC-53A567667F07}" dt="2020-03-14T16:12:25.746" v="865" actId="12"/>
-        <pc:sldMkLst>
-          <pc:docMk/>
-          <pc:sldMk cId="4141405839" sldId="437"/>
-        </pc:sldMkLst>
-        <pc:spChg chg="mod">
-          <ac:chgData name="Vaibhav" userId="fea9aad5-0821-494e-8ee5-cb10b5ecb44e" providerId="ADAL" clId="{2EC74AD1-3B96-4B7C-B2AC-53A567667F07}" dt="2020-03-14T16:12:25.746" v="865" actId="12"/>
-          <ac:spMkLst>
-            <pc:docMk/>
-            <pc:sldMk cId="4141405839" sldId="437"/>
-            <ac:spMk id="2" creationId="{00000000-0000-0000-0000-000000000000}"/>
-          </ac:spMkLst>
-        </pc:spChg>
-      </pc:sldChg>
-      <pc:sldChg chg="modSp">
-        <pc:chgData name="Vaibhav" userId="fea9aad5-0821-494e-8ee5-cb10b5ecb44e" providerId="ADAL" clId="{2EC74AD1-3B96-4B7C-B2AC-53A567667F07}" dt="2020-03-11T17:58:07.794" v="17" actId="20577"/>
-        <pc:sldMkLst>
-          <pc:docMk/>
-          <pc:sldMk cId="1339158808" sldId="439"/>
-        </pc:sldMkLst>
-        <pc:spChg chg="mod">
-          <ac:chgData name="Vaibhav" userId="fea9aad5-0821-494e-8ee5-cb10b5ecb44e" providerId="ADAL" clId="{2EC74AD1-3B96-4B7C-B2AC-53A567667F07}" dt="2020-03-11T17:58:07.794" v="17" actId="20577"/>
-          <ac:spMkLst>
-            <pc:docMk/>
-            <pc:sldMk cId="1339158808" sldId="439"/>
-            <ac:spMk id="2" creationId="{00000000-0000-0000-0000-000000000000}"/>
-          </ac:spMkLst>
-        </pc:spChg>
-      </pc:sldChg>
-      <pc:sldChg chg="modSp">
-        <pc:chgData name="Vaibhav" userId="fea9aad5-0821-494e-8ee5-cb10b5ecb44e" providerId="ADAL" clId="{2EC74AD1-3B96-4B7C-B2AC-53A567667F07}" dt="2020-03-14T14:36:49.455" v="639" actId="108"/>
-        <pc:sldMkLst>
-          <pc:docMk/>
-          <pc:sldMk cId="2193995153" sldId="440"/>
-        </pc:sldMkLst>
-        <pc:spChg chg="mod">
-          <ac:chgData name="Vaibhav" userId="fea9aad5-0821-494e-8ee5-cb10b5ecb44e" providerId="ADAL" clId="{2EC74AD1-3B96-4B7C-B2AC-53A567667F07}" dt="2020-03-14T14:36:49.455" v="639" actId="108"/>
-          <ac:spMkLst>
-            <pc:docMk/>
-            <pc:sldMk cId="2193995153" sldId="440"/>
-            <ac:spMk id="11" creationId="{B3579BF0-3710-4E11-AA67-371A72A97B4D}"/>
-          </ac:spMkLst>
-        </pc:spChg>
-      </pc:sldChg>
-      <pc:sldChg chg="modSp modAnim">
-        <pc:chgData name="Vaibhav" userId="fea9aad5-0821-494e-8ee5-cb10b5ecb44e" providerId="ADAL" clId="{2EC74AD1-3B96-4B7C-B2AC-53A567667F07}" dt="2020-03-14T14:46:22.520" v="764" actId="207"/>
-        <pc:sldMkLst>
-          <pc:docMk/>
-          <pc:sldMk cId="2294650592" sldId="441"/>
-        </pc:sldMkLst>
-        <pc:spChg chg="mod">
-          <ac:chgData name="Vaibhav" userId="fea9aad5-0821-494e-8ee5-cb10b5ecb44e" providerId="ADAL" clId="{2EC74AD1-3B96-4B7C-B2AC-53A567667F07}" dt="2020-03-14T14:37:42.714" v="644" actId="108"/>
-          <ac:spMkLst>
-            <pc:docMk/>
-            <pc:sldMk cId="2294650592" sldId="441"/>
-            <ac:spMk id="18" creationId="{4ADFF6C6-F2EB-4F69-B0B5-7F158CC40697}"/>
-          </ac:spMkLst>
-        </pc:spChg>
-        <pc:spChg chg="mod">
-          <ac:chgData name="Vaibhav" userId="fea9aad5-0821-494e-8ee5-cb10b5ecb44e" providerId="ADAL" clId="{2EC74AD1-3B96-4B7C-B2AC-53A567667F07}" dt="2020-03-14T14:46:22.520" v="764" actId="207"/>
-          <ac:spMkLst>
-            <pc:docMk/>
-            <pc:sldMk cId="2294650592" sldId="441"/>
-            <ac:spMk id="20" creationId="{E135B19D-BD7F-426A-B2E0-3CB617D85D29}"/>
-          </ac:spMkLst>
-        </pc:spChg>
-        <pc:spChg chg="mod">
-          <ac:chgData name="Vaibhav" userId="fea9aad5-0821-494e-8ee5-cb10b5ecb44e" providerId="ADAL" clId="{2EC74AD1-3B96-4B7C-B2AC-53A567667F07}" dt="2020-03-14T14:45:38.931" v="754" actId="207"/>
-          <ac:spMkLst>
-            <pc:docMk/>
-            <pc:sldMk cId="2294650592" sldId="441"/>
-            <ac:spMk id="31" creationId="{4B11818F-C13F-4263-AB6F-39D361490851}"/>
-          </ac:spMkLst>
-        </pc:spChg>
-        <pc:spChg chg="mod">
-          <ac:chgData name="Vaibhav" userId="fea9aad5-0821-494e-8ee5-cb10b5ecb44e" providerId="ADAL" clId="{2EC74AD1-3B96-4B7C-B2AC-53A567667F07}" dt="2020-03-14T14:37:42.714" v="644" actId="108"/>
-          <ac:spMkLst>
-            <pc:docMk/>
-            <pc:sldMk cId="2294650592" sldId="441"/>
-            <ac:spMk id="36" creationId="{2FE508E1-B43A-4566-9592-007BCD385C10}"/>
-          </ac:spMkLst>
-        </pc:spChg>
-        <pc:spChg chg="mod">
-          <ac:chgData name="Vaibhav" userId="fea9aad5-0821-494e-8ee5-cb10b5ecb44e" providerId="ADAL" clId="{2EC74AD1-3B96-4B7C-B2AC-53A567667F07}" dt="2020-03-14T14:45:42.497" v="755" actId="207"/>
-          <ac:spMkLst>
-            <pc:docMk/>
-            <pc:sldMk cId="2294650592" sldId="441"/>
-            <ac:spMk id="53" creationId="{F1A2B32C-55F9-4CB9-A546-642DD6347BE5}"/>
-          </ac:spMkLst>
-        </pc:spChg>
-        <pc:spChg chg="mod">
-          <ac:chgData name="Vaibhav" userId="fea9aad5-0821-494e-8ee5-cb10b5ecb44e" providerId="ADAL" clId="{2EC74AD1-3B96-4B7C-B2AC-53A567667F07}" dt="2020-03-14T14:45:46.672" v="756" actId="207"/>
-          <ac:spMkLst>
-            <pc:docMk/>
-            <pc:sldMk cId="2294650592" sldId="441"/>
-            <ac:spMk id="54" creationId="{91AA8674-8FC4-4328-AD92-2B284973ED3A}"/>
-          </ac:spMkLst>
-        </pc:spChg>
-        <pc:spChg chg="mod">
-          <ac:chgData name="Vaibhav" userId="fea9aad5-0821-494e-8ee5-cb10b5ecb44e" providerId="ADAL" clId="{2EC74AD1-3B96-4B7C-B2AC-53A567667F07}" dt="2020-03-14T14:45:49.135" v="758" actId="207"/>
-          <ac:spMkLst>
-            <pc:docMk/>
-            <pc:sldMk cId="2294650592" sldId="441"/>
-            <ac:spMk id="55" creationId="{735D1D09-2451-4BD6-A683-6873A1633607}"/>
-          </ac:spMkLst>
-        </pc:spChg>
-        <pc:spChg chg="mod">
-          <ac:chgData name="Vaibhav" userId="fea9aad5-0821-494e-8ee5-cb10b5ecb44e" providerId="ADAL" clId="{2EC74AD1-3B96-4B7C-B2AC-53A567667F07}" dt="2020-03-14T14:45:51.942" v="759" actId="207"/>
-          <ac:spMkLst>
-            <pc:docMk/>
-            <pc:sldMk cId="2294650592" sldId="441"/>
-            <ac:spMk id="56" creationId="{21E37507-275C-4F6B-8C8A-F9B4585D9871}"/>
-          </ac:spMkLst>
-        </pc:spChg>
-        <pc:spChg chg="mod">
-          <ac:chgData name="Vaibhav" userId="fea9aad5-0821-494e-8ee5-cb10b5ecb44e" providerId="ADAL" clId="{2EC74AD1-3B96-4B7C-B2AC-53A567667F07}" dt="2020-03-14T14:45:54.403" v="760" actId="207"/>
-          <ac:spMkLst>
-            <pc:docMk/>
-            <pc:sldMk cId="2294650592" sldId="441"/>
-            <ac:spMk id="57" creationId="{7C0670B6-A409-4563-9C0E-AF5397D4BA70}"/>
-          </ac:spMkLst>
-        </pc:spChg>
-        <pc:spChg chg="mod">
-          <ac:chgData name="Vaibhav" userId="fea9aad5-0821-494e-8ee5-cb10b5ecb44e" providerId="ADAL" clId="{2EC74AD1-3B96-4B7C-B2AC-53A567667F07}" dt="2020-03-14T14:45:56.978" v="761" actId="207"/>
-          <ac:spMkLst>
-            <pc:docMk/>
-            <pc:sldMk cId="2294650592" sldId="441"/>
-            <ac:spMk id="58" creationId="{2D015631-6F4D-481D-91C3-91840E9DE2DC}"/>
-          </ac:spMkLst>
-        </pc:spChg>
-        <pc:spChg chg="mod">
-          <ac:chgData name="Vaibhav" userId="fea9aad5-0821-494e-8ee5-cb10b5ecb44e" providerId="ADAL" clId="{2EC74AD1-3B96-4B7C-B2AC-53A567667F07}" dt="2020-03-14T14:46:17.563" v="763" actId="207"/>
-          <ac:spMkLst>
-            <pc:docMk/>
-            <pc:sldMk cId="2294650592" sldId="441"/>
-            <ac:spMk id="59" creationId="{5296CC5F-0022-4373-8FEA-253C29C11172}"/>
-          </ac:spMkLst>
-        </pc:spChg>
-        <pc:picChg chg="mod">
-          <ac:chgData name="Vaibhav" userId="fea9aad5-0821-494e-8ee5-cb10b5ecb44e" providerId="ADAL" clId="{2EC74AD1-3B96-4B7C-B2AC-53A567667F07}" dt="2020-03-14T14:46:09.032" v="762" actId="208"/>
-          <ac:picMkLst>
-            <pc:docMk/>
-            <pc:sldMk cId="2294650592" sldId="441"/>
-            <ac:picMk id="15" creationId="{006B4503-E264-42DD-84E6-5744D52140AB}"/>
-          </ac:picMkLst>
-        </pc:picChg>
-        <pc:cxnChg chg="mod">
-          <ac:chgData name="Vaibhav" userId="fea9aad5-0821-494e-8ee5-cb10b5ecb44e" providerId="ADAL" clId="{2EC74AD1-3B96-4B7C-B2AC-53A567667F07}" dt="2020-03-14T14:45:13.547" v="752" actId="208"/>
-          <ac:cxnSpMkLst>
-            <pc:docMk/>
-            <pc:sldMk cId="2294650592" sldId="441"/>
-            <ac:cxnSpMk id="21" creationId="{EC312AE0-AB50-4F92-A581-BF3F07788E2F}"/>
-          </ac:cxnSpMkLst>
-        </pc:cxnChg>
-        <pc:cxnChg chg="mod">
-          <ac:chgData name="Vaibhav" userId="fea9aad5-0821-494e-8ee5-cb10b5ecb44e" providerId="ADAL" clId="{2EC74AD1-3B96-4B7C-B2AC-53A567667F07}" dt="2020-03-14T14:45:13.547" v="752" actId="208"/>
-          <ac:cxnSpMkLst>
-            <pc:docMk/>
-            <pc:sldMk cId="2294650592" sldId="441"/>
-            <ac:cxnSpMk id="23" creationId="{F4B03F94-260F-45DE-B5B9-4009BCBF7E9D}"/>
-          </ac:cxnSpMkLst>
-        </pc:cxnChg>
-        <pc:cxnChg chg="mod">
-          <ac:chgData name="Vaibhav" userId="fea9aad5-0821-494e-8ee5-cb10b5ecb44e" providerId="ADAL" clId="{2EC74AD1-3B96-4B7C-B2AC-53A567667F07}" dt="2020-03-14T14:45:13.547" v="752" actId="208"/>
-          <ac:cxnSpMkLst>
-            <pc:docMk/>
-            <pc:sldMk cId="2294650592" sldId="441"/>
-            <ac:cxnSpMk id="25" creationId="{202B3BFF-6B34-48AE-8E4A-DB4B4B00E318}"/>
-          </ac:cxnSpMkLst>
-        </pc:cxnChg>
-        <pc:cxnChg chg="mod">
-          <ac:chgData name="Vaibhav" userId="fea9aad5-0821-494e-8ee5-cb10b5ecb44e" providerId="ADAL" clId="{2EC74AD1-3B96-4B7C-B2AC-53A567667F07}" dt="2020-03-14T14:45:13.547" v="752" actId="208"/>
-          <ac:cxnSpMkLst>
-            <pc:docMk/>
-            <pc:sldMk cId="2294650592" sldId="441"/>
-            <ac:cxnSpMk id="27" creationId="{44B83DA9-3F9B-4686-AC28-E10217CEE7FF}"/>
-          </ac:cxnSpMkLst>
-        </pc:cxnChg>
-        <pc:cxnChg chg="mod">
-          <ac:chgData name="Vaibhav" userId="fea9aad5-0821-494e-8ee5-cb10b5ecb44e" providerId="ADAL" clId="{2EC74AD1-3B96-4B7C-B2AC-53A567667F07}" dt="2020-03-14T14:45:13.547" v="752" actId="208"/>
-          <ac:cxnSpMkLst>
-            <pc:docMk/>
-            <pc:sldMk cId="2294650592" sldId="441"/>
-            <ac:cxnSpMk id="32" creationId="{B173AE4D-92FA-41C1-9599-7749BEDA9E31}"/>
-          </ac:cxnSpMkLst>
-        </pc:cxnChg>
-        <pc:cxnChg chg="mod">
-          <ac:chgData name="Vaibhav" userId="fea9aad5-0821-494e-8ee5-cb10b5ecb44e" providerId="ADAL" clId="{2EC74AD1-3B96-4B7C-B2AC-53A567667F07}" dt="2020-03-14T14:45:13.547" v="752" actId="208"/>
-          <ac:cxnSpMkLst>
-            <pc:docMk/>
-            <pc:sldMk cId="2294650592" sldId="441"/>
-            <ac:cxnSpMk id="33" creationId="{448FF2DA-E38D-4414-813F-1578ECF53711}"/>
-          </ac:cxnSpMkLst>
-        </pc:cxnChg>
-        <pc:cxnChg chg="mod">
-          <ac:chgData name="Vaibhav" userId="fea9aad5-0821-494e-8ee5-cb10b5ecb44e" providerId="ADAL" clId="{2EC74AD1-3B96-4B7C-B2AC-53A567667F07}" dt="2020-03-14T14:45:13.547" v="752" actId="208"/>
-          <ac:cxnSpMkLst>
-            <pc:docMk/>
-            <pc:sldMk cId="2294650592" sldId="441"/>
-            <ac:cxnSpMk id="34" creationId="{ABD5B532-BE91-40F6-9E82-2417BA82EAD4}"/>
-          </ac:cxnSpMkLst>
-        </pc:cxnChg>
-        <pc:cxnChg chg="mod">
-          <ac:chgData name="Vaibhav" userId="fea9aad5-0821-494e-8ee5-cb10b5ecb44e" providerId="ADAL" clId="{2EC74AD1-3B96-4B7C-B2AC-53A567667F07}" dt="2020-03-14T14:44:40.988" v="751" actId="208"/>
-          <ac:cxnSpMkLst>
-            <pc:docMk/>
-            <pc:sldMk cId="2294650592" sldId="441"/>
-            <ac:cxnSpMk id="35" creationId="{480C9039-D93A-4A2B-81DF-CEFE78964CE4}"/>
-          </ac:cxnSpMkLst>
-        </pc:cxnChg>
-      </pc:sldChg>
-      <pc:sldChg chg="delSp modSp modAnim">
-        <pc:chgData name="Vaibhav" userId="fea9aad5-0821-494e-8ee5-cb10b5ecb44e" providerId="ADAL" clId="{2EC74AD1-3B96-4B7C-B2AC-53A567667F07}" dt="2020-03-14T14:33:40.610" v="637"/>
-        <pc:sldMkLst>
-          <pc:docMk/>
-          <pc:sldMk cId="1091433465" sldId="442"/>
-        </pc:sldMkLst>
-        <pc:spChg chg="del">
-          <ac:chgData name="Vaibhav" userId="fea9aad5-0821-494e-8ee5-cb10b5ecb44e" providerId="ADAL" clId="{2EC74AD1-3B96-4B7C-B2AC-53A567667F07}" dt="2020-03-14T14:28:24.087" v="609" actId="478"/>
-          <ac:spMkLst>
-            <pc:docMk/>
-            <pc:sldMk cId="1091433465" sldId="442"/>
-            <ac:spMk id="19" creationId="{F82AB6AA-E36A-41BF-9C97-D76F93A3A288}"/>
-          </ac:spMkLst>
-        </pc:spChg>
-        <pc:picChg chg="mod">
-          <ac:chgData name="Vaibhav" userId="fea9aad5-0821-494e-8ee5-cb10b5ecb44e" providerId="ADAL" clId="{2EC74AD1-3B96-4B7C-B2AC-53A567667F07}" dt="2020-03-14T14:28:43.789" v="610" actId="1076"/>
-          <ac:picMkLst>
-            <pc:docMk/>
-            <pc:sldMk cId="1091433465" sldId="442"/>
-            <ac:picMk id="4" creationId="{4C97B0A9-B8F9-43B3-9056-A7F433E24458}"/>
-          </ac:picMkLst>
-        </pc:picChg>
-      </pc:sldChg>
-      <pc:sldChg chg="modSp">
-        <pc:chgData name="Vaibhav" userId="fea9aad5-0821-494e-8ee5-cb10b5ecb44e" providerId="ADAL" clId="{2EC74AD1-3B96-4B7C-B2AC-53A567667F07}" dt="2020-03-14T14:36:19.601" v="638" actId="12"/>
-        <pc:sldMkLst>
-          <pc:docMk/>
-          <pc:sldMk cId="2789838473" sldId="443"/>
-        </pc:sldMkLst>
-        <pc:spChg chg="mod">
-          <ac:chgData name="Vaibhav" userId="fea9aad5-0821-494e-8ee5-cb10b5ecb44e" providerId="ADAL" clId="{2EC74AD1-3B96-4B7C-B2AC-53A567667F07}" dt="2020-03-14T14:36:19.601" v="638" actId="12"/>
-          <ac:spMkLst>
-            <pc:docMk/>
-            <pc:sldMk cId="2789838473" sldId="443"/>
-            <ac:spMk id="2" creationId="{00000000-0000-0000-0000-000000000000}"/>
-          </ac:spMkLst>
-        </pc:spChg>
-      </pc:sldChg>
-      <pc:sldChg chg="addSp delSp modSp del">
-        <pc:chgData name="Vaibhav" userId="fea9aad5-0821-494e-8ee5-cb10b5ecb44e" providerId="ADAL" clId="{2EC74AD1-3B96-4B7C-B2AC-53A567667F07}" dt="2020-03-15T08:19:38.864" v="950" actId="47"/>
-        <pc:sldMkLst>
-          <pc:docMk/>
-          <pc:sldMk cId="3710020056" sldId="444"/>
-        </pc:sldMkLst>
-        <pc:spChg chg="mod">
-          <ac:chgData name="Vaibhav" userId="fea9aad5-0821-494e-8ee5-cb10b5ecb44e" providerId="ADAL" clId="{2EC74AD1-3B96-4B7C-B2AC-53A567667F07}" dt="2020-03-14T14:46:51.595" v="765" actId="12"/>
-          <ac:spMkLst>
-            <pc:docMk/>
-            <pc:sldMk cId="3710020056" sldId="444"/>
-            <ac:spMk id="2" creationId="{00000000-0000-0000-0000-000000000000}"/>
-          </ac:spMkLst>
-        </pc:spChg>
-        <pc:picChg chg="add mod">
-          <ac:chgData name="Vaibhav" userId="fea9aad5-0821-494e-8ee5-cb10b5ecb44e" providerId="ADAL" clId="{2EC74AD1-3B96-4B7C-B2AC-53A567667F07}" dt="2020-03-15T08:10:54.510" v="896" actId="14100"/>
-          <ac:picMkLst>
-            <pc:docMk/>
-            <pc:sldMk cId="3710020056" sldId="444"/>
-            <ac:picMk id="3" creationId="{CF89D5CE-703F-48AD-AB3E-98AD808F9394}"/>
-          </ac:picMkLst>
-        </pc:picChg>
-        <pc:picChg chg="del">
-          <ac:chgData name="Vaibhav" userId="fea9aad5-0821-494e-8ee5-cb10b5ecb44e" providerId="ADAL" clId="{2EC74AD1-3B96-4B7C-B2AC-53A567667F07}" dt="2020-03-15T08:10:38.598" v="891" actId="478"/>
-          <ac:picMkLst>
-            <pc:docMk/>
-            <pc:sldMk cId="3710020056" sldId="444"/>
-            <ac:picMk id="5" creationId="{8D1E2595-7E17-425C-A1F1-2DB036FFF83A}"/>
-          </ac:picMkLst>
-        </pc:picChg>
-      </pc:sldChg>
-      <pc:sldChg chg="addSp delSp modSp">
-        <pc:chgData name="Vaibhav" userId="fea9aad5-0821-494e-8ee5-cb10b5ecb44e" providerId="ADAL" clId="{2EC74AD1-3B96-4B7C-B2AC-53A567667F07}" dt="2020-03-14T15:29:32.372" v="842" actId="1076"/>
-        <pc:sldMkLst>
-          <pc:docMk/>
-          <pc:sldMk cId="2039938434" sldId="445"/>
-        </pc:sldMkLst>
-        <pc:spChg chg="add del">
-          <ac:chgData name="Vaibhav" userId="fea9aad5-0821-494e-8ee5-cb10b5ecb44e" providerId="ADAL" clId="{2EC74AD1-3B96-4B7C-B2AC-53A567667F07}" dt="2020-03-14T15:28:42.997" v="835"/>
-          <ac:spMkLst>
-            <pc:docMk/>
-            <pc:sldMk cId="2039938434" sldId="445"/>
-            <ac:spMk id="3" creationId="{679CD4D2-C217-4C7E-A335-BDCBBFC35368}"/>
-          </ac:spMkLst>
-        </pc:spChg>
-        <pc:spChg chg="add del">
-          <ac:chgData name="Vaibhav" userId="fea9aad5-0821-494e-8ee5-cb10b5ecb44e" providerId="ADAL" clId="{2EC74AD1-3B96-4B7C-B2AC-53A567667F07}" dt="2020-03-14T15:28:42.997" v="835"/>
-          <ac:spMkLst>
-            <pc:docMk/>
-            <pc:sldMk cId="2039938434" sldId="445"/>
-            <ac:spMk id="5" creationId="{084B63E8-9557-455F-AD80-1D290E6291D7}"/>
-          </ac:spMkLst>
-        </pc:spChg>
-        <pc:spChg chg="add del">
-          <ac:chgData name="Vaibhav" userId="fea9aad5-0821-494e-8ee5-cb10b5ecb44e" providerId="ADAL" clId="{2EC74AD1-3B96-4B7C-B2AC-53A567667F07}" dt="2020-03-14T15:28:42.997" v="835"/>
-          <ac:spMkLst>
-            <pc:docMk/>
-            <pc:sldMk cId="2039938434" sldId="445"/>
-            <ac:spMk id="6" creationId="{B5DD9BBF-CE17-4334-9E6D-3E03B0C3D952}"/>
-          </ac:spMkLst>
-        </pc:spChg>
-        <pc:spChg chg="add del">
-          <ac:chgData name="Vaibhav" userId="fea9aad5-0821-494e-8ee5-cb10b5ecb44e" providerId="ADAL" clId="{2EC74AD1-3B96-4B7C-B2AC-53A567667F07}" dt="2020-03-14T15:28:42.997" v="835"/>
-          <ac:spMkLst>
-            <pc:docMk/>
-            <pc:sldMk cId="2039938434" sldId="445"/>
-            <ac:spMk id="7" creationId="{FE2B90FC-D953-4904-978A-467AD856A428}"/>
-          </ac:spMkLst>
-        </pc:spChg>
-        <pc:spChg chg="add del">
-          <ac:chgData name="Vaibhav" userId="fea9aad5-0821-494e-8ee5-cb10b5ecb44e" providerId="ADAL" clId="{2EC74AD1-3B96-4B7C-B2AC-53A567667F07}" dt="2020-03-14T15:28:42.997" v="835"/>
-          <ac:spMkLst>
-            <pc:docMk/>
-            <pc:sldMk cId="2039938434" sldId="445"/>
-            <ac:spMk id="10" creationId="{424F5733-2C57-4853-ADA2-26E45624E1DA}"/>
-          </ac:spMkLst>
-        </pc:spChg>
-        <pc:spChg chg="add del">
-          <ac:chgData name="Vaibhav" userId="fea9aad5-0821-494e-8ee5-cb10b5ecb44e" providerId="ADAL" clId="{2EC74AD1-3B96-4B7C-B2AC-53A567667F07}" dt="2020-03-14T15:28:42.997" v="835"/>
-          <ac:spMkLst>
-            <pc:docMk/>
-            <pc:sldMk cId="2039938434" sldId="445"/>
-            <ac:spMk id="11" creationId="{7DFA4006-6641-47BB-9C33-2CA3E5338A56}"/>
-          </ac:spMkLst>
-        </pc:spChg>
-        <pc:spChg chg="add del">
-          <ac:chgData name="Vaibhav" userId="fea9aad5-0821-494e-8ee5-cb10b5ecb44e" providerId="ADAL" clId="{2EC74AD1-3B96-4B7C-B2AC-53A567667F07}" dt="2020-03-14T15:28:42.997" v="835"/>
-          <ac:spMkLst>
-            <pc:docMk/>
-            <pc:sldMk cId="2039938434" sldId="445"/>
-            <ac:spMk id="12" creationId="{DF178950-0BEF-4751-8CD7-834F735AB2A4}"/>
-          </ac:spMkLst>
-        </pc:spChg>
-        <pc:spChg chg="add del">
-          <ac:chgData name="Vaibhav" userId="fea9aad5-0821-494e-8ee5-cb10b5ecb44e" providerId="ADAL" clId="{2EC74AD1-3B96-4B7C-B2AC-53A567667F07}" dt="2020-03-14T15:28:42.997" v="835"/>
-          <ac:spMkLst>
-            <pc:docMk/>
-            <pc:sldMk cId="2039938434" sldId="445"/>
-            <ac:spMk id="13" creationId="{236DAE41-C3CB-48FA-96F6-303C10EC692F}"/>
-          </ac:spMkLst>
-        </pc:spChg>
-        <pc:spChg chg="add del">
-          <ac:chgData name="Vaibhav" userId="fea9aad5-0821-494e-8ee5-cb10b5ecb44e" providerId="ADAL" clId="{2EC74AD1-3B96-4B7C-B2AC-53A567667F07}" dt="2020-03-14T15:28:42.997" v="835"/>
-          <ac:spMkLst>
-            <pc:docMk/>
-            <pc:sldMk cId="2039938434" sldId="445"/>
-            <ac:spMk id="14" creationId="{77FF4CB4-C564-4616-AA1D-186D03410610}"/>
-          </ac:spMkLst>
-        </pc:spChg>
-        <pc:spChg chg="add del">
-          <ac:chgData name="Vaibhav" userId="fea9aad5-0821-494e-8ee5-cb10b5ecb44e" providerId="ADAL" clId="{2EC74AD1-3B96-4B7C-B2AC-53A567667F07}" dt="2020-03-14T15:28:42.997" v="835"/>
-          <ac:spMkLst>
-            <pc:docMk/>
-            <pc:sldMk cId="2039938434" sldId="445"/>
-            <ac:spMk id="15" creationId="{F6D12C11-C863-4B8E-8475-19526B8C822F}"/>
-          </ac:spMkLst>
-        </pc:spChg>
-        <pc:spChg chg="add del">
-          <ac:chgData name="Vaibhav" userId="fea9aad5-0821-494e-8ee5-cb10b5ecb44e" providerId="ADAL" clId="{2EC74AD1-3B96-4B7C-B2AC-53A567667F07}" dt="2020-03-14T15:28:42.997" v="835"/>
-          <ac:spMkLst>
-            <pc:docMk/>
-            <pc:sldMk cId="2039938434" sldId="445"/>
-            <ac:spMk id="16" creationId="{C522E07B-0B15-42D9-8DE0-11CD99740E87}"/>
-          </ac:spMkLst>
-        </pc:spChg>
-        <pc:spChg chg="add del">
-          <ac:chgData name="Vaibhav" userId="fea9aad5-0821-494e-8ee5-cb10b5ecb44e" providerId="ADAL" clId="{2EC74AD1-3B96-4B7C-B2AC-53A567667F07}" dt="2020-03-14T15:28:42.997" v="835"/>
-          <ac:spMkLst>
-            <pc:docMk/>
-            <pc:sldMk cId="2039938434" sldId="445"/>
-            <ac:spMk id="17" creationId="{7C6E2C7E-14A1-4338-A9D1-E7FA846DA7B8}"/>
-          </ac:spMkLst>
-        </pc:spChg>
-        <pc:spChg chg="add del">
-          <ac:chgData name="Vaibhav" userId="fea9aad5-0821-494e-8ee5-cb10b5ecb44e" providerId="ADAL" clId="{2EC74AD1-3B96-4B7C-B2AC-53A567667F07}" dt="2020-03-14T15:28:42.997" v="835"/>
-          <ac:spMkLst>
-            <pc:docMk/>
-            <pc:sldMk cId="2039938434" sldId="445"/>
-            <ac:spMk id="18" creationId="{EB0A9528-678B-45B6-92D9-2C543F04B7E2}"/>
-          </ac:spMkLst>
-        </pc:spChg>
-        <pc:spChg chg="add del">
-          <ac:chgData name="Vaibhav" userId="fea9aad5-0821-494e-8ee5-cb10b5ecb44e" providerId="ADAL" clId="{2EC74AD1-3B96-4B7C-B2AC-53A567667F07}" dt="2020-03-14T15:28:42.997" v="835"/>
-          <ac:spMkLst>
-            <pc:docMk/>
-            <pc:sldMk cId="2039938434" sldId="445"/>
-            <ac:spMk id="19" creationId="{90912358-69C6-45F3-9CB4-91AF3D4C325D}"/>
-          </ac:spMkLst>
-        </pc:spChg>
-        <pc:spChg chg="add del">
-          <ac:chgData name="Vaibhav" userId="fea9aad5-0821-494e-8ee5-cb10b5ecb44e" providerId="ADAL" clId="{2EC74AD1-3B96-4B7C-B2AC-53A567667F07}" dt="2020-03-14T15:28:42.997" v="835"/>
-          <ac:spMkLst>
-            <pc:docMk/>
-            <pc:sldMk cId="2039938434" sldId="445"/>
-            <ac:spMk id="21" creationId="{DCADF8C2-FB51-4BD3-8E07-9B4E744A2227}"/>
-          </ac:spMkLst>
-        </pc:spChg>
-        <pc:spChg chg="add del">
-          <ac:chgData name="Vaibhav" userId="fea9aad5-0821-494e-8ee5-cb10b5ecb44e" providerId="ADAL" clId="{2EC74AD1-3B96-4B7C-B2AC-53A567667F07}" dt="2020-03-14T15:28:42.997" v="835"/>
-          <ac:spMkLst>
-            <pc:docMk/>
-            <pc:sldMk cId="2039938434" sldId="445"/>
-            <ac:spMk id="22" creationId="{88B1BB46-0811-4923-9888-53985720B0F7}"/>
-          </ac:spMkLst>
-        </pc:spChg>
-        <pc:spChg chg="add del">
-          <ac:chgData name="Vaibhav" userId="fea9aad5-0821-494e-8ee5-cb10b5ecb44e" providerId="ADAL" clId="{2EC74AD1-3B96-4B7C-B2AC-53A567667F07}" dt="2020-03-14T15:28:42.997" v="835"/>
-          <ac:spMkLst>
-            <pc:docMk/>
-            <pc:sldMk cId="2039938434" sldId="445"/>
-            <ac:spMk id="23" creationId="{0D3E242D-3310-407D-AE1A-F68692695DB7}"/>
-          </ac:spMkLst>
-        </pc:spChg>
-        <pc:spChg chg="add del">
-          <ac:chgData name="Vaibhav" userId="fea9aad5-0821-494e-8ee5-cb10b5ecb44e" providerId="ADAL" clId="{2EC74AD1-3B96-4B7C-B2AC-53A567667F07}" dt="2020-03-14T15:28:42.997" v="835"/>
-          <ac:spMkLst>
-            <pc:docMk/>
-            <pc:sldMk cId="2039938434" sldId="445"/>
-            <ac:spMk id="24" creationId="{8F49C5F3-5EA3-489E-B238-E29FCE25FEE5}"/>
-          </ac:spMkLst>
-        </pc:spChg>
-        <pc:spChg chg="add del">
-          <ac:chgData name="Vaibhav" userId="fea9aad5-0821-494e-8ee5-cb10b5ecb44e" providerId="ADAL" clId="{2EC74AD1-3B96-4B7C-B2AC-53A567667F07}" dt="2020-03-14T15:28:42.997" v="835"/>
-          <ac:spMkLst>
-            <pc:docMk/>
-            <pc:sldMk cId="2039938434" sldId="445"/>
-            <ac:spMk id="25" creationId="{5E3D5D9F-5C1E-4B20-A888-4E1E682BA8A6}"/>
-          </ac:spMkLst>
-        </pc:spChg>
-        <pc:spChg chg="add del">
-          <ac:chgData name="Vaibhav" userId="fea9aad5-0821-494e-8ee5-cb10b5ecb44e" providerId="ADAL" clId="{2EC74AD1-3B96-4B7C-B2AC-53A567667F07}" dt="2020-03-14T15:28:42.997" v="835"/>
-          <ac:spMkLst>
-            <pc:docMk/>
-            <pc:sldMk cId="2039938434" sldId="445"/>
-            <ac:spMk id="26" creationId="{90F3F29E-6E30-40F4-A296-B28AB2E03186}"/>
-          </ac:spMkLst>
-        </pc:spChg>
-        <pc:spChg chg="add del">
-          <ac:chgData name="Vaibhav" userId="fea9aad5-0821-494e-8ee5-cb10b5ecb44e" providerId="ADAL" clId="{2EC74AD1-3B96-4B7C-B2AC-53A567667F07}" dt="2020-03-14T15:28:42.997" v="835"/>
-          <ac:spMkLst>
-            <pc:docMk/>
-            <pc:sldMk cId="2039938434" sldId="445"/>
-            <ac:spMk id="27" creationId="{AC13F200-4942-47AB-A192-22934E43D390}"/>
-          </ac:spMkLst>
-        </pc:spChg>
-        <pc:spChg chg="add del">
-          <ac:chgData name="Vaibhav" userId="fea9aad5-0821-494e-8ee5-cb10b5ecb44e" providerId="ADAL" clId="{2EC74AD1-3B96-4B7C-B2AC-53A567667F07}" dt="2020-03-14T15:28:42.997" v="835"/>
-          <ac:spMkLst>
-            <pc:docMk/>
-            <pc:sldMk cId="2039938434" sldId="445"/>
-            <ac:spMk id="2048" creationId="{FB5C1381-E45D-4DE9-86DF-92003D71DEE6}"/>
-          </ac:spMkLst>
-        </pc:spChg>
-        <pc:spChg chg="add del">
-          <ac:chgData name="Vaibhav" userId="fea9aad5-0821-494e-8ee5-cb10b5ecb44e" providerId="ADAL" clId="{2EC74AD1-3B96-4B7C-B2AC-53A567667F07}" dt="2020-03-14T15:28:42.997" v="835"/>
-          <ac:spMkLst>
-            <pc:docMk/>
-            <pc:sldMk cId="2039938434" sldId="445"/>
-            <ac:spMk id="2055" creationId="{1FAF8E79-B915-44EC-9A4E-25FA5A52E1E7}"/>
-          </ac:spMkLst>
-        </pc:spChg>
-        <pc:spChg chg="add del">
-          <ac:chgData name="Vaibhav" userId="fea9aad5-0821-494e-8ee5-cb10b5ecb44e" providerId="ADAL" clId="{2EC74AD1-3B96-4B7C-B2AC-53A567667F07}" dt="2020-03-14T15:28:42.997" v="835"/>
-          <ac:spMkLst>
-            <pc:docMk/>
-            <pc:sldMk cId="2039938434" sldId="445"/>
-            <ac:spMk id="2057" creationId="{222B787F-B6B2-4252-AB3C-0CA18CE28F43}"/>
-          </ac:spMkLst>
-        </pc:spChg>
-        <pc:spChg chg="add del">
-          <ac:chgData name="Vaibhav" userId="fea9aad5-0821-494e-8ee5-cb10b5ecb44e" providerId="ADAL" clId="{2EC74AD1-3B96-4B7C-B2AC-53A567667F07}" dt="2020-03-14T15:28:42.997" v="835"/>
-          <ac:spMkLst>
-            <pc:docMk/>
-            <pc:sldMk cId="2039938434" sldId="445"/>
-            <ac:spMk id="2058" creationId="{9FA1115A-A75F-44BD-8BB2-B9321F6655C6}"/>
-          </ac:spMkLst>
-        </pc:spChg>
-        <pc:spChg chg="add del">
-          <ac:chgData name="Vaibhav" userId="fea9aad5-0821-494e-8ee5-cb10b5ecb44e" providerId="ADAL" clId="{2EC74AD1-3B96-4B7C-B2AC-53A567667F07}" dt="2020-03-14T15:28:42.997" v="835"/>
-          <ac:spMkLst>
-            <pc:docMk/>
-            <pc:sldMk cId="2039938434" sldId="445"/>
-            <ac:spMk id="2059" creationId="{E73DDDB7-5ED1-4444-AD70-F274CA66F58A}"/>
-          </ac:spMkLst>
-        </pc:spChg>
-        <pc:spChg chg="add del">
-          <ac:chgData name="Vaibhav" userId="fea9aad5-0821-494e-8ee5-cb10b5ecb44e" providerId="ADAL" clId="{2EC74AD1-3B96-4B7C-B2AC-53A567667F07}" dt="2020-03-14T15:28:42.997" v="835"/>
-          <ac:spMkLst>
-            <pc:docMk/>
-            <pc:sldMk cId="2039938434" sldId="445"/>
-            <ac:spMk id="2060" creationId="{13BACC78-3B8C-42E8-8651-651187DE4602}"/>
-          </ac:spMkLst>
-        </pc:spChg>
-        <pc:spChg chg="add del">
-          <ac:chgData name="Vaibhav" userId="fea9aad5-0821-494e-8ee5-cb10b5ecb44e" providerId="ADAL" clId="{2EC74AD1-3B96-4B7C-B2AC-53A567667F07}" dt="2020-03-14T15:28:42.997" v="835"/>
-          <ac:spMkLst>
-            <pc:docMk/>
-            <pc:sldMk cId="2039938434" sldId="445"/>
-            <ac:spMk id="2061" creationId="{61E579DD-E231-4A21-8F8C-84C2543BAF39}"/>
-          </ac:spMkLst>
-        </pc:spChg>
-        <pc:picChg chg="del mod">
-          <ac:chgData name="Vaibhav" userId="fea9aad5-0821-494e-8ee5-cb10b5ecb44e" providerId="ADAL" clId="{2EC74AD1-3B96-4B7C-B2AC-53A567667F07}" dt="2020-03-14T15:26:13.399" v="833" actId="478"/>
-          <ac:picMkLst>
-            <pc:docMk/>
-            <pc:sldMk cId="2039938434" sldId="445"/>
-            <ac:picMk id="4" creationId="{559650E3-831C-4F3C-87C5-92C7236E3F06}"/>
-          </ac:picMkLst>
-        </pc:picChg>
-        <pc:picChg chg="add del">
-          <ac:chgData name="Vaibhav" userId="fea9aad5-0821-494e-8ee5-cb10b5ecb44e" providerId="ADAL" clId="{2EC74AD1-3B96-4B7C-B2AC-53A567667F07}" dt="2020-03-14T15:28:42.997" v="835"/>
-          <ac:picMkLst>
-            <pc:docMk/>
-            <pc:sldMk cId="2039938434" sldId="445"/>
-            <ac:picMk id="2049" creationId="{BE1D8949-1760-4835-8E81-1132C7491453}"/>
-          </ac:picMkLst>
-        </pc:picChg>
-        <pc:picChg chg="add del">
-          <ac:chgData name="Vaibhav" userId="fea9aad5-0821-494e-8ee5-cb10b5ecb44e" providerId="ADAL" clId="{2EC74AD1-3B96-4B7C-B2AC-53A567667F07}" dt="2020-03-14T15:28:42.997" v="835"/>
-          <ac:picMkLst>
-            <pc:docMk/>
-            <pc:sldMk cId="2039938434" sldId="445"/>
-            <ac:picMk id="2050" creationId="{E1C15161-ACC9-4A17-8198-06CD9030B580}"/>
-          </ac:picMkLst>
-        </pc:picChg>
-        <pc:picChg chg="add del">
-          <ac:chgData name="Vaibhav" userId="fea9aad5-0821-494e-8ee5-cb10b5ecb44e" providerId="ADAL" clId="{2EC74AD1-3B96-4B7C-B2AC-53A567667F07}" dt="2020-03-14T15:28:42.997" v="835"/>
-          <ac:picMkLst>
-            <pc:docMk/>
-            <pc:sldMk cId="2039938434" sldId="445"/>
-            <ac:picMk id="2051" creationId="{CE183DC7-4BE3-4C77-8DD9-C68EA5E1B5DB}"/>
-          </ac:picMkLst>
-        </pc:picChg>
-        <pc:picChg chg="add del">
-          <ac:chgData name="Vaibhav" userId="fea9aad5-0821-494e-8ee5-cb10b5ecb44e" providerId="ADAL" clId="{2EC74AD1-3B96-4B7C-B2AC-53A567667F07}" dt="2020-03-14T15:28:42.997" v="835"/>
-          <ac:picMkLst>
-            <pc:docMk/>
-            <pc:sldMk cId="2039938434" sldId="445"/>
-            <ac:picMk id="2052" creationId="{BEF1774B-7750-43C2-B774-56AF99C407AA}"/>
-          </ac:picMkLst>
-        </pc:picChg>
-        <pc:picChg chg="add del">
-          <ac:chgData name="Vaibhav" userId="fea9aad5-0821-494e-8ee5-cb10b5ecb44e" providerId="ADAL" clId="{2EC74AD1-3B96-4B7C-B2AC-53A567667F07}" dt="2020-03-14T15:28:42.997" v="835"/>
-          <ac:picMkLst>
-            <pc:docMk/>
-            <pc:sldMk cId="2039938434" sldId="445"/>
-            <ac:picMk id="2053" creationId="{A709FCD7-8CC2-4D92-B529-DD58300AF2D4}"/>
-          </ac:picMkLst>
-        </pc:picChg>
-        <pc:picChg chg="add del">
-          <ac:chgData name="Vaibhav" userId="fea9aad5-0821-494e-8ee5-cb10b5ecb44e" providerId="ADAL" clId="{2EC74AD1-3B96-4B7C-B2AC-53A567667F07}" dt="2020-03-14T15:28:42.997" v="835"/>
-          <ac:picMkLst>
-            <pc:docMk/>
-            <pc:sldMk cId="2039938434" sldId="445"/>
-            <ac:picMk id="2054" creationId="{2F474E63-519D-4898-840E-77BD4C8A4722}"/>
-          </ac:picMkLst>
-        </pc:picChg>
-        <pc:picChg chg="add del">
-          <ac:chgData name="Vaibhav" userId="fea9aad5-0821-494e-8ee5-cb10b5ecb44e" providerId="ADAL" clId="{2EC74AD1-3B96-4B7C-B2AC-53A567667F07}" dt="2020-03-14T15:28:42.997" v="835"/>
-          <ac:picMkLst>
-            <pc:docMk/>
-            <pc:sldMk cId="2039938434" sldId="445"/>
-            <ac:picMk id="2056" creationId="{FF0BC8F3-5FB1-4437-866C-4F19EE3614A5}"/>
-          </ac:picMkLst>
-        </pc:picChg>
-        <pc:picChg chg="add mod">
-          <ac:chgData name="Vaibhav" userId="fea9aad5-0821-494e-8ee5-cb10b5ecb44e" providerId="ADAL" clId="{2EC74AD1-3B96-4B7C-B2AC-53A567667F07}" dt="2020-03-14T15:29:32.372" v="842" actId="1076"/>
-          <ac:picMkLst>
-            <pc:docMk/>
-            <pc:sldMk cId="2039938434" sldId="445"/>
-            <ac:picMk id="2062" creationId="{CD194E9D-897A-402E-8D8A-F2C7E83779AD}"/>
-          </ac:picMkLst>
-        </pc:picChg>
-        <pc:cxnChg chg="add del">
-          <ac:chgData name="Vaibhav" userId="fea9aad5-0821-494e-8ee5-cb10b5ecb44e" providerId="ADAL" clId="{2EC74AD1-3B96-4B7C-B2AC-53A567667F07}" dt="2020-03-14T15:28:42.997" v="835"/>
-          <ac:cxnSpMkLst>
-            <pc:docMk/>
-            <pc:sldMk cId="2039938434" sldId="445"/>
-            <ac:cxnSpMk id="28" creationId="{CB93266C-81FC-439E-8EC0-185453888FDF}"/>
-          </ac:cxnSpMkLst>
-        </pc:cxnChg>
-        <pc:cxnChg chg="add del">
-          <ac:chgData name="Vaibhav" userId="fea9aad5-0821-494e-8ee5-cb10b5ecb44e" providerId="ADAL" clId="{2EC74AD1-3B96-4B7C-B2AC-53A567667F07}" dt="2020-03-14T15:28:42.997" v="835"/>
-          <ac:cxnSpMkLst>
-            <pc:docMk/>
-            <pc:sldMk cId="2039938434" sldId="445"/>
-            <ac:cxnSpMk id="29" creationId="{D03C1DB7-B8DB-4A13-9DA6-151395FD0796}"/>
-          </ac:cxnSpMkLst>
-        </pc:cxnChg>
-        <pc:cxnChg chg="add del">
-          <ac:chgData name="Vaibhav" userId="fea9aad5-0821-494e-8ee5-cb10b5ecb44e" providerId="ADAL" clId="{2EC74AD1-3B96-4B7C-B2AC-53A567667F07}" dt="2020-03-14T15:28:42.997" v="835"/>
-          <ac:cxnSpMkLst>
-            <pc:docMk/>
-            <pc:sldMk cId="2039938434" sldId="445"/>
-            <ac:cxnSpMk id="30" creationId="{7CFC26D3-5D07-4D6E-9118-587B545D7899}"/>
-          </ac:cxnSpMkLst>
-        </pc:cxnChg>
-        <pc:cxnChg chg="add del">
-          <ac:chgData name="Vaibhav" userId="fea9aad5-0821-494e-8ee5-cb10b5ecb44e" providerId="ADAL" clId="{2EC74AD1-3B96-4B7C-B2AC-53A567667F07}" dt="2020-03-14T15:28:42.997" v="835"/>
-          <ac:cxnSpMkLst>
-            <pc:docMk/>
-            <pc:sldMk cId="2039938434" sldId="445"/>
-            <ac:cxnSpMk id="31" creationId="{CB89489B-C8F7-4736-AF5D-13BD0A9DEE01}"/>
-          </ac:cxnSpMkLst>
-        </pc:cxnChg>
-        <pc:cxnChg chg="add del">
-          <ac:chgData name="Vaibhav" userId="fea9aad5-0821-494e-8ee5-cb10b5ecb44e" providerId="ADAL" clId="{2EC74AD1-3B96-4B7C-B2AC-53A567667F07}" dt="2020-03-14T15:28:42.997" v="835"/>
-          <ac:cxnSpMkLst>
-            <pc:docMk/>
-            <pc:sldMk cId="2039938434" sldId="445"/>
-            <ac:cxnSpMk id="32" creationId="{0EAEC923-B5DC-4A29-AC97-11738357CBEC}"/>
-          </ac:cxnSpMkLst>
-        </pc:cxnChg>
-        <pc:cxnChg chg="add del">
-          <ac:chgData name="Vaibhav" userId="fea9aad5-0821-494e-8ee5-cb10b5ecb44e" providerId="ADAL" clId="{2EC74AD1-3B96-4B7C-B2AC-53A567667F07}" dt="2020-03-14T15:28:42.997" v="835"/>
-          <ac:cxnSpMkLst>
-            <pc:docMk/>
-            <pc:sldMk cId="2039938434" sldId="445"/>
-            <ac:cxnSpMk id="33" creationId="{B5670BA2-EBB3-403C-8399-F9498DEA1DF6}"/>
-          </ac:cxnSpMkLst>
-        </pc:cxnChg>
-        <pc:cxnChg chg="add del">
-          <ac:chgData name="Vaibhav" userId="fea9aad5-0821-494e-8ee5-cb10b5ecb44e" providerId="ADAL" clId="{2EC74AD1-3B96-4B7C-B2AC-53A567667F07}" dt="2020-03-14T15:28:42.997" v="835"/>
-          <ac:cxnSpMkLst>
-            <pc:docMk/>
-            <pc:sldMk cId="2039938434" sldId="445"/>
-            <ac:cxnSpMk id="34" creationId="{60964635-F7D7-471A-B005-57CECCEF9B33}"/>
-          </ac:cxnSpMkLst>
-        </pc:cxnChg>
-        <pc:cxnChg chg="add del">
-          <ac:chgData name="Vaibhav" userId="fea9aad5-0821-494e-8ee5-cb10b5ecb44e" providerId="ADAL" clId="{2EC74AD1-3B96-4B7C-B2AC-53A567667F07}" dt="2020-03-14T15:28:42.997" v="835"/>
-          <ac:cxnSpMkLst>
-            <pc:docMk/>
-            <pc:sldMk cId="2039938434" sldId="445"/>
-            <ac:cxnSpMk id="35" creationId="{1A51EF90-76DC-491E-A37B-EA9E007C3802}"/>
-          </ac:cxnSpMkLst>
-        </pc:cxnChg>
-        <pc:cxnChg chg="add del">
-          <ac:chgData name="Vaibhav" userId="fea9aad5-0821-494e-8ee5-cb10b5ecb44e" providerId="ADAL" clId="{2EC74AD1-3B96-4B7C-B2AC-53A567667F07}" dt="2020-03-14T15:28:42.997" v="835"/>
-          <ac:cxnSpMkLst>
-            <pc:docMk/>
-            <pc:sldMk cId="2039938434" sldId="445"/>
-            <ac:cxnSpMk id="36" creationId="{6031094F-DD21-4029-8741-0BBC8CB5E82B}"/>
-          </ac:cxnSpMkLst>
-        </pc:cxnChg>
-        <pc:cxnChg chg="add del">
-          <ac:chgData name="Vaibhav" userId="fea9aad5-0821-494e-8ee5-cb10b5ecb44e" providerId="ADAL" clId="{2EC74AD1-3B96-4B7C-B2AC-53A567667F07}" dt="2020-03-14T15:28:42.997" v="835"/>
-          <ac:cxnSpMkLst>
-            <pc:docMk/>
-            <pc:sldMk cId="2039938434" sldId="445"/>
-            <ac:cxnSpMk id="38" creationId="{6C66C2E1-7E38-44EA-86FE-CBB471C7EA1B}"/>
-          </ac:cxnSpMkLst>
-        </pc:cxnChg>
-        <pc:cxnChg chg="add del">
-          <ac:chgData name="Vaibhav" userId="fea9aad5-0821-494e-8ee5-cb10b5ecb44e" providerId="ADAL" clId="{2EC74AD1-3B96-4B7C-B2AC-53A567667F07}" dt="2020-03-14T15:28:42.997" v="835"/>
-          <ac:cxnSpMkLst>
-            <pc:docMk/>
-            <pc:sldMk cId="2039938434" sldId="445"/>
-            <ac:cxnSpMk id="40" creationId="{7FF57804-EAC5-4136-9A78-4B78D0513F15}"/>
-          </ac:cxnSpMkLst>
-        </pc:cxnChg>
-        <pc:cxnChg chg="add del">
-          <ac:chgData name="Vaibhav" userId="fea9aad5-0821-494e-8ee5-cb10b5ecb44e" providerId="ADAL" clId="{2EC74AD1-3B96-4B7C-B2AC-53A567667F07}" dt="2020-03-14T15:28:42.997" v="835"/>
-          <ac:cxnSpMkLst>
-            <pc:docMk/>
-            <pc:sldMk cId="2039938434" sldId="445"/>
-            <ac:cxnSpMk id="41" creationId="{0D64F0AF-B524-40B4-8003-2286ECF461D5}"/>
-          </ac:cxnSpMkLst>
-        </pc:cxnChg>
-        <pc:cxnChg chg="add del">
-          <ac:chgData name="Vaibhav" userId="fea9aad5-0821-494e-8ee5-cb10b5ecb44e" providerId="ADAL" clId="{2EC74AD1-3B96-4B7C-B2AC-53A567667F07}" dt="2020-03-14T15:28:42.997" v="835"/>
-          <ac:cxnSpMkLst>
-            <pc:docMk/>
-            <pc:sldMk cId="2039938434" sldId="445"/>
-            <ac:cxnSpMk id="42" creationId="{D0B4B73D-2E3D-4C00-B666-FFB5FCF4BB08}"/>
-          </ac:cxnSpMkLst>
-        </pc:cxnChg>
-        <pc:cxnChg chg="add del">
-          <ac:chgData name="Vaibhav" userId="fea9aad5-0821-494e-8ee5-cb10b5ecb44e" providerId="ADAL" clId="{2EC74AD1-3B96-4B7C-B2AC-53A567667F07}" dt="2020-03-14T15:28:42.997" v="835"/>
-          <ac:cxnSpMkLst>
-            <pc:docMk/>
-            <pc:sldMk cId="2039938434" sldId="445"/>
-            <ac:cxnSpMk id="43" creationId="{FE7869D2-29A5-4312-8206-27CBC1E4DFEA}"/>
-          </ac:cxnSpMkLst>
-        </pc:cxnChg>
-        <pc:cxnChg chg="add del">
-          <ac:chgData name="Vaibhav" userId="fea9aad5-0821-494e-8ee5-cb10b5ecb44e" providerId="ADAL" clId="{2EC74AD1-3B96-4B7C-B2AC-53A567667F07}" dt="2020-03-14T15:28:42.997" v="835"/>
-          <ac:cxnSpMkLst>
-            <pc:docMk/>
-            <pc:sldMk cId="2039938434" sldId="445"/>
-            <ac:cxnSpMk id="44" creationId="{BE413B48-9710-4B86-AD29-D69D26FABA07}"/>
-          </ac:cxnSpMkLst>
-        </pc:cxnChg>
-        <pc:cxnChg chg="add del">
-          <ac:chgData name="Vaibhav" userId="fea9aad5-0821-494e-8ee5-cb10b5ecb44e" providerId="ADAL" clId="{2EC74AD1-3B96-4B7C-B2AC-53A567667F07}" dt="2020-03-14T15:28:42.997" v="835"/>
-          <ac:cxnSpMkLst>
-            <pc:docMk/>
-            <pc:sldMk cId="2039938434" sldId="445"/>
-            <ac:cxnSpMk id="45" creationId="{630594D4-6748-41C8-8B4D-C57844CB08E5}"/>
-          </ac:cxnSpMkLst>
-        </pc:cxnChg>
-      </pc:sldChg>
-      <pc:sldChg chg="modSp">
-        <pc:chgData name="Vaibhav" userId="fea9aad5-0821-494e-8ee5-cb10b5ecb44e" providerId="ADAL" clId="{2EC74AD1-3B96-4B7C-B2AC-53A567667F07}" dt="2020-03-11T18:19:04.758" v="41" actId="20577"/>
-        <pc:sldMkLst>
-          <pc:docMk/>
-          <pc:sldMk cId="3974256901" sldId="447"/>
-        </pc:sldMkLst>
-        <pc:spChg chg="mod">
-          <ac:chgData name="Vaibhav" userId="fea9aad5-0821-494e-8ee5-cb10b5ecb44e" providerId="ADAL" clId="{2EC74AD1-3B96-4B7C-B2AC-53A567667F07}" dt="2020-03-11T18:19:04.758" v="41" actId="20577"/>
-          <ac:spMkLst>
-            <pc:docMk/>
-            <pc:sldMk cId="3974256901" sldId="447"/>
-            <ac:spMk id="14" creationId="{AA45ADCD-E329-45F2-9593-F6C494F183D1}"/>
-          </ac:spMkLst>
-        </pc:spChg>
-      </pc:sldChg>
-      <pc:sldChg chg="delSp modSp del modAnim">
-        <pc:chgData name="Vaibhav" userId="fea9aad5-0821-494e-8ee5-cb10b5ecb44e" providerId="ADAL" clId="{2EC74AD1-3B96-4B7C-B2AC-53A567667F07}" dt="2020-03-14T15:29:21.603" v="841" actId="47"/>
-        <pc:sldMkLst>
-          <pc:docMk/>
-          <pc:sldMk cId="3558691696" sldId="451"/>
-        </pc:sldMkLst>
-        <pc:spChg chg="mod topLvl">
-          <ac:chgData name="Vaibhav" userId="fea9aad5-0821-494e-8ee5-cb10b5ecb44e" providerId="ADAL" clId="{2EC74AD1-3B96-4B7C-B2AC-53A567667F07}" dt="2020-03-14T14:48:01.624" v="770" actId="165"/>
-          <ac:spMkLst>
-            <pc:docMk/>
-            <pc:sldMk cId="3558691696" sldId="451"/>
-            <ac:spMk id="6" creationId="{9676FD81-E951-4965-8B7B-78CA7DEBACE0}"/>
-          </ac:spMkLst>
-        </pc:spChg>
-        <pc:spChg chg="mod topLvl">
-          <ac:chgData name="Vaibhav" userId="fea9aad5-0821-494e-8ee5-cb10b5ecb44e" providerId="ADAL" clId="{2EC74AD1-3B96-4B7C-B2AC-53A567667F07}" dt="2020-03-14T14:48:01.624" v="770" actId="165"/>
-          <ac:spMkLst>
-            <pc:docMk/>
-            <pc:sldMk cId="3558691696" sldId="451"/>
-            <ac:spMk id="9" creationId="{761DA3FB-A098-4122-862F-B258101F240B}"/>
-          </ac:spMkLst>
-        </pc:spChg>
-        <pc:spChg chg="mod topLvl">
-          <ac:chgData name="Vaibhav" userId="fea9aad5-0821-494e-8ee5-cb10b5ecb44e" providerId="ADAL" clId="{2EC74AD1-3B96-4B7C-B2AC-53A567667F07}" dt="2020-03-14T14:48:01.624" v="770" actId="165"/>
-          <ac:spMkLst>
-            <pc:docMk/>
-            <pc:sldMk cId="3558691696" sldId="451"/>
-            <ac:spMk id="10" creationId="{15D508C4-ADF8-428E-B101-37EB50836155}"/>
-          </ac:spMkLst>
-        </pc:spChg>
-        <pc:spChg chg="mod topLvl">
-          <ac:chgData name="Vaibhav" userId="fea9aad5-0821-494e-8ee5-cb10b5ecb44e" providerId="ADAL" clId="{2EC74AD1-3B96-4B7C-B2AC-53A567667F07}" dt="2020-03-14T14:48:01.624" v="770" actId="165"/>
-          <ac:spMkLst>
-            <pc:docMk/>
-            <pc:sldMk cId="3558691696" sldId="451"/>
-            <ac:spMk id="11" creationId="{D7A16F72-9D9C-40FA-85CE-C0D04E3FF8FC}"/>
-          </ac:spMkLst>
-        </pc:spChg>
-        <pc:spChg chg="mod topLvl">
-          <ac:chgData name="Vaibhav" userId="fea9aad5-0821-494e-8ee5-cb10b5ecb44e" providerId="ADAL" clId="{2EC74AD1-3B96-4B7C-B2AC-53A567667F07}" dt="2020-03-14T14:48:01.624" v="770" actId="165"/>
-          <ac:spMkLst>
-            <pc:docMk/>
-            <pc:sldMk cId="3558691696" sldId="451"/>
-            <ac:spMk id="12" creationId="{17C4CEDC-5C96-43BA-8334-A8111832CB25}"/>
-          </ac:spMkLst>
-        </pc:spChg>
-        <pc:spChg chg="mod topLvl">
-          <ac:chgData name="Vaibhav" userId="fea9aad5-0821-494e-8ee5-cb10b5ecb44e" providerId="ADAL" clId="{2EC74AD1-3B96-4B7C-B2AC-53A567667F07}" dt="2020-03-14T14:48:01.624" v="770" actId="165"/>
-          <ac:spMkLst>
-            <pc:docMk/>
-            <pc:sldMk cId="3558691696" sldId="451"/>
-            <ac:spMk id="13" creationId="{68AD214B-E32E-4789-8472-6D6B39A9B8C4}"/>
-          </ac:spMkLst>
-        </pc:spChg>
-        <pc:spChg chg="mod topLvl">
-          <ac:chgData name="Vaibhav" userId="fea9aad5-0821-494e-8ee5-cb10b5ecb44e" providerId="ADAL" clId="{2EC74AD1-3B96-4B7C-B2AC-53A567667F07}" dt="2020-03-14T14:48:01.624" v="770" actId="165"/>
-          <ac:spMkLst>
-            <pc:docMk/>
-            <pc:sldMk cId="3558691696" sldId="451"/>
-            <ac:spMk id="14" creationId="{153E991D-A5BF-4180-9743-3BCAE37C9597}"/>
-          </ac:spMkLst>
-        </pc:spChg>
-        <pc:spChg chg="mod topLvl">
-          <ac:chgData name="Vaibhav" userId="fea9aad5-0821-494e-8ee5-cb10b5ecb44e" providerId="ADAL" clId="{2EC74AD1-3B96-4B7C-B2AC-53A567667F07}" dt="2020-03-14T14:48:01.624" v="770" actId="165"/>
-          <ac:spMkLst>
-            <pc:docMk/>
-            <pc:sldMk cId="3558691696" sldId="451"/>
-            <ac:spMk id="15" creationId="{C6395E34-0DF4-4ACA-A198-F02B2251A556}"/>
-          </ac:spMkLst>
-        </pc:spChg>
-        <pc:spChg chg="mod topLvl">
-          <ac:chgData name="Vaibhav" userId="fea9aad5-0821-494e-8ee5-cb10b5ecb44e" providerId="ADAL" clId="{2EC74AD1-3B96-4B7C-B2AC-53A567667F07}" dt="2020-03-14T14:48:01.624" v="770" actId="165"/>
-          <ac:spMkLst>
-            <pc:docMk/>
-            <pc:sldMk cId="3558691696" sldId="451"/>
-            <ac:spMk id="16" creationId="{1A7584A4-FA79-4969-A12D-06FCE6050BC3}"/>
-          </ac:spMkLst>
-        </pc:spChg>
-        <pc:spChg chg="mod topLvl">
-          <ac:chgData name="Vaibhav" userId="fea9aad5-0821-494e-8ee5-cb10b5ecb44e" providerId="ADAL" clId="{2EC74AD1-3B96-4B7C-B2AC-53A567667F07}" dt="2020-03-14T14:48:01.624" v="770" actId="165"/>
-          <ac:spMkLst>
-            <pc:docMk/>
-            <pc:sldMk cId="3558691696" sldId="451"/>
-            <ac:spMk id="35" creationId="{E2CF87EC-C0DA-4C1E-A1FA-F8B8AB37B978}"/>
-          </ac:spMkLst>
-        </pc:spChg>
-        <pc:spChg chg="mod topLvl">
-          <ac:chgData name="Vaibhav" userId="fea9aad5-0821-494e-8ee5-cb10b5ecb44e" providerId="ADAL" clId="{2EC74AD1-3B96-4B7C-B2AC-53A567667F07}" dt="2020-03-14T14:48:01.624" v="770" actId="165"/>
-          <ac:spMkLst>
-            <pc:docMk/>
-            <pc:sldMk cId="3558691696" sldId="451"/>
-            <ac:spMk id="36" creationId="{266AA321-DBFB-46B0-9610-0634AB029DF9}"/>
-          </ac:spMkLst>
-        </pc:spChg>
-        <pc:spChg chg="mod topLvl">
-          <ac:chgData name="Vaibhav" userId="fea9aad5-0821-494e-8ee5-cb10b5ecb44e" providerId="ADAL" clId="{2EC74AD1-3B96-4B7C-B2AC-53A567667F07}" dt="2020-03-14T14:48:10.051" v="772" actId="20577"/>
-          <ac:spMkLst>
-            <pc:docMk/>
-            <pc:sldMk cId="3558691696" sldId="451"/>
-            <ac:spMk id="37" creationId="{0A03FA8E-D8F5-4A55-BF6A-05E2A786957A}"/>
-          </ac:spMkLst>
-        </pc:spChg>
-        <pc:spChg chg="mod topLvl">
-          <ac:chgData name="Vaibhav" userId="fea9aad5-0821-494e-8ee5-cb10b5ecb44e" providerId="ADAL" clId="{2EC74AD1-3B96-4B7C-B2AC-53A567667F07}" dt="2020-03-14T14:48:01.624" v="770" actId="165"/>
-          <ac:spMkLst>
-            <pc:docMk/>
-            <pc:sldMk cId="3558691696" sldId="451"/>
-            <ac:spMk id="39" creationId="{CF3AFEC9-4166-4831-BE3A-3B19224CA58D}"/>
-          </ac:spMkLst>
-        </pc:spChg>
-        <pc:spChg chg="mod topLvl">
-          <ac:chgData name="Vaibhav" userId="fea9aad5-0821-494e-8ee5-cb10b5ecb44e" providerId="ADAL" clId="{2EC74AD1-3B96-4B7C-B2AC-53A567667F07}" dt="2020-03-14T14:48:01.624" v="770" actId="165"/>
-          <ac:spMkLst>
-            <pc:docMk/>
-            <pc:sldMk cId="3558691696" sldId="451"/>
-            <ac:spMk id="40" creationId="{4505C396-FDFA-4F15-8A60-FFB069729AA3}"/>
-          </ac:spMkLst>
-        </pc:spChg>
-        <pc:spChg chg="mod topLvl">
-          <ac:chgData name="Vaibhav" userId="fea9aad5-0821-494e-8ee5-cb10b5ecb44e" providerId="ADAL" clId="{2EC74AD1-3B96-4B7C-B2AC-53A567667F07}" dt="2020-03-14T14:48:01.624" v="770" actId="165"/>
-          <ac:spMkLst>
-            <pc:docMk/>
-            <pc:sldMk cId="3558691696" sldId="451"/>
-            <ac:spMk id="41" creationId="{5B6AD635-B731-4BE8-B210-F96A71737BD6}"/>
-          </ac:spMkLst>
-        </pc:spChg>
-        <pc:spChg chg="mod topLvl">
-          <ac:chgData name="Vaibhav" userId="fea9aad5-0821-494e-8ee5-cb10b5ecb44e" providerId="ADAL" clId="{2EC74AD1-3B96-4B7C-B2AC-53A567667F07}" dt="2020-03-14T14:48:01.624" v="770" actId="165"/>
-          <ac:spMkLst>
-            <pc:docMk/>
-            <pc:sldMk cId="3558691696" sldId="451"/>
-            <ac:spMk id="42" creationId="{9A59CB1D-0108-4042-A1E0-0A990A9A8FCD}"/>
-          </ac:spMkLst>
-        </pc:spChg>
-        <pc:spChg chg="mod topLvl">
-          <ac:chgData name="Vaibhav" userId="fea9aad5-0821-494e-8ee5-cb10b5ecb44e" providerId="ADAL" clId="{2EC74AD1-3B96-4B7C-B2AC-53A567667F07}" dt="2020-03-14T14:48:01.624" v="770" actId="165"/>
-          <ac:spMkLst>
-            <pc:docMk/>
-            <pc:sldMk cId="3558691696" sldId="451"/>
-            <ac:spMk id="43" creationId="{29F98067-6FFD-41A3-B53F-DC69011D1B90}"/>
-          </ac:spMkLst>
-        </pc:spChg>
-        <pc:spChg chg="mod topLvl">
-          <ac:chgData name="Vaibhav" userId="fea9aad5-0821-494e-8ee5-cb10b5ecb44e" providerId="ADAL" clId="{2EC74AD1-3B96-4B7C-B2AC-53A567667F07}" dt="2020-03-14T14:48:01.624" v="770" actId="165"/>
-          <ac:spMkLst>
-            <pc:docMk/>
-            <pc:sldMk cId="3558691696" sldId="451"/>
-            <ac:spMk id="44" creationId="{1C1F988C-A2AA-4017-9E57-124806CABBE6}"/>
-          </ac:spMkLst>
-        </pc:spChg>
-        <pc:spChg chg="mod topLvl">
-          <ac:chgData name="Vaibhav" userId="fea9aad5-0821-494e-8ee5-cb10b5ecb44e" providerId="ADAL" clId="{2EC74AD1-3B96-4B7C-B2AC-53A567667F07}" dt="2020-03-14T14:48:01.624" v="770" actId="165"/>
-          <ac:spMkLst>
-            <pc:docMk/>
-            <pc:sldMk cId="3558691696" sldId="451"/>
-            <ac:spMk id="45" creationId="{85246C12-982A-4C32-9B27-A7231F4B9C86}"/>
-          </ac:spMkLst>
-        </pc:spChg>
-        <pc:spChg chg="mod topLvl">
-          <ac:chgData name="Vaibhav" userId="fea9aad5-0821-494e-8ee5-cb10b5ecb44e" providerId="ADAL" clId="{2EC74AD1-3B96-4B7C-B2AC-53A567667F07}" dt="2020-03-14T14:48:01.624" v="770" actId="165"/>
-          <ac:spMkLst>
-            <pc:docMk/>
-            <pc:sldMk cId="3558691696" sldId="451"/>
-            <ac:spMk id="46" creationId="{A3F05D6B-589C-4093-A64D-436721E1C650}"/>
-          </ac:spMkLst>
-        </pc:spChg>
-        <pc:spChg chg="mod topLvl">
-          <ac:chgData name="Vaibhav" userId="fea9aad5-0821-494e-8ee5-cb10b5ecb44e" providerId="ADAL" clId="{2EC74AD1-3B96-4B7C-B2AC-53A567667F07}" dt="2020-03-14T14:48:01.624" v="770" actId="165"/>
-          <ac:spMkLst>
-            <pc:docMk/>
-            <pc:sldMk cId="3558691696" sldId="451"/>
-            <ac:spMk id="47" creationId="{010A21A4-8330-4BB4-9F28-3516B1904699}"/>
-          </ac:spMkLst>
-        </pc:spChg>
-        <pc:spChg chg="mod topLvl">
-          <ac:chgData name="Vaibhav" userId="fea9aad5-0821-494e-8ee5-cb10b5ecb44e" providerId="ADAL" clId="{2EC74AD1-3B96-4B7C-B2AC-53A567667F07}" dt="2020-03-14T14:48:01.624" v="770" actId="165"/>
-          <ac:spMkLst>
-            <pc:docMk/>
-            <pc:sldMk cId="3558691696" sldId="451"/>
-            <ac:spMk id="48" creationId="{C4C2BA93-7D7F-4BD1-A56E-CE770321499A}"/>
-          </ac:spMkLst>
-        </pc:spChg>
-        <pc:spChg chg="mod topLvl">
-          <ac:chgData name="Vaibhav" userId="fea9aad5-0821-494e-8ee5-cb10b5ecb44e" providerId="ADAL" clId="{2EC74AD1-3B96-4B7C-B2AC-53A567667F07}" dt="2020-03-14T14:48:01.624" v="770" actId="165"/>
-          <ac:spMkLst>
-            <pc:docMk/>
-            <pc:sldMk cId="3558691696" sldId="451"/>
-            <ac:spMk id="49" creationId="{4048EB3D-8298-4052-9901-4AD5F1000592}"/>
-          </ac:spMkLst>
-        </pc:spChg>
-        <pc:spChg chg="mod topLvl">
-          <ac:chgData name="Vaibhav" userId="fea9aad5-0821-494e-8ee5-cb10b5ecb44e" providerId="ADAL" clId="{2EC74AD1-3B96-4B7C-B2AC-53A567667F07}" dt="2020-03-14T14:48:01.624" v="770" actId="165"/>
-          <ac:spMkLst>
-            <pc:docMk/>
-            <pc:sldMk cId="3558691696" sldId="451"/>
-            <ac:spMk id="50" creationId="{9980ACF8-95EE-4209-8C73-65D03A33FB67}"/>
-          </ac:spMkLst>
-        </pc:spChg>
-        <pc:grpChg chg="del">
-          <ac:chgData name="Vaibhav" userId="fea9aad5-0821-494e-8ee5-cb10b5ecb44e" providerId="ADAL" clId="{2EC74AD1-3B96-4B7C-B2AC-53A567667F07}" dt="2020-03-14T14:48:01.624" v="770" actId="165"/>
-          <ac:grpSpMkLst>
-            <pc:docMk/>
-            <pc:sldMk cId="3558691696" sldId="451"/>
-            <ac:grpSpMk id="51" creationId="{B23A7AB3-25AF-4B2D-9A95-A9080BAD1D10}"/>
-          </ac:grpSpMkLst>
-        </pc:grpChg>
-        <pc:cxnChg chg="mod topLvl">
-          <ac:chgData name="Vaibhav" userId="fea9aad5-0821-494e-8ee5-cb10b5ecb44e" providerId="ADAL" clId="{2EC74AD1-3B96-4B7C-B2AC-53A567667F07}" dt="2020-03-14T14:48:01.624" v="770" actId="165"/>
-          <ac:cxnSpMkLst>
-            <pc:docMk/>
-            <pc:sldMk cId="3558691696" sldId="451"/>
-            <ac:cxnSpMk id="17" creationId="{0905FC46-1E13-45B1-A8CF-5D2940556FF1}"/>
-          </ac:cxnSpMkLst>
-        </pc:cxnChg>
-        <pc:cxnChg chg="mod topLvl">
-          <ac:chgData name="Vaibhav" userId="fea9aad5-0821-494e-8ee5-cb10b5ecb44e" providerId="ADAL" clId="{2EC74AD1-3B96-4B7C-B2AC-53A567667F07}" dt="2020-03-14T14:48:01.624" v="770" actId="165"/>
-          <ac:cxnSpMkLst>
-            <pc:docMk/>
-            <pc:sldMk cId="3558691696" sldId="451"/>
-            <ac:cxnSpMk id="19" creationId="{B8F88B17-0B8D-4F6E-A884-813AECB70CF5}"/>
-          </ac:cxnSpMkLst>
-        </pc:cxnChg>
-        <pc:cxnChg chg="mod topLvl">
-          <ac:chgData name="Vaibhav" userId="fea9aad5-0821-494e-8ee5-cb10b5ecb44e" providerId="ADAL" clId="{2EC74AD1-3B96-4B7C-B2AC-53A567667F07}" dt="2020-03-14T14:48:01.624" v="770" actId="165"/>
-          <ac:cxnSpMkLst>
-            <pc:docMk/>
-            <pc:sldMk cId="3558691696" sldId="451"/>
-            <ac:cxnSpMk id="22" creationId="{E166DD76-93E2-4879-9435-4CBB68673A94}"/>
-          </ac:cxnSpMkLst>
-        </pc:cxnChg>
-        <pc:cxnChg chg="mod topLvl">
-          <ac:chgData name="Vaibhav" userId="fea9aad5-0821-494e-8ee5-cb10b5ecb44e" providerId="ADAL" clId="{2EC74AD1-3B96-4B7C-B2AC-53A567667F07}" dt="2020-03-14T14:48:01.624" v="770" actId="165"/>
-          <ac:cxnSpMkLst>
-            <pc:docMk/>
-            <pc:sldMk cId="3558691696" sldId="451"/>
-            <ac:cxnSpMk id="24" creationId="{F7F10C6C-C5F4-43F0-9549-6ADFC520B792}"/>
-          </ac:cxnSpMkLst>
-        </pc:cxnChg>
-        <pc:cxnChg chg="mod topLvl">
-          <ac:chgData name="Vaibhav" userId="fea9aad5-0821-494e-8ee5-cb10b5ecb44e" providerId="ADAL" clId="{2EC74AD1-3B96-4B7C-B2AC-53A567667F07}" dt="2020-03-14T14:48:01.624" v="770" actId="165"/>
-          <ac:cxnSpMkLst>
-            <pc:docMk/>
-            <pc:sldMk cId="3558691696" sldId="451"/>
-            <ac:cxnSpMk id="26" creationId="{E82DE51D-A0C0-4F1D-85DD-E6C94C6ACC07}"/>
-          </ac:cxnSpMkLst>
-        </pc:cxnChg>
-        <pc:cxnChg chg="mod topLvl">
-          <ac:chgData name="Vaibhav" userId="fea9aad5-0821-494e-8ee5-cb10b5ecb44e" providerId="ADAL" clId="{2EC74AD1-3B96-4B7C-B2AC-53A567667F07}" dt="2020-03-14T14:48:01.624" v="770" actId="165"/>
-          <ac:cxnSpMkLst>
-            <pc:docMk/>
-            <pc:sldMk cId="3558691696" sldId="451"/>
-            <ac:cxnSpMk id="28" creationId="{6B271BCC-760C-423D-9988-B90290142CC8}"/>
-          </ac:cxnSpMkLst>
-        </pc:cxnChg>
-        <pc:cxnChg chg="mod topLvl">
-          <ac:chgData name="Vaibhav" userId="fea9aad5-0821-494e-8ee5-cb10b5ecb44e" providerId="ADAL" clId="{2EC74AD1-3B96-4B7C-B2AC-53A567667F07}" dt="2020-03-14T14:48:01.624" v="770" actId="165"/>
-          <ac:cxnSpMkLst>
-            <pc:docMk/>
-            <pc:sldMk cId="3558691696" sldId="451"/>
-            <ac:cxnSpMk id="30" creationId="{64CC8302-CAEB-4744-AF2D-345C87B586C8}"/>
-          </ac:cxnSpMkLst>
-        </pc:cxnChg>
-        <pc:cxnChg chg="mod topLvl">
-          <ac:chgData name="Vaibhav" userId="fea9aad5-0821-494e-8ee5-cb10b5ecb44e" providerId="ADAL" clId="{2EC74AD1-3B96-4B7C-B2AC-53A567667F07}" dt="2020-03-14T14:48:01.624" v="770" actId="165"/>
-          <ac:cxnSpMkLst>
-            <pc:docMk/>
-            <pc:sldMk cId="3558691696" sldId="451"/>
-            <ac:cxnSpMk id="32" creationId="{A0AF8A4F-F07F-4CD8-8EDD-83D5E27B5975}"/>
-          </ac:cxnSpMkLst>
-        </pc:cxnChg>
-        <pc:cxnChg chg="mod topLvl">
-          <ac:chgData name="Vaibhav" userId="fea9aad5-0821-494e-8ee5-cb10b5ecb44e" providerId="ADAL" clId="{2EC74AD1-3B96-4B7C-B2AC-53A567667F07}" dt="2020-03-14T14:48:01.624" v="770" actId="165"/>
-          <ac:cxnSpMkLst>
-            <pc:docMk/>
-            <pc:sldMk cId="3558691696" sldId="451"/>
-            <ac:cxnSpMk id="34" creationId="{AED7608C-7C3E-48AF-B14B-91E35DE41D8C}"/>
-          </ac:cxnSpMkLst>
-        </pc:cxnChg>
-      </pc:sldChg>
-      <pc:sldChg chg="modSp">
-        <pc:chgData name="Vaibhav" userId="fea9aad5-0821-494e-8ee5-cb10b5ecb44e" providerId="ADAL" clId="{2EC74AD1-3B96-4B7C-B2AC-53A567667F07}" dt="2020-03-15T05:56:55.234" v="869" actId="20577"/>
-        <pc:sldMkLst>
-          <pc:docMk/>
-          <pc:sldMk cId="1043254189" sldId="455"/>
-        </pc:sldMkLst>
-        <pc:spChg chg="mod">
-          <ac:chgData name="Vaibhav" userId="fea9aad5-0821-494e-8ee5-cb10b5ecb44e" providerId="ADAL" clId="{2EC74AD1-3B96-4B7C-B2AC-53A567667F07}" dt="2020-03-15T05:56:55.234" v="869" actId="20577"/>
-          <ac:spMkLst>
-            <pc:docMk/>
-            <pc:sldMk cId="1043254189" sldId="455"/>
-            <ac:spMk id="6" creationId="{72A673EE-EBEF-41AD-906A-9D89AB7CDC2F}"/>
-          </ac:spMkLst>
-        </pc:spChg>
-      </pc:sldChg>
-      <pc:sldChg chg="modSp">
-        <pc:chgData name="Vaibhav" userId="fea9aad5-0821-494e-8ee5-cb10b5ecb44e" providerId="ADAL" clId="{2EC74AD1-3B96-4B7C-B2AC-53A567667F07}" dt="2020-03-14T15:30:02.805" v="843" actId="692"/>
-        <pc:sldMkLst>
-          <pc:docMk/>
-          <pc:sldMk cId="4046370927" sldId="463"/>
-        </pc:sldMkLst>
-        <pc:picChg chg="mod">
-          <ac:chgData name="Vaibhav" userId="fea9aad5-0821-494e-8ee5-cb10b5ecb44e" providerId="ADAL" clId="{2EC74AD1-3B96-4B7C-B2AC-53A567667F07}" dt="2020-03-14T15:30:02.805" v="843" actId="692"/>
-          <ac:picMkLst>
-            <pc:docMk/>
-            <pc:sldMk cId="4046370927" sldId="463"/>
-            <ac:picMk id="3" creationId="{A4927F96-628B-4BB1-B966-607E48BC22CD}"/>
-          </ac:picMkLst>
-        </pc:picChg>
-      </pc:sldChg>
-      <pc:sldChg chg="modSp">
-        <pc:chgData name="Vaibhav" userId="fea9aad5-0821-494e-8ee5-cb10b5ecb44e" providerId="ADAL" clId="{2EC74AD1-3B96-4B7C-B2AC-53A567667F07}" dt="2020-03-15T15:51:06.484" v="965" actId="20577"/>
-        <pc:sldMkLst>
-          <pc:docMk/>
-          <pc:sldMk cId="2979194529" sldId="464"/>
-        </pc:sldMkLst>
-        <pc:spChg chg="mod">
-          <ac:chgData name="Vaibhav" userId="fea9aad5-0821-494e-8ee5-cb10b5ecb44e" providerId="ADAL" clId="{2EC74AD1-3B96-4B7C-B2AC-53A567667F07}" dt="2020-03-14T15:30:18.234" v="844" actId="692"/>
-          <ac:spMkLst>
-            <pc:docMk/>
-            <pc:sldMk cId="2979194529" sldId="464"/>
-            <ac:spMk id="14" creationId="{A8099651-538E-4C99-A763-699F44DF3544}"/>
-          </ac:spMkLst>
-        </pc:spChg>
-        <pc:spChg chg="mod">
-          <ac:chgData name="Vaibhav" userId="fea9aad5-0821-494e-8ee5-cb10b5ecb44e" providerId="ADAL" clId="{2EC74AD1-3B96-4B7C-B2AC-53A567667F07}" dt="2020-03-14T15:30:24.722" v="845" actId="692"/>
-          <ac:spMkLst>
-            <pc:docMk/>
-            <pc:sldMk cId="2979194529" sldId="464"/>
-            <ac:spMk id="15" creationId="{3FBBFD01-8A2E-42D3-8DC6-1F910B8435DB}"/>
-          </ac:spMkLst>
-        </pc:spChg>
-        <pc:spChg chg="mod">
-          <ac:chgData name="Vaibhav" userId="fea9aad5-0821-494e-8ee5-cb10b5ecb44e" providerId="ADAL" clId="{2EC74AD1-3B96-4B7C-B2AC-53A567667F07}" dt="2020-03-15T15:51:06.484" v="965" actId="20577"/>
-          <ac:spMkLst>
-            <pc:docMk/>
-            <pc:sldMk cId="2979194529" sldId="464"/>
-            <ac:spMk id="17" creationId="{A1DE7B27-1E79-4A9F-8DF4-567BD9578835}"/>
-          </ac:spMkLst>
-        </pc:spChg>
-        <pc:cxnChg chg="mod">
-          <ac:chgData name="Vaibhav" userId="fea9aad5-0821-494e-8ee5-cb10b5ecb44e" providerId="ADAL" clId="{2EC74AD1-3B96-4B7C-B2AC-53A567667F07}" dt="2020-03-14T15:30:30.978" v="846" actId="692"/>
-          <ac:cxnSpMkLst>
-            <pc:docMk/>
-            <pc:sldMk cId="2979194529" sldId="464"/>
-            <ac:cxnSpMk id="6" creationId="{6F0C22FD-B126-4CDA-A1D9-F0073B4E4533}"/>
-          </ac:cxnSpMkLst>
-        </pc:cxnChg>
-        <pc:cxnChg chg="mod">
-          <ac:chgData name="Vaibhav" userId="fea9aad5-0821-494e-8ee5-cb10b5ecb44e" providerId="ADAL" clId="{2EC74AD1-3B96-4B7C-B2AC-53A567667F07}" dt="2020-03-14T15:30:30.978" v="846" actId="692"/>
-          <ac:cxnSpMkLst>
-            <pc:docMk/>
-            <pc:sldMk cId="2979194529" sldId="464"/>
-            <ac:cxnSpMk id="18" creationId="{4C926182-51F9-43CE-9EC7-3FC5F43EF914}"/>
-          </ac:cxnSpMkLst>
-        </pc:cxnChg>
-      </pc:sldChg>
-      <pc:sldChg chg="addSp delSp modSp">
-        <pc:chgData name="Vaibhav" userId="fea9aad5-0821-494e-8ee5-cb10b5ecb44e" providerId="ADAL" clId="{2EC74AD1-3B96-4B7C-B2AC-53A567667F07}" dt="2020-03-14T13:37:16.138" v="527" actId="12"/>
-        <pc:sldMkLst>
-          <pc:docMk/>
-          <pc:sldMk cId="3189542477" sldId="465"/>
-        </pc:sldMkLst>
-        <pc:spChg chg="del">
-          <ac:chgData name="Vaibhav" userId="fea9aad5-0821-494e-8ee5-cb10b5ecb44e" providerId="ADAL" clId="{2EC74AD1-3B96-4B7C-B2AC-53A567667F07}" dt="2020-03-14T13:15:03.550" v="155" actId="478"/>
-          <ac:spMkLst>
-            <pc:docMk/>
-            <pc:sldMk cId="3189542477" sldId="465"/>
-            <ac:spMk id="6" creationId="{7F73FD7D-EB92-449B-AACE-31A7027B57E7}"/>
-          </ac:spMkLst>
-        </pc:spChg>
-        <pc:spChg chg="mod">
-          <ac:chgData name="Vaibhav" userId="fea9aad5-0821-494e-8ee5-cb10b5ecb44e" providerId="ADAL" clId="{2EC74AD1-3B96-4B7C-B2AC-53A567667F07}" dt="2020-03-14T13:37:16.138" v="527" actId="12"/>
-          <ac:spMkLst>
-            <pc:docMk/>
-            <pc:sldMk cId="3189542477" sldId="465"/>
-            <ac:spMk id="14" creationId="{AA45ADCD-E329-45F2-9593-F6C494F183D1}"/>
-          </ac:spMkLst>
-        </pc:spChg>
-        <pc:spChg chg="del">
-          <ac:chgData name="Vaibhav" userId="fea9aad5-0821-494e-8ee5-cb10b5ecb44e" providerId="ADAL" clId="{2EC74AD1-3B96-4B7C-B2AC-53A567667F07}" dt="2020-03-14T13:14:54.710" v="151" actId="478"/>
-          <ac:spMkLst>
-            <pc:docMk/>
-            <pc:sldMk cId="3189542477" sldId="465"/>
-            <ac:spMk id="15" creationId="{BE9E5314-678C-4C8E-9B1A-8A0E4FE8731D}"/>
-          </ac:spMkLst>
-        </pc:spChg>
-        <pc:spChg chg="del">
-          <ac:chgData name="Vaibhav" userId="fea9aad5-0821-494e-8ee5-cb10b5ecb44e" providerId="ADAL" clId="{2EC74AD1-3B96-4B7C-B2AC-53A567667F07}" dt="2020-03-14T13:14:58.079" v="153" actId="478"/>
-          <ac:spMkLst>
-            <pc:docMk/>
-            <pc:sldMk cId="3189542477" sldId="465"/>
-            <ac:spMk id="16" creationId="{43A7AA39-AD97-42AD-B47E-46015C4C3C76}"/>
-          </ac:spMkLst>
-        </pc:spChg>
-        <pc:spChg chg="del">
-          <ac:chgData name="Vaibhav" userId="fea9aad5-0821-494e-8ee5-cb10b5ecb44e" providerId="ADAL" clId="{2EC74AD1-3B96-4B7C-B2AC-53A567667F07}" dt="2020-03-14T13:22:54.430" v="213" actId="478"/>
-          <ac:spMkLst>
-            <pc:docMk/>
-            <pc:sldMk cId="3189542477" sldId="465"/>
-            <ac:spMk id="35" creationId="{9CCB4266-7DE5-4362-B50F-C52E57A02E03}"/>
-          </ac:spMkLst>
-        </pc:spChg>
-        <pc:spChg chg="del">
-          <ac:chgData name="Vaibhav" userId="fea9aad5-0821-494e-8ee5-cb10b5ecb44e" providerId="ADAL" clId="{2EC74AD1-3B96-4B7C-B2AC-53A567667F07}" dt="2020-03-14T13:15:06.626" v="156" actId="478"/>
-          <ac:spMkLst>
-            <pc:docMk/>
-            <pc:sldMk cId="3189542477" sldId="465"/>
-            <ac:spMk id="36" creationId="{4153AEBB-4A69-4709-9FC8-6FF3FD4FB23D}"/>
-          </ac:spMkLst>
-        </pc:spChg>
-        <pc:spChg chg="del">
-          <ac:chgData name="Vaibhav" userId="fea9aad5-0821-494e-8ee5-cb10b5ecb44e" providerId="ADAL" clId="{2EC74AD1-3B96-4B7C-B2AC-53A567667F07}" dt="2020-03-14T13:15:09.676" v="157" actId="478"/>
-          <ac:spMkLst>
-            <pc:docMk/>
-            <pc:sldMk cId="3189542477" sldId="465"/>
-            <ac:spMk id="37" creationId="{7DCDA8BA-0B98-43FD-82F5-04F929EE8928}"/>
-          </ac:spMkLst>
-        </pc:spChg>
-        <pc:spChg chg="del">
-          <ac:chgData name="Vaibhav" userId="fea9aad5-0821-494e-8ee5-cb10b5ecb44e" providerId="ADAL" clId="{2EC74AD1-3B96-4B7C-B2AC-53A567667F07}" dt="2020-03-14T13:22:51.081" v="212" actId="478"/>
-          <ac:spMkLst>
-            <pc:docMk/>
-            <pc:sldMk cId="3189542477" sldId="465"/>
-            <ac:spMk id="38" creationId="{6F5C339B-C649-4EF2-B442-3150BF01E2E4}"/>
-          </ac:spMkLst>
-        </pc:spChg>
-        <pc:spChg chg="mod">
-          <ac:chgData name="Vaibhav" userId="fea9aad5-0821-494e-8ee5-cb10b5ecb44e" providerId="ADAL" clId="{2EC74AD1-3B96-4B7C-B2AC-53A567667F07}" dt="2020-03-14T13:24:41.754" v="221" actId="1038"/>
-          <ac:spMkLst>
-            <pc:docMk/>
-            <pc:sldMk cId="3189542477" sldId="465"/>
-            <ac:spMk id="41" creationId="{C98C7131-D098-482D-A64B-825E4A99D3B0}"/>
-          </ac:spMkLst>
-        </pc:spChg>
-        <pc:spChg chg="del">
-          <ac:chgData name="Vaibhav" userId="fea9aad5-0821-494e-8ee5-cb10b5ecb44e" providerId="ADAL" clId="{2EC74AD1-3B96-4B7C-B2AC-53A567667F07}" dt="2020-03-14T13:22:47.228" v="211" actId="478"/>
-          <ac:spMkLst>
-            <pc:docMk/>
-            <pc:sldMk cId="3189542477" sldId="465"/>
-            <ac:spMk id="43" creationId="{33FE933D-DBFA-4C72-BAB6-C94DE23B6082}"/>
-          </ac:spMkLst>
-        </pc:spChg>
-        <pc:spChg chg="mod">
-          <ac:chgData name="Vaibhav" userId="fea9aad5-0821-494e-8ee5-cb10b5ecb44e" providerId="ADAL" clId="{2EC74AD1-3B96-4B7C-B2AC-53A567667F07}" dt="2020-03-14T13:26:27.179" v="306" actId="1076"/>
-          <ac:spMkLst>
-            <pc:docMk/>
-            <pc:sldMk cId="3189542477" sldId="465"/>
-            <ac:spMk id="44" creationId="{98491868-C4D0-461D-92E4-AC7D4E5EDDAD}"/>
-          </ac:spMkLst>
-        </pc:spChg>
-        <pc:spChg chg="add del mod">
-          <ac:chgData name="Vaibhav" userId="fea9aad5-0821-494e-8ee5-cb10b5ecb44e" providerId="ADAL" clId="{2EC74AD1-3B96-4B7C-B2AC-53A567667F07}" dt="2020-03-14T13:27:06.045" v="311" actId="1076"/>
-          <ac:spMkLst>
-            <pc:docMk/>
-            <pc:sldMk cId="3189542477" sldId="465"/>
-            <ac:spMk id="45" creationId="{5E926C92-3AB2-46BE-A25D-0E6B943EE363}"/>
-          </ac:spMkLst>
-        </pc:spChg>
-        <pc:spChg chg="add mod">
-          <ac:chgData name="Vaibhav" userId="fea9aad5-0821-494e-8ee5-cb10b5ecb44e" providerId="ADAL" clId="{2EC74AD1-3B96-4B7C-B2AC-53A567667F07}" dt="2020-03-14T13:28:11.466" v="343" actId="20577"/>
-          <ac:spMkLst>
-            <pc:docMk/>
-            <pc:sldMk cId="3189542477" sldId="465"/>
-            <ac:spMk id="46" creationId="{208F6C95-5AF7-47CE-86F6-3378CAC511C6}"/>
-          </ac:spMkLst>
-        </pc:spChg>
-        <pc:spChg chg="add mod">
-          <ac:chgData name="Vaibhav" userId="fea9aad5-0821-494e-8ee5-cb10b5ecb44e" providerId="ADAL" clId="{2EC74AD1-3B96-4B7C-B2AC-53A567667F07}" dt="2020-03-14T13:28:16.095" v="351" actId="20577"/>
-          <ac:spMkLst>
-            <pc:docMk/>
-            <pc:sldMk cId="3189542477" sldId="465"/>
-            <ac:spMk id="47" creationId="{E20C6BAD-D9B0-49DF-9B5B-0247EBCA6341}"/>
-          </ac:spMkLst>
-        </pc:spChg>
-        <pc:spChg chg="add mod">
-          <ac:chgData name="Vaibhav" userId="fea9aad5-0821-494e-8ee5-cb10b5ecb44e" providerId="ADAL" clId="{2EC74AD1-3B96-4B7C-B2AC-53A567667F07}" dt="2020-03-14T13:28:54.575" v="367" actId="1076"/>
-          <ac:spMkLst>
-            <pc:docMk/>
-            <pc:sldMk cId="3189542477" sldId="465"/>
-            <ac:spMk id="48" creationId="{E8CA1D28-F860-4AE6-BB1C-E145231C0FED}"/>
-          </ac:spMkLst>
-        </pc:spChg>
-        <pc:spChg chg="add mod">
-          <ac:chgData name="Vaibhav" userId="fea9aad5-0821-494e-8ee5-cb10b5ecb44e" providerId="ADAL" clId="{2EC74AD1-3B96-4B7C-B2AC-53A567667F07}" dt="2020-03-14T13:29:25.457" v="389" actId="1076"/>
-          <ac:spMkLst>
-            <pc:docMk/>
-            <pc:sldMk cId="3189542477" sldId="465"/>
-            <ac:spMk id="49" creationId="{600052AB-3E4F-49FA-97E7-CF171418BC34}"/>
-          </ac:spMkLst>
-        </pc:spChg>
-        <pc:spChg chg="add mod">
-          <ac:chgData name="Vaibhav" userId="fea9aad5-0821-494e-8ee5-cb10b5ecb44e" providerId="ADAL" clId="{2EC74AD1-3B96-4B7C-B2AC-53A567667F07}" dt="2020-03-14T13:29:56.472" v="400" actId="20577"/>
-          <ac:spMkLst>
-            <pc:docMk/>
-            <pc:sldMk cId="3189542477" sldId="465"/>
-            <ac:spMk id="51" creationId="{600F9B2E-E58F-4987-8930-361D73167497}"/>
-          </ac:spMkLst>
-        </pc:spChg>
-        <pc:spChg chg="add mod">
-          <ac:chgData name="Vaibhav" userId="fea9aad5-0821-494e-8ee5-cb10b5ecb44e" providerId="ADAL" clId="{2EC74AD1-3B96-4B7C-B2AC-53A567667F07}" dt="2020-03-14T13:33:57.673" v="427" actId="20577"/>
-          <ac:spMkLst>
-            <pc:docMk/>
-            <pc:sldMk cId="3189542477" sldId="465"/>
-            <ac:spMk id="56" creationId="{15B09250-BE86-4415-B964-E4B39D5D9600}"/>
-          </ac:spMkLst>
-        </pc:spChg>
-        <pc:grpChg chg="del">
-          <ac:chgData name="Vaibhav" userId="fea9aad5-0821-494e-8ee5-cb10b5ecb44e" providerId="ADAL" clId="{2EC74AD1-3B96-4B7C-B2AC-53A567667F07}" dt="2020-03-14T13:14:53.110" v="150" actId="478"/>
-          <ac:grpSpMkLst>
-            <pc:docMk/>
-            <pc:sldMk cId="3189542477" sldId="465"/>
-            <ac:grpSpMk id="7" creationId="{100EC0E5-9005-42F0-93E1-61825BBD91A5}"/>
-          </ac:grpSpMkLst>
-        </pc:grpChg>
-        <pc:grpChg chg="del mod">
-          <ac:chgData name="Vaibhav" userId="fea9aad5-0821-494e-8ee5-cb10b5ecb44e" providerId="ADAL" clId="{2EC74AD1-3B96-4B7C-B2AC-53A567667F07}" dt="2020-03-14T13:21:40.535" v="206" actId="478"/>
-          <ac:grpSpMkLst>
-            <pc:docMk/>
-            <pc:sldMk cId="3189542477" sldId="465"/>
-            <ac:grpSpMk id="25" creationId="{34021437-FB1A-4FB6-9DC4-35552E2D325B}"/>
-          </ac:grpSpMkLst>
-        </pc:grpChg>
-        <pc:picChg chg="add mod">
-          <ac:chgData name="Vaibhav" userId="fea9aad5-0821-494e-8ee5-cb10b5ecb44e" providerId="ADAL" clId="{2EC74AD1-3B96-4B7C-B2AC-53A567667F07}" dt="2020-03-14T13:34:16.615" v="429" actId="692"/>
-          <ac:picMkLst>
-            <pc:docMk/>
-            <pc:sldMk cId="3189542477" sldId="465"/>
-            <ac:picMk id="5" creationId="{F085B2CC-C281-4620-8274-DCB20982B863}"/>
-          </ac:picMkLst>
-        </pc:picChg>
-        <pc:picChg chg="add mod">
-          <ac:chgData name="Vaibhav" userId="fea9aad5-0821-494e-8ee5-cb10b5ecb44e" providerId="ADAL" clId="{2EC74AD1-3B96-4B7C-B2AC-53A567667F07}" dt="2020-03-14T13:34:21.688" v="430" actId="692"/>
-          <ac:picMkLst>
-            <pc:docMk/>
-            <pc:sldMk cId="3189542477" sldId="465"/>
-            <ac:picMk id="9" creationId="{7BC6B41E-AC32-4395-9C35-14042D72A702}"/>
-          </ac:picMkLst>
-        </pc:picChg>
-        <pc:picChg chg="add mod">
-          <ac:chgData name="Vaibhav" userId="fea9aad5-0821-494e-8ee5-cb10b5ecb44e" providerId="ADAL" clId="{2EC74AD1-3B96-4B7C-B2AC-53A567667F07}" dt="2020-03-14T13:28:35.011" v="363" actId="1037"/>
-          <ac:picMkLst>
-            <pc:docMk/>
-            <pc:sldMk cId="3189542477" sldId="465"/>
-            <ac:picMk id="12" creationId="{4B7A224C-5ABB-4810-A48A-672CBA0E38F2}"/>
-          </ac:picMkLst>
-        </pc:picChg>
-        <pc:picChg chg="add mod">
-          <ac:chgData name="Vaibhav" userId="fea9aad5-0821-494e-8ee5-cb10b5ecb44e" providerId="ADAL" clId="{2EC74AD1-3B96-4B7C-B2AC-53A567667F07}" dt="2020-03-14T13:26:22.541" v="305" actId="1035"/>
-          <ac:picMkLst>
-            <pc:docMk/>
-            <pc:sldMk cId="3189542477" sldId="465"/>
-            <ac:picMk id="13" creationId="{E07F3AF6-531E-46F0-8741-7576BD21F818}"/>
-          </ac:picMkLst>
-        </pc:picChg>
-        <pc:picChg chg="del">
-          <ac:chgData name="Vaibhav" userId="fea9aad5-0821-494e-8ee5-cb10b5ecb44e" providerId="ADAL" clId="{2EC74AD1-3B96-4B7C-B2AC-53A567667F07}" dt="2020-03-14T13:14:56.069" v="152" actId="478"/>
-          <ac:picMkLst>
-            <pc:docMk/>
-            <pc:sldMk cId="3189542477" sldId="465"/>
-            <ac:picMk id="17" creationId="{09C28A44-BDE1-432D-87E8-5B3AD65D8ADA}"/>
-          </ac:picMkLst>
-        </pc:picChg>
-        <pc:picChg chg="del">
-          <ac:chgData name="Vaibhav" userId="fea9aad5-0821-494e-8ee5-cb10b5ecb44e" providerId="ADAL" clId="{2EC74AD1-3B96-4B7C-B2AC-53A567667F07}" dt="2020-03-14T13:14:59.903" v="154" actId="478"/>
-          <ac:picMkLst>
-            <pc:docMk/>
-            <pc:sldMk cId="3189542477" sldId="465"/>
-            <ac:picMk id="18" creationId="{1B29729B-C077-44B4-81E3-01BC128291BB}"/>
-          </ac:picMkLst>
-        </pc:picChg>
-        <pc:picChg chg="del">
-          <ac:chgData name="Vaibhav" userId="fea9aad5-0821-494e-8ee5-cb10b5ecb44e" providerId="ADAL" clId="{2EC74AD1-3B96-4B7C-B2AC-53A567667F07}" dt="2020-03-14T13:19:09.219" v="186" actId="478"/>
-          <ac:picMkLst>
-            <pc:docMk/>
-            <pc:sldMk cId="3189542477" sldId="465"/>
-            <ac:picMk id="33" creationId="{6F064952-800A-4374-9994-F79D92E7797F}"/>
-          </ac:picMkLst>
-        </pc:picChg>
-        <pc:picChg chg="mod">
-          <ac:chgData name="Vaibhav" userId="fea9aad5-0821-494e-8ee5-cb10b5ecb44e" providerId="ADAL" clId="{2EC74AD1-3B96-4B7C-B2AC-53A567667F07}" dt="2020-03-14T13:29:45.491" v="391" actId="14100"/>
-          <ac:picMkLst>
-            <pc:docMk/>
-            <pc:sldMk cId="3189542477" sldId="465"/>
-            <ac:picMk id="42" creationId="{F4ADFC12-624A-45D8-B35C-A600D6328F40}"/>
-          </ac:picMkLst>
-        </pc:picChg>
-        <pc:picChg chg="add del mod">
-          <ac:chgData name="Vaibhav" userId="fea9aad5-0821-494e-8ee5-cb10b5ecb44e" providerId="ADAL" clId="{2EC74AD1-3B96-4B7C-B2AC-53A567667F07}" dt="2020-03-14T13:32:07.204" v="408"/>
-          <ac:picMkLst>
-            <pc:docMk/>
-            <pc:sldMk cId="3189542477" sldId="465"/>
-            <ac:picMk id="52" creationId="{9871BACD-3361-4BE8-B013-15F139FDB6E9}"/>
-          </ac:picMkLst>
-        </pc:picChg>
-        <pc:picChg chg="add mod">
-          <ac:chgData name="Vaibhav" userId="fea9aad5-0821-494e-8ee5-cb10b5ecb44e" providerId="ADAL" clId="{2EC74AD1-3B96-4B7C-B2AC-53A567667F07}" dt="2020-03-14T13:33:19.658" v="412" actId="1076"/>
-          <ac:picMkLst>
-            <pc:docMk/>
-            <pc:sldMk cId="3189542477" sldId="465"/>
-            <ac:picMk id="53" creationId="{D794ABDA-8A46-455A-80D7-0A7B135729CA}"/>
-          </ac:picMkLst>
-        </pc:picChg>
-        <pc:cxnChg chg="del mod">
-          <ac:chgData name="Vaibhav" userId="fea9aad5-0821-494e-8ee5-cb10b5ecb44e" providerId="ADAL" clId="{2EC74AD1-3B96-4B7C-B2AC-53A567667F07}" dt="2020-03-14T13:14:48.598" v="148" actId="478"/>
-          <ac:cxnSpMkLst>
-            <pc:docMk/>
-            <pc:sldMk cId="3189542477" sldId="465"/>
-            <ac:cxnSpMk id="11" creationId="{77A485C1-AC23-46AC-8DC4-C4FABAFD6183}"/>
-          </ac:cxnSpMkLst>
-        </pc:cxnChg>
-        <pc:cxnChg chg="add mod">
-          <ac:chgData name="Vaibhav" userId="fea9aad5-0821-494e-8ee5-cb10b5ecb44e" providerId="ADAL" clId="{2EC74AD1-3B96-4B7C-B2AC-53A567667F07}" dt="2020-03-14T13:29:45.491" v="391" actId="14100"/>
-          <ac:cxnSpMkLst>
-            <pc:docMk/>
-            <pc:sldMk cId="3189542477" sldId="465"/>
-            <ac:cxnSpMk id="21" creationId="{BA3EFCDB-1A3C-4612-9570-A1A19BB287F8}"/>
-          </ac:cxnSpMkLst>
-        </pc:cxnChg>
-        <pc:cxnChg chg="add mod">
-          <ac:chgData name="Vaibhav" userId="fea9aad5-0821-494e-8ee5-cb10b5ecb44e" providerId="ADAL" clId="{2EC74AD1-3B96-4B7C-B2AC-53A567667F07}" dt="2020-03-14T13:29:10.285" v="370" actId="1076"/>
-          <ac:cxnSpMkLst>
-            <pc:docMk/>
-            <pc:sldMk cId="3189542477" sldId="465"/>
-            <ac:cxnSpMk id="23" creationId="{F588FED0-D9A3-4BEB-A9D6-2CA003FAE887}"/>
-          </ac:cxnSpMkLst>
-        </pc:cxnChg>
-        <pc:cxnChg chg="del mod">
-          <ac:chgData name="Vaibhav" userId="fea9aad5-0821-494e-8ee5-cb10b5ecb44e" providerId="ADAL" clId="{2EC74AD1-3B96-4B7C-B2AC-53A567667F07}" dt="2020-03-14T13:14:51.218" v="149" actId="478"/>
-          <ac:cxnSpMkLst>
-            <pc:docMk/>
-            <pc:sldMk cId="3189542477" sldId="465"/>
-            <ac:cxnSpMk id="28" creationId="{BC3C6452-2C41-4ADC-9157-2E54F8C5FA1B}"/>
-          </ac:cxnSpMkLst>
-        </pc:cxnChg>
-        <pc:cxnChg chg="add mod">
-          <ac:chgData name="Vaibhav" userId="fea9aad5-0821-494e-8ee5-cb10b5ecb44e" providerId="ADAL" clId="{2EC74AD1-3B96-4B7C-B2AC-53A567667F07}" dt="2020-03-14T13:29:10.285" v="370" actId="1076"/>
-          <ac:cxnSpMkLst>
-            <pc:docMk/>
-            <pc:sldMk cId="3189542477" sldId="465"/>
-            <ac:cxnSpMk id="29" creationId="{1A803452-676C-460A-8206-3542FFE3062F}"/>
-          </ac:cxnSpMkLst>
-        </pc:cxnChg>
-        <pc:cxnChg chg="del mod">
-          <ac:chgData name="Vaibhav" userId="fea9aad5-0821-494e-8ee5-cb10b5ecb44e" providerId="ADAL" clId="{2EC74AD1-3B96-4B7C-B2AC-53A567667F07}" dt="2020-03-14T13:16:04.757" v="158" actId="478"/>
-          <ac:cxnSpMkLst>
-            <pc:docMk/>
-            <pc:sldMk cId="3189542477" sldId="465"/>
-            <ac:cxnSpMk id="31" creationId="{6515E4DF-66FC-4ADB-BE8C-FC045088F569}"/>
-          </ac:cxnSpMkLst>
-        </pc:cxnChg>
-        <pc:cxnChg chg="add del mod">
-          <ac:chgData name="Vaibhav" userId="fea9aad5-0821-494e-8ee5-cb10b5ecb44e" providerId="ADAL" clId="{2EC74AD1-3B96-4B7C-B2AC-53A567667F07}" dt="2020-03-14T13:28:20.325" v="352" actId="478"/>
-          <ac:cxnSpMkLst>
-            <pc:docMk/>
-            <pc:sldMk cId="3189542477" sldId="465"/>
-            <ac:cxnSpMk id="34" creationId="{AF8BD97F-6053-469F-BCE5-02506D805CEC}"/>
-          </ac:cxnSpMkLst>
-        </pc:cxnChg>
-        <pc:cxnChg chg="mod">
-          <ac:chgData name="Vaibhav" userId="fea9aad5-0821-494e-8ee5-cb10b5ecb44e" providerId="ADAL" clId="{2EC74AD1-3B96-4B7C-B2AC-53A567667F07}" dt="2020-03-14T13:25:06.378" v="286" actId="1036"/>
-          <ac:cxnSpMkLst>
-            <pc:docMk/>
-            <pc:sldMk cId="3189542477" sldId="465"/>
-            <ac:cxnSpMk id="39" creationId="{601A188A-A50B-4422-AF90-AC6F7D608279}"/>
-          </ac:cxnSpMkLst>
-        </pc:cxnChg>
-        <pc:cxnChg chg="add mod">
-          <ac:chgData name="Vaibhav" userId="fea9aad5-0821-494e-8ee5-cb10b5ecb44e" providerId="ADAL" clId="{2EC74AD1-3B96-4B7C-B2AC-53A567667F07}" dt="2020-03-14T13:29:10.285" v="370" actId="1076"/>
-          <ac:cxnSpMkLst>
-            <pc:docMk/>
-            <pc:sldMk cId="3189542477" sldId="465"/>
-            <ac:cxnSpMk id="40" creationId="{AFD0B9BB-9F4A-44F7-8CA8-8F40EEDD83DB}"/>
-          </ac:cxnSpMkLst>
-        </pc:cxnChg>
-        <pc:cxnChg chg="add mod">
-          <ac:chgData name="Vaibhav" userId="fea9aad5-0821-494e-8ee5-cb10b5ecb44e" providerId="ADAL" clId="{2EC74AD1-3B96-4B7C-B2AC-53A567667F07}" dt="2020-03-14T13:33:41.306" v="414" actId="14100"/>
-          <ac:cxnSpMkLst>
-            <pc:docMk/>
-            <pc:sldMk cId="3189542477" sldId="465"/>
-            <ac:cxnSpMk id="55" creationId="{F1C91393-70DC-4208-B11C-8E1AD94440E7}"/>
-          </ac:cxnSpMkLst>
-        </pc:cxnChg>
-      </pc:sldChg>
-      <pc:sldChg chg="add modAnim">
-        <pc:chgData name="Vaibhav" userId="fea9aad5-0821-494e-8ee5-cb10b5ecb44e" providerId="ADAL" clId="{2EC74AD1-3B96-4B7C-B2AC-53A567667F07}" dt="2020-03-15T08:21:27.768" v="964"/>
-        <pc:sldMkLst>
-          <pc:docMk/>
-          <pc:sldMk cId="558301410" sldId="466"/>
-        </pc:sldMkLst>
-      </pc:sldChg>
-      <pc:sldChg chg="addSp delSp modSp add ord">
-        <pc:chgData name="Vaibhav" userId="fea9aad5-0821-494e-8ee5-cb10b5ecb44e" providerId="ADAL" clId="{2EC74AD1-3B96-4B7C-B2AC-53A567667F07}" dt="2020-03-15T08:17:16.061" v="949" actId="14100"/>
-        <pc:sldMkLst>
-          <pc:docMk/>
-          <pc:sldMk cId="1934873283" sldId="467"/>
-        </pc:sldMkLst>
-        <pc:spChg chg="add mod">
-          <ac:chgData name="Vaibhav" userId="fea9aad5-0821-494e-8ee5-cb10b5ecb44e" providerId="ADAL" clId="{2EC74AD1-3B96-4B7C-B2AC-53A567667F07}" dt="2020-03-15T08:17:09.909" v="948" actId="404"/>
-          <ac:spMkLst>
-            <pc:docMk/>
-            <pc:sldMk cId="1934873283" sldId="467"/>
-            <ac:spMk id="3" creationId="{2D2588B0-E8EC-49BD-876D-E81478081590}"/>
-          </ac:spMkLst>
-        </pc:spChg>
-        <pc:spChg chg="del">
-          <ac:chgData name="Vaibhav" userId="fea9aad5-0821-494e-8ee5-cb10b5ecb44e" providerId="ADAL" clId="{2EC74AD1-3B96-4B7C-B2AC-53A567667F07}" dt="2020-03-15T08:12:17.569" v="902" actId="478"/>
-          <ac:spMkLst>
-            <pc:docMk/>
-            <pc:sldMk cId="1934873283" sldId="467"/>
-            <ac:spMk id="13" creationId="{A313A512-6AC0-483F-A98D-0471A9695173}"/>
-          </ac:spMkLst>
-        </pc:spChg>
-        <pc:spChg chg="del">
-          <ac:chgData name="Vaibhav" userId="fea9aad5-0821-494e-8ee5-cb10b5ecb44e" providerId="ADAL" clId="{2EC74AD1-3B96-4B7C-B2AC-53A567667F07}" dt="2020-03-15T08:12:19.927" v="903" actId="478"/>
-          <ac:spMkLst>
-            <pc:docMk/>
-            <pc:sldMk cId="1934873283" sldId="467"/>
-            <ac:spMk id="14" creationId="{A8099651-538E-4C99-A763-699F44DF3544}"/>
-          </ac:spMkLst>
-        </pc:spChg>
-        <pc:spChg chg="del">
-          <ac:chgData name="Vaibhav" userId="fea9aad5-0821-494e-8ee5-cb10b5ecb44e" providerId="ADAL" clId="{2EC74AD1-3B96-4B7C-B2AC-53A567667F07}" dt="2020-03-15T08:12:25.980" v="905" actId="478"/>
-          <ac:spMkLst>
-            <pc:docMk/>
-            <pc:sldMk cId="1934873283" sldId="467"/>
-            <ac:spMk id="15" creationId="{3FBBFD01-8A2E-42D3-8DC6-1F910B8435DB}"/>
-          </ac:spMkLst>
-        </pc:spChg>
-        <pc:spChg chg="del mod">
-          <ac:chgData name="Vaibhav" userId="fea9aad5-0821-494e-8ee5-cb10b5ecb44e" providerId="ADAL" clId="{2EC74AD1-3B96-4B7C-B2AC-53A567667F07}" dt="2020-03-15T08:12:31.385" v="907" actId="478"/>
-          <ac:spMkLst>
-            <pc:docMk/>
-            <pc:sldMk cId="1934873283" sldId="467"/>
-            <ac:spMk id="17" creationId="{A1DE7B27-1E79-4A9F-8DF4-567BD9578835}"/>
-          </ac:spMkLst>
-        </pc:spChg>
-        <pc:spChg chg="mod">
-          <ac:chgData name="Vaibhav" userId="fea9aad5-0821-494e-8ee5-cb10b5ecb44e" providerId="ADAL" clId="{2EC74AD1-3B96-4B7C-B2AC-53A567667F07}" dt="2020-03-15T08:12:51.426" v="909" actId="113"/>
-          <ac:spMkLst>
-            <pc:docMk/>
-            <pc:sldMk cId="1934873283" sldId="467"/>
-            <ac:spMk id="20" creationId="{1BECD259-6565-403C-85FE-F5F5C815F016}"/>
-          </ac:spMkLst>
-        </pc:spChg>
-        <pc:picChg chg="del">
-          <ac:chgData name="Vaibhav" userId="fea9aad5-0821-494e-8ee5-cb10b5ecb44e" providerId="ADAL" clId="{2EC74AD1-3B96-4B7C-B2AC-53A567667F07}" dt="2020-03-15T08:12:12.694" v="901" actId="478"/>
-          <ac:picMkLst>
-            <pc:docMk/>
-            <pc:sldMk cId="1934873283" sldId="467"/>
-            <ac:picMk id="4" creationId="{8FB1B823-7E0C-4D14-9BD1-DB0B05E53B38}"/>
-          </ac:picMkLst>
-        </pc:picChg>
-        <pc:picChg chg="add mod">
-          <ac:chgData name="Vaibhav" userId="fea9aad5-0821-494e-8ee5-cb10b5ecb44e" providerId="ADAL" clId="{2EC74AD1-3B96-4B7C-B2AC-53A567667F07}" dt="2020-03-15T08:17:16.061" v="949" actId="14100"/>
-          <ac:picMkLst>
-            <pc:docMk/>
-            <pc:sldMk cId="1934873283" sldId="467"/>
-            <ac:picMk id="5" creationId="{6D9624EE-CE83-46DA-AAB8-EDEFE0B57A61}"/>
-          </ac:picMkLst>
-        </pc:picChg>
-        <pc:cxnChg chg="del">
-          <ac:chgData name="Vaibhav" userId="fea9aad5-0821-494e-8ee5-cb10b5ecb44e" providerId="ADAL" clId="{2EC74AD1-3B96-4B7C-B2AC-53A567667F07}" dt="2020-03-15T08:12:23.179" v="904" actId="478"/>
-          <ac:cxnSpMkLst>
-            <pc:docMk/>
-            <pc:sldMk cId="1934873283" sldId="467"/>
-            <ac:cxnSpMk id="6" creationId="{6F0C22FD-B126-4CDA-A1D9-F0073B4E4533}"/>
-          </ac:cxnSpMkLst>
-        </pc:cxnChg>
-        <pc:cxnChg chg="del">
-          <ac:chgData name="Vaibhav" userId="fea9aad5-0821-494e-8ee5-cb10b5ecb44e" providerId="ADAL" clId="{2EC74AD1-3B96-4B7C-B2AC-53A567667F07}" dt="2020-03-15T08:12:33.306" v="908" actId="478"/>
-          <ac:cxnSpMkLst>
-            <pc:docMk/>
-            <pc:sldMk cId="1934873283" sldId="467"/>
-            <ac:cxnSpMk id="18" creationId="{4C926182-51F9-43CE-9EC7-3FC5F43EF914}"/>
-          </ac:cxnSpMkLst>
-        </pc:cxnChg>
-      </pc:sldChg>
-    </pc:docChg>
-  </pc:docChgLst>
   <pc:docChgLst>
     <pc:chgData name="Vaibhav Narkhede" userId="fea9aad5-0821-494e-8ee5-cb10b5ecb44e" providerId="ADAL" clId="{2EC74AD1-3B96-4B7C-B2AC-53A567667F07}"/>
     <pc:docChg chg="undo custSel addSld delSld modSld sldOrd">
@@ -4036,6 +2431,1611 @@
       </pc:sldChg>
     </pc:docChg>
   </pc:docChgLst>
+  <pc:docChgLst>
+    <pc:chgData name="Vaibhav" userId="fea9aad5-0821-494e-8ee5-cb10b5ecb44e" providerId="ADAL" clId="{2EC74AD1-3B96-4B7C-B2AC-53A567667F07}"/>
+    <pc:docChg chg="undo custSel addSld delSld modSld sldOrd">
+      <pc:chgData name="Vaibhav" userId="fea9aad5-0821-494e-8ee5-cb10b5ecb44e" providerId="ADAL" clId="{2EC74AD1-3B96-4B7C-B2AC-53A567667F07}" dt="2020-03-15T15:51:06.484" v="965" actId="20577"/>
+      <pc:docMkLst>
+        <pc:docMk/>
+      </pc:docMkLst>
+      <pc:sldChg chg="modSp">
+        <pc:chgData name="Vaibhav" userId="fea9aad5-0821-494e-8ee5-cb10b5ecb44e" providerId="ADAL" clId="{2EC74AD1-3B96-4B7C-B2AC-53A567667F07}" dt="2020-03-15T05:57:16.931" v="872" actId="207"/>
+        <pc:sldMkLst>
+          <pc:docMk/>
+          <pc:sldMk cId="1593245855" sldId="285"/>
+        </pc:sldMkLst>
+        <pc:spChg chg="mod">
+          <ac:chgData name="Vaibhav" userId="fea9aad5-0821-494e-8ee5-cb10b5ecb44e" providerId="ADAL" clId="{2EC74AD1-3B96-4B7C-B2AC-53A567667F07}" dt="2020-03-15T05:57:16.931" v="872" actId="207"/>
+          <ac:spMkLst>
+            <pc:docMk/>
+            <pc:sldMk cId="1593245855" sldId="285"/>
+            <ac:spMk id="2" creationId="{00000000-0000-0000-0000-000000000000}"/>
+          </ac:spMkLst>
+        </pc:spChg>
+        <pc:spChg chg="mod">
+          <ac:chgData name="Vaibhav" userId="fea9aad5-0821-494e-8ee5-cb10b5ecb44e" providerId="ADAL" clId="{2EC74AD1-3B96-4B7C-B2AC-53A567667F07}" dt="2020-03-11T13:27:23.137" v="1" actId="20577"/>
+          <ac:spMkLst>
+            <pc:docMk/>
+            <pc:sldMk cId="1593245855" sldId="285"/>
+            <ac:spMk id="3" creationId="{00000000-0000-0000-0000-000000000000}"/>
+          </ac:spMkLst>
+        </pc:spChg>
+      </pc:sldChg>
+      <pc:sldChg chg="modSp">
+        <pc:chgData name="Vaibhav" userId="fea9aad5-0821-494e-8ee5-cb10b5ecb44e" providerId="ADAL" clId="{2EC74AD1-3B96-4B7C-B2AC-53A567667F07}" dt="2020-03-14T14:37:11.619" v="641" actId="12"/>
+        <pc:sldMkLst>
+          <pc:docMk/>
+          <pc:sldMk cId="1644363026" sldId="287"/>
+        </pc:sldMkLst>
+        <pc:spChg chg="mod">
+          <ac:chgData name="Vaibhav" userId="fea9aad5-0821-494e-8ee5-cb10b5ecb44e" providerId="ADAL" clId="{2EC74AD1-3B96-4B7C-B2AC-53A567667F07}" dt="2020-03-14T14:37:11.619" v="641" actId="12"/>
+          <ac:spMkLst>
+            <pc:docMk/>
+            <pc:sldMk cId="1644363026" sldId="287"/>
+            <ac:spMk id="2" creationId="{00000000-0000-0000-0000-000000000000}"/>
+          </ac:spMkLst>
+        </pc:spChg>
+      </pc:sldChg>
+      <pc:sldChg chg="addSp delSp modSp">
+        <pc:chgData name="Vaibhav" userId="fea9aad5-0821-494e-8ee5-cb10b5ecb44e" providerId="ADAL" clId="{2EC74AD1-3B96-4B7C-B2AC-53A567667F07}" dt="2020-03-11T17:41:23.806" v="15" actId="14100"/>
+        <pc:sldMkLst>
+          <pc:docMk/>
+          <pc:sldMk cId="1700818200" sldId="393"/>
+        </pc:sldMkLst>
+        <pc:picChg chg="add del mod">
+          <ac:chgData name="Vaibhav" userId="fea9aad5-0821-494e-8ee5-cb10b5ecb44e" providerId="ADAL" clId="{2EC74AD1-3B96-4B7C-B2AC-53A567667F07}" dt="2020-03-11T17:40:14.816" v="11" actId="478"/>
+          <ac:picMkLst>
+            <pc:docMk/>
+            <pc:sldMk cId="1700818200" sldId="393"/>
+            <ac:picMk id="2" creationId="{0086DC95-FCDC-4795-A2B0-8F8172611A78}"/>
+          </ac:picMkLst>
+        </pc:picChg>
+        <pc:picChg chg="add mod">
+          <ac:chgData name="Vaibhav" userId="fea9aad5-0821-494e-8ee5-cb10b5ecb44e" providerId="ADAL" clId="{2EC74AD1-3B96-4B7C-B2AC-53A567667F07}" dt="2020-03-11T17:41:23.806" v="15" actId="14100"/>
+          <ac:picMkLst>
+            <pc:docMk/>
+            <pc:sldMk cId="1700818200" sldId="393"/>
+            <ac:picMk id="3" creationId="{D89B1956-77EB-43BC-9A0D-6F032164FAA2}"/>
+          </ac:picMkLst>
+        </pc:picChg>
+        <pc:picChg chg="del">
+          <ac:chgData name="Vaibhav" userId="fea9aad5-0821-494e-8ee5-cb10b5ecb44e" providerId="ADAL" clId="{2EC74AD1-3B96-4B7C-B2AC-53A567667F07}" dt="2020-03-11T17:41:14.578" v="12" actId="478"/>
+          <ac:picMkLst>
+            <pc:docMk/>
+            <pc:sldMk cId="1700818200" sldId="393"/>
+            <ac:picMk id="1026" creationId="{C359578D-2131-4ED2-B39A-453F73207738}"/>
+          </ac:picMkLst>
+        </pc:picChg>
+      </pc:sldChg>
+      <pc:sldChg chg="modSp">
+        <pc:chgData name="Vaibhav" userId="fea9aad5-0821-494e-8ee5-cb10b5ecb44e" providerId="ADAL" clId="{2EC74AD1-3B96-4B7C-B2AC-53A567667F07}" dt="2020-03-15T06:00:50.028" v="890" actId="20577"/>
+        <pc:sldMkLst>
+          <pc:docMk/>
+          <pc:sldMk cId="2468511198" sldId="436"/>
+        </pc:sldMkLst>
+        <pc:spChg chg="mod">
+          <ac:chgData name="Vaibhav" userId="fea9aad5-0821-494e-8ee5-cb10b5ecb44e" providerId="ADAL" clId="{2EC74AD1-3B96-4B7C-B2AC-53A567667F07}" dt="2020-03-15T06:00:50.028" v="890" actId="20577"/>
+          <ac:spMkLst>
+            <pc:docMk/>
+            <pc:sldMk cId="2468511198" sldId="436"/>
+            <ac:spMk id="2" creationId="{00000000-0000-0000-0000-000000000000}"/>
+          </ac:spMkLst>
+        </pc:spChg>
+        <pc:spChg chg="mod">
+          <ac:chgData name="Vaibhav" userId="fea9aad5-0821-494e-8ee5-cb10b5ecb44e" providerId="ADAL" clId="{2EC74AD1-3B96-4B7C-B2AC-53A567667F07}" dt="2020-03-15T05:58:44.597" v="878" actId="20577"/>
+          <ac:spMkLst>
+            <pc:docMk/>
+            <pc:sldMk cId="2468511198" sldId="436"/>
+            <ac:spMk id="3" creationId="{00000000-0000-0000-0000-000000000000}"/>
+          </ac:spMkLst>
+        </pc:spChg>
+      </pc:sldChg>
+      <pc:sldChg chg="modSp">
+        <pc:chgData name="Vaibhav" userId="fea9aad5-0821-494e-8ee5-cb10b5ecb44e" providerId="ADAL" clId="{2EC74AD1-3B96-4B7C-B2AC-53A567667F07}" dt="2020-03-14T16:12:25.746" v="865" actId="12"/>
+        <pc:sldMkLst>
+          <pc:docMk/>
+          <pc:sldMk cId="4141405839" sldId="437"/>
+        </pc:sldMkLst>
+        <pc:spChg chg="mod">
+          <ac:chgData name="Vaibhav" userId="fea9aad5-0821-494e-8ee5-cb10b5ecb44e" providerId="ADAL" clId="{2EC74AD1-3B96-4B7C-B2AC-53A567667F07}" dt="2020-03-14T16:12:25.746" v="865" actId="12"/>
+          <ac:spMkLst>
+            <pc:docMk/>
+            <pc:sldMk cId="4141405839" sldId="437"/>
+            <ac:spMk id="2" creationId="{00000000-0000-0000-0000-000000000000}"/>
+          </ac:spMkLst>
+        </pc:spChg>
+      </pc:sldChg>
+      <pc:sldChg chg="modSp">
+        <pc:chgData name="Vaibhav" userId="fea9aad5-0821-494e-8ee5-cb10b5ecb44e" providerId="ADAL" clId="{2EC74AD1-3B96-4B7C-B2AC-53A567667F07}" dt="2020-03-11T17:58:07.794" v="17" actId="20577"/>
+        <pc:sldMkLst>
+          <pc:docMk/>
+          <pc:sldMk cId="1339158808" sldId="439"/>
+        </pc:sldMkLst>
+        <pc:spChg chg="mod">
+          <ac:chgData name="Vaibhav" userId="fea9aad5-0821-494e-8ee5-cb10b5ecb44e" providerId="ADAL" clId="{2EC74AD1-3B96-4B7C-B2AC-53A567667F07}" dt="2020-03-11T17:58:07.794" v="17" actId="20577"/>
+          <ac:spMkLst>
+            <pc:docMk/>
+            <pc:sldMk cId="1339158808" sldId="439"/>
+            <ac:spMk id="2" creationId="{00000000-0000-0000-0000-000000000000}"/>
+          </ac:spMkLst>
+        </pc:spChg>
+      </pc:sldChg>
+      <pc:sldChg chg="modSp">
+        <pc:chgData name="Vaibhav" userId="fea9aad5-0821-494e-8ee5-cb10b5ecb44e" providerId="ADAL" clId="{2EC74AD1-3B96-4B7C-B2AC-53A567667F07}" dt="2020-03-14T14:36:49.455" v="639" actId="108"/>
+        <pc:sldMkLst>
+          <pc:docMk/>
+          <pc:sldMk cId="2193995153" sldId="440"/>
+        </pc:sldMkLst>
+        <pc:spChg chg="mod">
+          <ac:chgData name="Vaibhav" userId="fea9aad5-0821-494e-8ee5-cb10b5ecb44e" providerId="ADAL" clId="{2EC74AD1-3B96-4B7C-B2AC-53A567667F07}" dt="2020-03-14T14:36:49.455" v="639" actId="108"/>
+          <ac:spMkLst>
+            <pc:docMk/>
+            <pc:sldMk cId="2193995153" sldId="440"/>
+            <ac:spMk id="11" creationId="{B3579BF0-3710-4E11-AA67-371A72A97B4D}"/>
+          </ac:spMkLst>
+        </pc:spChg>
+      </pc:sldChg>
+      <pc:sldChg chg="modSp modAnim">
+        <pc:chgData name="Vaibhav" userId="fea9aad5-0821-494e-8ee5-cb10b5ecb44e" providerId="ADAL" clId="{2EC74AD1-3B96-4B7C-B2AC-53A567667F07}" dt="2020-03-14T14:46:22.520" v="764" actId="207"/>
+        <pc:sldMkLst>
+          <pc:docMk/>
+          <pc:sldMk cId="2294650592" sldId="441"/>
+        </pc:sldMkLst>
+        <pc:spChg chg="mod">
+          <ac:chgData name="Vaibhav" userId="fea9aad5-0821-494e-8ee5-cb10b5ecb44e" providerId="ADAL" clId="{2EC74AD1-3B96-4B7C-B2AC-53A567667F07}" dt="2020-03-14T14:37:42.714" v="644" actId="108"/>
+          <ac:spMkLst>
+            <pc:docMk/>
+            <pc:sldMk cId="2294650592" sldId="441"/>
+            <ac:spMk id="18" creationId="{4ADFF6C6-F2EB-4F69-B0B5-7F158CC40697}"/>
+          </ac:spMkLst>
+        </pc:spChg>
+        <pc:spChg chg="mod">
+          <ac:chgData name="Vaibhav" userId="fea9aad5-0821-494e-8ee5-cb10b5ecb44e" providerId="ADAL" clId="{2EC74AD1-3B96-4B7C-B2AC-53A567667F07}" dt="2020-03-14T14:46:22.520" v="764" actId="207"/>
+          <ac:spMkLst>
+            <pc:docMk/>
+            <pc:sldMk cId="2294650592" sldId="441"/>
+            <ac:spMk id="20" creationId="{E135B19D-BD7F-426A-B2E0-3CB617D85D29}"/>
+          </ac:spMkLst>
+        </pc:spChg>
+        <pc:spChg chg="mod">
+          <ac:chgData name="Vaibhav" userId="fea9aad5-0821-494e-8ee5-cb10b5ecb44e" providerId="ADAL" clId="{2EC74AD1-3B96-4B7C-B2AC-53A567667F07}" dt="2020-03-14T14:45:38.931" v="754" actId="207"/>
+          <ac:spMkLst>
+            <pc:docMk/>
+            <pc:sldMk cId="2294650592" sldId="441"/>
+            <ac:spMk id="31" creationId="{4B11818F-C13F-4263-AB6F-39D361490851}"/>
+          </ac:spMkLst>
+        </pc:spChg>
+        <pc:spChg chg="mod">
+          <ac:chgData name="Vaibhav" userId="fea9aad5-0821-494e-8ee5-cb10b5ecb44e" providerId="ADAL" clId="{2EC74AD1-3B96-4B7C-B2AC-53A567667F07}" dt="2020-03-14T14:37:42.714" v="644" actId="108"/>
+          <ac:spMkLst>
+            <pc:docMk/>
+            <pc:sldMk cId="2294650592" sldId="441"/>
+            <ac:spMk id="36" creationId="{2FE508E1-B43A-4566-9592-007BCD385C10}"/>
+          </ac:spMkLst>
+        </pc:spChg>
+        <pc:spChg chg="mod">
+          <ac:chgData name="Vaibhav" userId="fea9aad5-0821-494e-8ee5-cb10b5ecb44e" providerId="ADAL" clId="{2EC74AD1-3B96-4B7C-B2AC-53A567667F07}" dt="2020-03-14T14:45:42.497" v="755" actId="207"/>
+          <ac:spMkLst>
+            <pc:docMk/>
+            <pc:sldMk cId="2294650592" sldId="441"/>
+            <ac:spMk id="53" creationId="{F1A2B32C-55F9-4CB9-A546-642DD6347BE5}"/>
+          </ac:spMkLst>
+        </pc:spChg>
+        <pc:spChg chg="mod">
+          <ac:chgData name="Vaibhav" userId="fea9aad5-0821-494e-8ee5-cb10b5ecb44e" providerId="ADAL" clId="{2EC74AD1-3B96-4B7C-B2AC-53A567667F07}" dt="2020-03-14T14:45:46.672" v="756" actId="207"/>
+          <ac:spMkLst>
+            <pc:docMk/>
+            <pc:sldMk cId="2294650592" sldId="441"/>
+            <ac:spMk id="54" creationId="{91AA8674-8FC4-4328-AD92-2B284973ED3A}"/>
+          </ac:spMkLst>
+        </pc:spChg>
+        <pc:spChg chg="mod">
+          <ac:chgData name="Vaibhav" userId="fea9aad5-0821-494e-8ee5-cb10b5ecb44e" providerId="ADAL" clId="{2EC74AD1-3B96-4B7C-B2AC-53A567667F07}" dt="2020-03-14T14:45:49.135" v="758" actId="207"/>
+          <ac:spMkLst>
+            <pc:docMk/>
+            <pc:sldMk cId="2294650592" sldId="441"/>
+            <ac:spMk id="55" creationId="{735D1D09-2451-4BD6-A683-6873A1633607}"/>
+          </ac:spMkLst>
+        </pc:spChg>
+        <pc:spChg chg="mod">
+          <ac:chgData name="Vaibhav" userId="fea9aad5-0821-494e-8ee5-cb10b5ecb44e" providerId="ADAL" clId="{2EC74AD1-3B96-4B7C-B2AC-53A567667F07}" dt="2020-03-14T14:45:51.942" v="759" actId="207"/>
+          <ac:spMkLst>
+            <pc:docMk/>
+            <pc:sldMk cId="2294650592" sldId="441"/>
+            <ac:spMk id="56" creationId="{21E37507-275C-4F6B-8C8A-F9B4585D9871}"/>
+          </ac:spMkLst>
+        </pc:spChg>
+        <pc:spChg chg="mod">
+          <ac:chgData name="Vaibhav" userId="fea9aad5-0821-494e-8ee5-cb10b5ecb44e" providerId="ADAL" clId="{2EC74AD1-3B96-4B7C-B2AC-53A567667F07}" dt="2020-03-14T14:45:54.403" v="760" actId="207"/>
+          <ac:spMkLst>
+            <pc:docMk/>
+            <pc:sldMk cId="2294650592" sldId="441"/>
+            <ac:spMk id="57" creationId="{7C0670B6-A409-4563-9C0E-AF5397D4BA70}"/>
+          </ac:spMkLst>
+        </pc:spChg>
+        <pc:spChg chg="mod">
+          <ac:chgData name="Vaibhav" userId="fea9aad5-0821-494e-8ee5-cb10b5ecb44e" providerId="ADAL" clId="{2EC74AD1-3B96-4B7C-B2AC-53A567667F07}" dt="2020-03-14T14:45:56.978" v="761" actId="207"/>
+          <ac:spMkLst>
+            <pc:docMk/>
+            <pc:sldMk cId="2294650592" sldId="441"/>
+            <ac:spMk id="58" creationId="{2D015631-6F4D-481D-91C3-91840E9DE2DC}"/>
+          </ac:spMkLst>
+        </pc:spChg>
+        <pc:spChg chg="mod">
+          <ac:chgData name="Vaibhav" userId="fea9aad5-0821-494e-8ee5-cb10b5ecb44e" providerId="ADAL" clId="{2EC74AD1-3B96-4B7C-B2AC-53A567667F07}" dt="2020-03-14T14:46:17.563" v="763" actId="207"/>
+          <ac:spMkLst>
+            <pc:docMk/>
+            <pc:sldMk cId="2294650592" sldId="441"/>
+            <ac:spMk id="59" creationId="{5296CC5F-0022-4373-8FEA-253C29C11172}"/>
+          </ac:spMkLst>
+        </pc:spChg>
+        <pc:picChg chg="mod">
+          <ac:chgData name="Vaibhav" userId="fea9aad5-0821-494e-8ee5-cb10b5ecb44e" providerId="ADAL" clId="{2EC74AD1-3B96-4B7C-B2AC-53A567667F07}" dt="2020-03-14T14:46:09.032" v="762" actId="208"/>
+          <ac:picMkLst>
+            <pc:docMk/>
+            <pc:sldMk cId="2294650592" sldId="441"/>
+            <ac:picMk id="15" creationId="{006B4503-E264-42DD-84E6-5744D52140AB}"/>
+          </ac:picMkLst>
+        </pc:picChg>
+        <pc:cxnChg chg="mod">
+          <ac:chgData name="Vaibhav" userId="fea9aad5-0821-494e-8ee5-cb10b5ecb44e" providerId="ADAL" clId="{2EC74AD1-3B96-4B7C-B2AC-53A567667F07}" dt="2020-03-14T14:45:13.547" v="752" actId="208"/>
+          <ac:cxnSpMkLst>
+            <pc:docMk/>
+            <pc:sldMk cId="2294650592" sldId="441"/>
+            <ac:cxnSpMk id="21" creationId="{EC312AE0-AB50-4F92-A581-BF3F07788E2F}"/>
+          </ac:cxnSpMkLst>
+        </pc:cxnChg>
+        <pc:cxnChg chg="mod">
+          <ac:chgData name="Vaibhav" userId="fea9aad5-0821-494e-8ee5-cb10b5ecb44e" providerId="ADAL" clId="{2EC74AD1-3B96-4B7C-B2AC-53A567667F07}" dt="2020-03-14T14:45:13.547" v="752" actId="208"/>
+          <ac:cxnSpMkLst>
+            <pc:docMk/>
+            <pc:sldMk cId="2294650592" sldId="441"/>
+            <ac:cxnSpMk id="23" creationId="{F4B03F94-260F-45DE-B5B9-4009BCBF7E9D}"/>
+          </ac:cxnSpMkLst>
+        </pc:cxnChg>
+        <pc:cxnChg chg="mod">
+          <ac:chgData name="Vaibhav" userId="fea9aad5-0821-494e-8ee5-cb10b5ecb44e" providerId="ADAL" clId="{2EC74AD1-3B96-4B7C-B2AC-53A567667F07}" dt="2020-03-14T14:45:13.547" v="752" actId="208"/>
+          <ac:cxnSpMkLst>
+            <pc:docMk/>
+            <pc:sldMk cId="2294650592" sldId="441"/>
+            <ac:cxnSpMk id="25" creationId="{202B3BFF-6B34-48AE-8E4A-DB4B4B00E318}"/>
+          </ac:cxnSpMkLst>
+        </pc:cxnChg>
+        <pc:cxnChg chg="mod">
+          <ac:chgData name="Vaibhav" userId="fea9aad5-0821-494e-8ee5-cb10b5ecb44e" providerId="ADAL" clId="{2EC74AD1-3B96-4B7C-B2AC-53A567667F07}" dt="2020-03-14T14:45:13.547" v="752" actId="208"/>
+          <ac:cxnSpMkLst>
+            <pc:docMk/>
+            <pc:sldMk cId="2294650592" sldId="441"/>
+            <ac:cxnSpMk id="27" creationId="{44B83DA9-3F9B-4686-AC28-E10217CEE7FF}"/>
+          </ac:cxnSpMkLst>
+        </pc:cxnChg>
+        <pc:cxnChg chg="mod">
+          <ac:chgData name="Vaibhav" userId="fea9aad5-0821-494e-8ee5-cb10b5ecb44e" providerId="ADAL" clId="{2EC74AD1-3B96-4B7C-B2AC-53A567667F07}" dt="2020-03-14T14:45:13.547" v="752" actId="208"/>
+          <ac:cxnSpMkLst>
+            <pc:docMk/>
+            <pc:sldMk cId="2294650592" sldId="441"/>
+            <ac:cxnSpMk id="32" creationId="{B173AE4D-92FA-41C1-9599-7749BEDA9E31}"/>
+          </ac:cxnSpMkLst>
+        </pc:cxnChg>
+        <pc:cxnChg chg="mod">
+          <ac:chgData name="Vaibhav" userId="fea9aad5-0821-494e-8ee5-cb10b5ecb44e" providerId="ADAL" clId="{2EC74AD1-3B96-4B7C-B2AC-53A567667F07}" dt="2020-03-14T14:45:13.547" v="752" actId="208"/>
+          <ac:cxnSpMkLst>
+            <pc:docMk/>
+            <pc:sldMk cId="2294650592" sldId="441"/>
+            <ac:cxnSpMk id="33" creationId="{448FF2DA-E38D-4414-813F-1578ECF53711}"/>
+          </ac:cxnSpMkLst>
+        </pc:cxnChg>
+        <pc:cxnChg chg="mod">
+          <ac:chgData name="Vaibhav" userId="fea9aad5-0821-494e-8ee5-cb10b5ecb44e" providerId="ADAL" clId="{2EC74AD1-3B96-4B7C-B2AC-53A567667F07}" dt="2020-03-14T14:45:13.547" v="752" actId="208"/>
+          <ac:cxnSpMkLst>
+            <pc:docMk/>
+            <pc:sldMk cId="2294650592" sldId="441"/>
+            <ac:cxnSpMk id="34" creationId="{ABD5B532-BE91-40F6-9E82-2417BA82EAD4}"/>
+          </ac:cxnSpMkLst>
+        </pc:cxnChg>
+        <pc:cxnChg chg="mod">
+          <ac:chgData name="Vaibhav" userId="fea9aad5-0821-494e-8ee5-cb10b5ecb44e" providerId="ADAL" clId="{2EC74AD1-3B96-4B7C-B2AC-53A567667F07}" dt="2020-03-14T14:44:40.988" v="751" actId="208"/>
+          <ac:cxnSpMkLst>
+            <pc:docMk/>
+            <pc:sldMk cId="2294650592" sldId="441"/>
+            <ac:cxnSpMk id="35" creationId="{480C9039-D93A-4A2B-81DF-CEFE78964CE4}"/>
+          </ac:cxnSpMkLst>
+        </pc:cxnChg>
+      </pc:sldChg>
+      <pc:sldChg chg="delSp modSp modAnim">
+        <pc:chgData name="Vaibhav" userId="fea9aad5-0821-494e-8ee5-cb10b5ecb44e" providerId="ADAL" clId="{2EC74AD1-3B96-4B7C-B2AC-53A567667F07}" dt="2020-03-14T14:33:40.610" v="637"/>
+        <pc:sldMkLst>
+          <pc:docMk/>
+          <pc:sldMk cId="1091433465" sldId="442"/>
+        </pc:sldMkLst>
+        <pc:spChg chg="del">
+          <ac:chgData name="Vaibhav" userId="fea9aad5-0821-494e-8ee5-cb10b5ecb44e" providerId="ADAL" clId="{2EC74AD1-3B96-4B7C-B2AC-53A567667F07}" dt="2020-03-14T14:28:24.087" v="609" actId="478"/>
+          <ac:spMkLst>
+            <pc:docMk/>
+            <pc:sldMk cId="1091433465" sldId="442"/>
+            <ac:spMk id="19" creationId="{F82AB6AA-E36A-41BF-9C97-D76F93A3A288}"/>
+          </ac:spMkLst>
+        </pc:spChg>
+        <pc:picChg chg="mod">
+          <ac:chgData name="Vaibhav" userId="fea9aad5-0821-494e-8ee5-cb10b5ecb44e" providerId="ADAL" clId="{2EC74AD1-3B96-4B7C-B2AC-53A567667F07}" dt="2020-03-14T14:28:43.789" v="610" actId="1076"/>
+          <ac:picMkLst>
+            <pc:docMk/>
+            <pc:sldMk cId="1091433465" sldId="442"/>
+            <ac:picMk id="4" creationId="{4C97B0A9-B8F9-43B3-9056-A7F433E24458}"/>
+          </ac:picMkLst>
+        </pc:picChg>
+      </pc:sldChg>
+      <pc:sldChg chg="modSp">
+        <pc:chgData name="Vaibhav" userId="fea9aad5-0821-494e-8ee5-cb10b5ecb44e" providerId="ADAL" clId="{2EC74AD1-3B96-4B7C-B2AC-53A567667F07}" dt="2020-03-14T14:36:19.601" v="638" actId="12"/>
+        <pc:sldMkLst>
+          <pc:docMk/>
+          <pc:sldMk cId="2789838473" sldId="443"/>
+        </pc:sldMkLst>
+        <pc:spChg chg="mod">
+          <ac:chgData name="Vaibhav" userId="fea9aad5-0821-494e-8ee5-cb10b5ecb44e" providerId="ADAL" clId="{2EC74AD1-3B96-4B7C-B2AC-53A567667F07}" dt="2020-03-14T14:36:19.601" v="638" actId="12"/>
+          <ac:spMkLst>
+            <pc:docMk/>
+            <pc:sldMk cId="2789838473" sldId="443"/>
+            <ac:spMk id="2" creationId="{00000000-0000-0000-0000-000000000000}"/>
+          </ac:spMkLst>
+        </pc:spChg>
+      </pc:sldChg>
+      <pc:sldChg chg="addSp delSp modSp del">
+        <pc:chgData name="Vaibhav" userId="fea9aad5-0821-494e-8ee5-cb10b5ecb44e" providerId="ADAL" clId="{2EC74AD1-3B96-4B7C-B2AC-53A567667F07}" dt="2020-03-15T08:19:38.864" v="950" actId="47"/>
+        <pc:sldMkLst>
+          <pc:docMk/>
+          <pc:sldMk cId="3710020056" sldId="444"/>
+        </pc:sldMkLst>
+        <pc:spChg chg="mod">
+          <ac:chgData name="Vaibhav" userId="fea9aad5-0821-494e-8ee5-cb10b5ecb44e" providerId="ADAL" clId="{2EC74AD1-3B96-4B7C-B2AC-53A567667F07}" dt="2020-03-14T14:46:51.595" v="765" actId="12"/>
+          <ac:spMkLst>
+            <pc:docMk/>
+            <pc:sldMk cId="3710020056" sldId="444"/>
+            <ac:spMk id="2" creationId="{00000000-0000-0000-0000-000000000000}"/>
+          </ac:spMkLst>
+        </pc:spChg>
+        <pc:picChg chg="add mod">
+          <ac:chgData name="Vaibhav" userId="fea9aad5-0821-494e-8ee5-cb10b5ecb44e" providerId="ADAL" clId="{2EC74AD1-3B96-4B7C-B2AC-53A567667F07}" dt="2020-03-15T08:10:54.510" v="896" actId="14100"/>
+          <ac:picMkLst>
+            <pc:docMk/>
+            <pc:sldMk cId="3710020056" sldId="444"/>
+            <ac:picMk id="3" creationId="{CF89D5CE-703F-48AD-AB3E-98AD808F9394}"/>
+          </ac:picMkLst>
+        </pc:picChg>
+        <pc:picChg chg="del">
+          <ac:chgData name="Vaibhav" userId="fea9aad5-0821-494e-8ee5-cb10b5ecb44e" providerId="ADAL" clId="{2EC74AD1-3B96-4B7C-B2AC-53A567667F07}" dt="2020-03-15T08:10:38.598" v="891" actId="478"/>
+          <ac:picMkLst>
+            <pc:docMk/>
+            <pc:sldMk cId="3710020056" sldId="444"/>
+            <ac:picMk id="5" creationId="{8D1E2595-7E17-425C-A1F1-2DB036FFF83A}"/>
+          </ac:picMkLst>
+        </pc:picChg>
+      </pc:sldChg>
+      <pc:sldChg chg="addSp delSp modSp">
+        <pc:chgData name="Vaibhav" userId="fea9aad5-0821-494e-8ee5-cb10b5ecb44e" providerId="ADAL" clId="{2EC74AD1-3B96-4B7C-B2AC-53A567667F07}" dt="2020-03-14T15:29:32.372" v="842" actId="1076"/>
+        <pc:sldMkLst>
+          <pc:docMk/>
+          <pc:sldMk cId="2039938434" sldId="445"/>
+        </pc:sldMkLst>
+        <pc:spChg chg="add del">
+          <ac:chgData name="Vaibhav" userId="fea9aad5-0821-494e-8ee5-cb10b5ecb44e" providerId="ADAL" clId="{2EC74AD1-3B96-4B7C-B2AC-53A567667F07}" dt="2020-03-14T15:28:42.997" v="835"/>
+          <ac:spMkLst>
+            <pc:docMk/>
+            <pc:sldMk cId="2039938434" sldId="445"/>
+            <ac:spMk id="3" creationId="{679CD4D2-C217-4C7E-A335-BDCBBFC35368}"/>
+          </ac:spMkLst>
+        </pc:spChg>
+        <pc:spChg chg="add del">
+          <ac:chgData name="Vaibhav" userId="fea9aad5-0821-494e-8ee5-cb10b5ecb44e" providerId="ADAL" clId="{2EC74AD1-3B96-4B7C-B2AC-53A567667F07}" dt="2020-03-14T15:28:42.997" v="835"/>
+          <ac:spMkLst>
+            <pc:docMk/>
+            <pc:sldMk cId="2039938434" sldId="445"/>
+            <ac:spMk id="5" creationId="{084B63E8-9557-455F-AD80-1D290E6291D7}"/>
+          </ac:spMkLst>
+        </pc:spChg>
+        <pc:spChg chg="add del">
+          <ac:chgData name="Vaibhav" userId="fea9aad5-0821-494e-8ee5-cb10b5ecb44e" providerId="ADAL" clId="{2EC74AD1-3B96-4B7C-B2AC-53A567667F07}" dt="2020-03-14T15:28:42.997" v="835"/>
+          <ac:spMkLst>
+            <pc:docMk/>
+            <pc:sldMk cId="2039938434" sldId="445"/>
+            <ac:spMk id="6" creationId="{B5DD9BBF-CE17-4334-9E6D-3E03B0C3D952}"/>
+          </ac:spMkLst>
+        </pc:spChg>
+        <pc:spChg chg="add del">
+          <ac:chgData name="Vaibhav" userId="fea9aad5-0821-494e-8ee5-cb10b5ecb44e" providerId="ADAL" clId="{2EC74AD1-3B96-4B7C-B2AC-53A567667F07}" dt="2020-03-14T15:28:42.997" v="835"/>
+          <ac:spMkLst>
+            <pc:docMk/>
+            <pc:sldMk cId="2039938434" sldId="445"/>
+            <ac:spMk id="7" creationId="{FE2B90FC-D953-4904-978A-467AD856A428}"/>
+          </ac:spMkLst>
+        </pc:spChg>
+        <pc:spChg chg="add del">
+          <ac:chgData name="Vaibhav" userId="fea9aad5-0821-494e-8ee5-cb10b5ecb44e" providerId="ADAL" clId="{2EC74AD1-3B96-4B7C-B2AC-53A567667F07}" dt="2020-03-14T15:28:42.997" v="835"/>
+          <ac:spMkLst>
+            <pc:docMk/>
+            <pc:sldMk cId="2039938434" sldId="445"/>
+            <ac:spMk id="10" creationId="{424F5733-2C57-4853-ADA2-26E45624E1DA}"/>
+          </ac:spMkLst>
+        </pc:spChg>
+        <pc:spChg chg="add del">
+          <ac:chgData name="Vaibhav" userId="fea9aad5-0821-494e-8ee5-cb10b5ecb44e" providerId="ADAL" clId="{2EC74AD1-3B96-4B7C-B2AC-53A567667F07}" dt="2020-03-14T15:28:42.997" v="835"/>
+          <ac:spMkLst>
+            <pc:docMk/>
+            <pc:sldMk cId="2039938434" sldId="445"/>
+            <ac:spMk id="11" creationId="{7DFA4006-6641-47BB-9C33-2CA3E5338A56}"/>
+          </ac:spMkLst>
+        </pc:spChg>
+        <pc:spChg chg="add del">
+          <ac:chgData name="Vaibhav" userId="fea9aad5-0821-494e-8ee5-cb10b5ecb44e" providerId="ADAL" clId="{2EC74AD1-3B96-4B7C-B2AC-53A567667F07}" dt="2020-03-14T15:28:42.997" v="835"/>
+          <ac:spMkLst>
+            <pc:docMk/>
+            <pc:sldMk cId="2039938434" sldId="445"/>
+            <ac:spMk id="12" creationId="{DF178950-0BEF-4751-8CD7-834F735AB2A4}"/>
+          </ac:spMkLst>
+        </pc:spChg>
+        <pc:spChg chg="add del">
+          <ac:chgData name="Vaibhav" userId="fea9aad5-0821-494e-8ee5-cb10b5ecb44e" providerId="ADAL" clId="{2EC74AD1-3B96-4B7C-B2AC-53A567667F07}" dt="2020-03-14T15:28:42.997" v="835"/>
+          <ac:spMkLst>
+            <pc:docMk/>
+            <pc:sldMk cId="2039938434" sldId="445"/>
+            <ac:spMk id="13" creationId="{236DAE41-C3CB-48FA-96F6-303C10EC692F}"/>
+          </ac:spMkLst>
+        </pc:spChg>
+        <pc:spChg chg="add del">
+          <ac:chgData name="Vaibhav" userId="fea9aad5-0821-494e-8ee5-cb10b5ecb44e" providerId="ADAL" clId="{2EC74AD1-3B96-4B7C-B2AC-53A567667F07}" dt="2020-03-14T15:28:42.997" v="835"/>
+          <ac:spMkLst>
+            <pc:docMk/>
+            <pc:sldMk cId="2039938434" sldId="445"/>
+            <ac:spMk id="14" creationId="{77FF4CB4-C564-4616-AA1D-186D03410610}"/>
+          </ac:spMkLst>
+        </pc:spChg>
+        <pc:spChg chg="add del">
+          <ac:chgData name="Vaibhav" userId="fea9aad5-0821-494e-8ee5-cb10b5ecb44e" providerId="ADAL" clId="{2EC74AD1-3B96-4B7C-B2AC-53A567667F07}" dt="2020-03-14T15:28:42.997" v="835"/>
+          <ac:spMkLst>
+            <pc:docMk/>
+            <pc:sldMk cId="2039938434" sldId="445"/>
+            <ac:spMk id="15" creationId="{F6D12C11-C863-4B8E-8475-19526B8C822F}"/>
+          </ac:spMkLst>
+        </pc:spChg>
+        <pc:spChg chg="add del">
+          <ac:chgData name="Vaibhav" userId="fea9aad5-0821-494e-8ee5-cb10b5ecb44e" providerId="ADAL" clId="{2EC74AD1-3B96-4B7C-B2AC-53A567667F07}" dt="2020-03-14T15:28:42.997" v="835"/>
+          <ac:spMkLst>
+            <pc:docMk/>
+            <pc:sldMk cId="2039938434" sldId="445"/>
+            <ac:spMk id="16" creationId="{C522E07B-0B15-42D9-8DE0-11CD99740E87}"/>
+          </ac:spMkLst>
+        </pc:spChg>
+        <pc:spChg chg="add del">
+          <ac:chgData name="Vaibhav" userId="fea9aad5-0821-494e-8ee5-cb10b5ecb44e" providerId="ADAL" clId="{2EC74AD1-3B96-4B7C-B2AC-53A567667F07}" dt="2020-03-14T15:28:42.997" v="835"/>
+          <ac:spMkLst>
+            <pc:docMk/>
+            <pc:sldMk cId="2039938434" sldId="445"/>
+            <ac:spMk id="17" creationId="{7C6E2C7E-14A1-4338-A9D1-E7FA846DA7B8}"/>
+          </ac:spMkLst>
+        </pc:spChg>
+        <pc:spChg chg="add del">
+          <ac:chgData name="Vaibhav" userId="fea9aad5-0821-494e-8ee5-cb10b5ecb44e" providerId="ADAL" clId="{2EC74AD1-3B96-4B7C-B2AC-53A567667F07}" dt="2020-03-14T15:28:42.997" v="835"/>
+          <ac:spMkLst>
+            <pc:docMk/>
+            <pc:sldMk cId="2039938434" sldId="445"/>
+            <ac:spMk id="18" creationId="{EB0A9528-678B-45B6-92D9-2C543F04B7E2}"/>
+          </ac:spMkLst>
+        </pc:spChg>
+        <pc:spChg chg="add del">
+          <ac:chgData name="Vaibhav" userId="fea9aad5-0821-494e-8ee5-cb10b5ecb44e" providerId="ADAL" clId="{2EC74AD1-3B96-4B7C-B2AC-53A567667F07}" dt="2020-03-14T15:28:42.997" v="835"/>
+          <ac:spMkLst>
+            <pc:docMk/>
+            <pc:sldMk cId="2039938434" sldId="445"/>
+            <ac:spMk id="19" creationId="{90912358-69C6-45F3-9CB4-91AF3D4C325D}"/>
+          </ac:spMkLst>
+        </pc:spChg>
+        <pc:spChg chg="add del">
+          <ac:chgData name="Vaibhav" userId="fea9aad5-0821-494e-8ee5-cb10b5ecb44e" providerId="ADAL" clId="{2EC74AD1-3B96-4B7C-B2AC-53A567667F07}" dt="2020-03-14T15:28:42.997" v="835"/>
+          <ac:spMkLst>
+            <pc:docMk/>
+            <pc:sldMk cId="2039938434" sldId="445"/>
+            <ac:spMk id="21" creationId="{DCADF8C2-FB51-4BD3-8E07-9B4E744A2227}"/>
+          </ac:spMkLst>
+        </pc:spChg>
+        <pc:spChg chg="add del">
+          <ac:chgData name="Vaibhav" userId="fea9aad5-0821-494e-8ee5-cb10b5ecb44e" providerId="ADAL" clId="{2EC74AD1-3B96-4B7C-B2AC-53A567667F07}" dt="2020-03-14T15:28:42.997" v="835"/>
+          <ac:spMkLst>
+            <pc:docMk/>
+            <pc:sldMk cId="2039938434" sldId="445"/>
+            <ac:spMk id="22" creationId="{88B1BB46-0811-4923-9888-53985720B0F7}"/>
+          </ac:spMkLst>
+        </pc:spChg>
+        <pc:spChg chg="add del">
+          <ac:chgData name="Vaibhav" userId="fea9aad5-0821-494e-8ee5-cb10b5ecb44e" providerId="ADAL" clId="{2EC74AD1-3B96-4B7C-B2AC-53A567667F07}" dt="2020-03-14T15:28:42.997" v="835"/>
+          <ac:spMkLst>
+            <pc:docMk/>
+            <pc:sldMk cId="2039938434" sldId="445"/>
+            <ac:spMk id="23" creationId="{0D3E242D-3310-407D-AE1A-F68692695DB7}"/>
+          </ac:spMkLst>
+        </pc:spChg>
+        <pc:spChg chg="add del">
+          <ac:chgData name="Vaibhav" userId="fea9aad5-0821-494e-8ee5-cb10b5ecb44e" providerId="ADAL" clId="{2EC74AD1-3B96-4B7C-B2AC-53A567667F07}" dt="2020-03-14T15:28:42.997" v="835"/>
+          <ac:spMkLst>
+            <pc:docMk/>
+            <pc:sldMk cId="2039938434" sldId="445"/>
+            <ac:spMk id="24" creationId="{8F49C5F3-5EA3-489E-B238-E29FCE25FEE5}"/>
+          </ac:spMkLst>
+        </pc:spChg>
+        <pc:spChg chg="add del">
+          <ac:chgData name="Vaibhav" userId="fea9aad5-0821-494e-8ee5-cb10b5ecb44e" providerId="ADAL" clId="{2EC74AD1-3B96-4B7C-B2AC-53A567667F07}" dt="2020-03-14T15:28:42.997" v="835"/>
+          <ac:spMkLst>
+            <pc:docMk/>
+            <pc:sldMk cId="2039938434" sldId="445"/>
+            <ac:spMk id="25" creationId="{5E3D5D9F-5C1E-4B20-A888-4E1E682BA8A6}"/>
+          </ac:spMkLst>
+        </pc:spChg>
+        <pc:spChg chg="add del">
+          <ac:chgData name="Vaibhav" userId="fea9aad5-0821-494e-8ee5-cb10b5ecb44e" providerId="ADAL" clId="{2EC74AD1-3B96-4B7C-B2AC-53A567667F07}" dt="2020-03-14T15:28:42.997" v="835"/>
+          <ac:spMkLst>
+            <pc:docMk/>
+            <pc:sldMk cId="2039938434" sldId="445"/>
+            <ac:spMk id="26" creationId="{90F3F29E-6E30-40F4-A296-B28AB2E03186}"/>
+          </ac:spMkLst>
+        </pc:spChg>
+        <pc:spChg chg="add del">
+          <ac:chgData name="Vaibhav" userId="fea9aad5-0821-494e-8ee5-cb10b5ecb44e" providerId="ADAL" clId="{2EC74AD1-3B96-4B7C-B2AC-53A567667F07}" dt="2020-03-14T15:28:42.997" v="835"/>
+          <ac:spMkLst>
+            <pc:docMk/>
+            <pc:sldMk cId="2039938434" sldId="445"/>
+            <ac:spMk id="27" creationId="{AC13F200-4942-47AB-A192-22934E43D390}"/>
+          </ac:spMkLst>
+        </pc:spChg>
+        <pc:spChg chg="add del">
+          <ac:chgData name="Vaibhav" userId="fea9aad5-0821-494e-8ee5-cb10b5ecb44e" providerId="ADAL" clId="{2EC74AD1-3B96-4B7C-B2AC-53A567667F07}" dt="2020-03-14T15:28:42.997" v="835"/>
+          <ac:spMkLst>
+            <pc:docMk/>
+            <pc:sldMk cId="2039938434" sldId="445"/>
+            <ac:spMk id="2048" creationId="{FB5C1381-E45D-4DE9-86DF-92003D71DEE6}"/>
+          </ac:spMkLst>
+        </pc:spChg>
+        <pc:spChg chg="add del">
+          <ac:chgData name="Vaibhav" userId="fea9aad5-0821-494e-8ee5-cb10b5ecb44e" providerId="ADAL" clId="{2EC74AD1-3B96-4B7C-B2AC-53A567667F07}" dt="2020-03-14T15:28:42.997" v="835"/>
+          <ac:spMkLst>
+            <pc:docMk/>
+            <pc:sldMk cId="2039938434" sldId="445"/>
+            <ac:spMk id="2055" creationId="{1FAF8E79-B915-44EC-9A4E-25FA5A52E1E7}"/>
+          </ac:spMkLst>
+        </pc:spChg>
+        <pc:spChg chg="add del">
+          <ac:chgData name="Vaibhav" userId="fea9aad5-0821-494e-8ee5-cb10b5ecb44e" providerId="ADAL" clId="{2EC74AD1-3B96-4B7C-B2AC-53A567667F07}" dt="2020-03-14T15:28:42.997" v="835"/>
+          <ac:spMkLst>
+            <pc:docMk/>
+            <pc:sldMk cId="2039938434" sldId="445"/>
+            <ac:spMk id="2057" creationId="{222B787F-B6B2-4252-AB3C-0CA18CE28F43}"/>
+          </ac:spMkLst>
+        </pc:spChg>
+        <pc:spChg chg="add del">
+          <ac:chgData name="Vaibhav" userId="fea9aad5-0821-494e-8ee5-cb10b5ecb44e" providerId="ADAL" clId="{2EC74AD1-3B96-4B7C-B2AC-53A567667F07}" dt="2020-03-14T15:28:42.997" v="835"/>
+          <ac:spMkLst>
+            <pc:docMk/>
+            <pc:sldMk cId="2039938434" sldId="445"/>
+            <ac:spMk id="2058" creationId="{9FA1115A-A75F-44BD-8BB2-B9321F6655C6}"/>
+          </ac:spMkLst>
+        </pc:spChg>
+        <pc:spChg chg="add del">
+          <ac:chgData name="Vaibhav" userId="fea9aad5-0821-494e-8ee5-cb10b5ecb44e" providerId="ADAL" clId="{2EC74AD1-3B96-4B7C-B2AC-53A567667F07}" dt="2020-03-14T15:28:42.997" v="835"/>
+          <ac:spMkLst>
+            <pc:docMk/>
+            <pc:sldMk cId="2039938434" sldId="445"/>
+            <ac:spMk id="2059" creationId="{E73DDDB7-5ED1-4444-AD70-F274CA66F58A}"/>
+          </ac:spMkLst>
+        </pc:spChg>
+        <pc:spChg chg="add del">
+          <ac:chgData name="Vaibhav" userId="fea9aad5-0821-494e-8ee5-cb10b5ecb44e" providerId="ADAL" clId="{2EC74AD1-3B96-4B7C-B2AC-53A567667F07}" dt="2020-03-14T15:28:42.997" v="835"/>
+          <ac:spMkLst>
+            <pc:docMk/>
+            <pc:sldMk cId="2039938434" sldId="445"/>
+            <ac:spMk id="2060" creationId="{13BACC78-3B8C-42E8-8651-651187DE4602}"/>
+          </ac:spMkLst>
+        </pc:spChg>
+        <pc:spChg chg="add del">
+          <ac:chgData name="Vaibhav" userId="fea9aad5-0821-494e-8ee5-cb10b5ecb44e" providerId="ADAL" clId="{2EC74AD1-3B96-4B7C-B2AC-53A567667F07}" dt="2020-03-14T15:28:42.997" v="835"/>
+          <ac:spMkLst>
+            <pc:docMk/>
+            <pc:sldMk cId="2039938434" sldId="445"/>
+            <ac:spMk id="2061" creationId="{61E579DD-E231-4A21-8F8C-84C2543BAF39}"/>
+          </ac:spMkLst>
+        </pc:spChg>
+        <pc:picChg chg="del mod">
+          <ac:chgData name="Vaibhav" userId="fea9aad5-0821-494e-8ee5-cb10b5ecb44e" providerId="ADAL" clId="{2EC74AD1-3B96-4B7C-B2AC-53A567667F07}" dt="2020-03-14T15:26:13.399" v="833" actId="478"/>
+          <ac:picMkLst>
+            <pc:docMk/>
+            <pc:sldMk cId="2039938434" sldId="445"/>
+            <ac:picMk id="4" creationId="{559650E3-831C-4F3C-87C5-92C7236E3F06}"/>
+          </ac:picMkLst>
+        </pc:picChg>
+        <pc:picChg chg="add del">
+          <ac:chgData name="Vaibhav" userId="fea9aad5-0821-494e-8ee5-cb10b5ecb44e" providerId="ADAL" clId="{2EC74AD1-3B96-4B7C-B2AC-53A567667F07}" dt="2020-03-14T15:28:42.997" v="835"/>
+          <ac:picMkLst>
+            <pc:docMk/>
+            <pc:sldMk cId="2039938434" sldId="445"/>
+            <ac:picMk id="2049" creationId="{BE1D8949-1760-4835-8E81-1132C7491453}"/>
+          </ac:picMkLst>
+        </pc:picChg>
+        <pc:picChg chg="add del">
+          <ac:chgData name="Vaibhav" userId="fea9aad5-0821-494e-8ee5-cb10b5ecb44e" providerId="ADAL" clId="{2EC74AD1-3B96-4B7C-B2AC-53A567667F07}" dt="2020-03-14T15:28:42.997" v="835"/>
+          <ac:picMkLst>
+            <pc:docMk/>
+            <pc:sldMk cId="2039938434" sldId="445"/>
+            <ac:picMk id="2050" creationId="{E1C15161-ACC9-4A17-8198-06CD9030B580}"/>
+          </ac:picMkLst>
+        </pc:picChg>
+        <pc:picChg chg="add del">
+          <ac:chgData name="Vaibhav" userId="fea9aad5-0821-494e-8ee5-cb10b5ecb44e" providerId="ADAL" clId="{2EC74AD1-3B96-4B7C-B2AC-53A567667F07}" dt="2020-03-14T15:28:42.997" v="835"/>
+          <ac:picMkLst>
+            <pc:docMk/>
+            <pc:sldMk cId="2039938434" sldId="445"/>
+            <ac:picMk id="2051" creationId="{CE183DC7-4BE3-4C77-8DD9-C68EA5E1B5DB}"/>
+          </ac:picMkLst>
+        </pc:picChg>
+        <pc:picChg chg="add del">
+          <ac:chgData name="Vaibhav" userId="fea9aad5-0821-494e-8ee5-cb10b5ecb44e" providerId="ADAL" clId="{2EC74AD1-3B96-4B7C-B2AC-53A567667F07}" dt="2020-03-14T15:28:42.997" v="835"/>
+          <ac:picMkLst>
+            <pc:docMk/>
+            <pc:sldMk cId="2039938434" sldId="445"/>
+            <ac:picMk id="2052" creationId="{BEF1774B-7750-43C2-B774-56AF99C407AA}"/>
+          </ac:picMkLst>
+        </pc:picChg>
+        <pc:picChg chg="add del">
+          <ac:chgData name="Vaibhav" userId="fea9aad5-0821-494e-8ee5-cb10b5ecb44e" providerId="ADAL" clId="{2EC74AD1-3B96-4B7C-B2AC-53A567667F07}" dt="2020-03-14T15:28:42.997" v="835"/>
+          <ac:picMkLst>
+            <pc:docMk/>
+            <pc:sldMk cId="2039938434" sldId="445"/>
+            <ac:picMk id="2053" creationId="{A709FCD7-8CC2-4D92-B529-DD58300AF2D4}"/>
+          </ac:picMkLst>
+        </pc:picChg>
+        <pc:picChg chg="add del">
+          <ac:chgData name="Vaibhav" userId="fea9aad5-0821-494e-8ee5-cb10b5ecb44e" providerId="ADAL" clId="{2EC74AD1-3B96-4B7C-B2AC-53A567667F07}" dt="2020-03-14T15:28:42.997" v="835"/>
+          <ac:picMkLst>
+            <pc:docMk/>
+            <pc:sldMk cId="2039938434" sldId="445"/>
+            <ac:picMk id="2054" creationId="{2F474E63-519D-4898-840E-77BD4C8A4722}"/>
+          </ac:picMkLst>
+        </pc:picChg>
+        <pc:picChg chg="add del">
+          <ac:chgData name="Vaibhav" userId="fea9aad5-0821-494e-8ee5-cb10b5ecb44e" providerId="ADAL" clId="{2EC74AD1-3B96-4B7C-B2AC-53A567667F07}" dt="2020-03-14T15:28:42.997" v="835"/>
+          <ac:picMkLst>
+            <pc:docMk/>
+            <pc:sldMk cId="2039938434" sldId="445"/>
+            <ac:picMk id="2056" creationId="{FF0BC8F3-5FB1-4437-866C-4F19EE3614A5}"/>
+          </ac:picMkLst>
+        </pc:picChg>
+        <pc:picChg chg="add mod">
+          <ac:chgData name="Vaibhav" userId="fea9aad5-0821-494e-8ee5-cb10b5ecb44e" providerId="ADAL" clId="{2EC74AD1-3B96-4B7C-B2AC-53A567667F07}" dt="2020-03-14T15:29:32.372" v="842" actId="1076"/>
+          <ac:picMkLst>
+            <pc:docMk/>
+            <pc:sldMk cId="2039938434" sldId="445"/>
+            <ac:picMk id="2062" creationId="{CD194E9D-897A-402E-8D8A-F2C7E83779AD}"/>
+          </ac:picMkLst>
+        </pc:picChg>
+        <pc:cxnChg chg="add del">
+          <ac:chgData name="Vaibhav" userId="fea9aad5-0821-494e-8ee5-cb10b5ecb44e" providerId="ADAL" clId="{2EC74AD1-3B96-4B7C-B2AC-53A567667F07}" dt="2020-03-14T15:28:42.997" v="835"/>
+          <ac:cxnSpMkLst>
+            <pc:docMk/>
+            <pc:sldMk cId="2039938434" sldId="445"/>
+            <ac:cxnSpMk id="28" creationId="{CB93266C-81FC-439E-8EC0-185453888FDF}"/>
+          </ac:cxnSpMkLst>
+        </pc:cxnChg>
+        <pc:cxnChg chg="add del">
+          <ac:chgData name="Vaibhav" userId="fea9aad5-0821-494e-8ee5-cb10b5ecb44e" providerId="ADAL" clId="{2EC74AD1-3B96-4B7C-B2AC-53A567667F07}" dt="2020-03-14T15:28:42.997" v="835"/>
+          <ac:cxnSpMkLst>
+            <pc:docMk/>
+            <pc:sldMk cId="2039938434" sldId="445"/>
+            <ac:cxnSpMk id="29" creationId="{D03C1DB7-B8DB-4A13-9DA6-151395FD0796}"/>
+          </ac:cxnSpMkLst>
+        </pc:cxnChg>
+        <pc:cxnChg chg="add del">
+          <ac:chgData name="Vaibhav" userId="fea9aad5-0821-494e-8ee5-cb10b5ecb44e" providerId="ADAL" clId="{2EC74AD1-3B96-4B7C-B2AC-53A567667F07}" dt="2020-03-14T15:28:42.997" v="835"/>
+          <ac:cxnSpMkLst>
+            <pc:docMk/>
+            <pc:sldMk cId="2039938434" sldId="445"/>
+            <ac:cxnSpMk id="30" creationId="{7CFC26D3-5D07-4D6E-9118-587B545D7899}"/>
+          </ac:cxnSpMkLst>
+        </pc:cxnChg>
+        <pc:cxnChg chg="add del">
+          <ac:chgData name="Vaibhav" userId="fea9aad5-0821-494e-8ee5-cb10b5ecb44e" providerId="ADAL" clId="{2EC74AD1-3B96-4B7C-B2AC-53A567667F07}" dt="2020-03-14T15:28:42.997" v="835"/>
+          <ac:cxnSpMkLst>
+            <pc:docMk/>
+            <pc:sldMk cId="2039938434" sldId="445"/>
+            <ac:cxnSpMk id="31" creationId="{CB89489B-C8F7-4736-AF5D-13BD0A9DEE01}"/>
+          </ac:cxnSpMkLst>
+        </pc:cxnChg>
+        <pc:cxnChg chg="add del">
+          <ac:chgData name="Vaibhav" userId="fea9aad5-0821-494e-8ee5-cb10b5ecb44e" providerId="ADAL" clId="{2EC74AD1-3B96-4B7C-B2AC-53A567667F07}" dt="2020-03-14T15:28:42.997" v="835"/>
+          <ac:cxnSpMkLst>
+            <pc:docMk/>
+            <pc:sldMk cId="2039938434" sldId="445"/>
+            <ac:cxnSpMk id="32" creationId="{0EAEC923-B5DC-4A29-AC97-11738357CBEC}"/>
+          </ac:cxnSpMkLst>
+        </pc:cxnChg>
+        <pc:cxnChg chg="add del">
+          <ac:chgData name="Vaibhav" userId="fea9aad5-0821-494e-8ee5-cb10b5ecb44e" providerId="ADAL" clId="{2EC74AD1-3B96-4B7C-B2AC-53A567667F07}" dt="2020-03-14T15:28:42.997" v="835"/>
+          <ac:cxnSpMkLst>
+            <pc:docMk/>
+            <pc:sldMk cId="2039938434" sldId="445"/>
+            <ac:cxnSpMk id="33" creationId="{B5670BA2-EBB3-403C-8399-F9498DEA1DF6}"/>
+          </ac:cxnSpMkLst>
+        </pc:cxnChg>
+        <pc:cxnChg chg="add del">
+          <ac:chgData name="Vaibhav" userId="fea9aad5-0821-494e-8ee5-cb10b5ecb44e" providerId="ADAL" clId="{2EC74AD1-3B96-4B7C-B2AC-53A567667F07}" dt="2020-03-14T15:28:42.997" v="835"/>
+          <ac:cxnSpMkLst>
+            <pc:docMk/>
+            <pc:sldMk cId="2039938434" sldId="445"/>
+            <ac:cxnSpMk id="34" creationId="{60964635-F7D7-471A-B005-57CECCEF9B33}"/>
+          </ac:cxnSpMkLst>
+        </pc:cxnChg>
+        <pc:cxnChg chg="add del">
+          <ac:chgData name="Vaibhav" userId="fea9aad5-0821-494e-8ee5-cb10b5ecb44e" providerId="ADAL" clId="{2EC74AD1-3B96-4B7C-B2AC-53A567667F07}" dt="2020-03-14T15:28:42.997" v="835"/>
+          <ac:cxnSpMkLst>
+            <pc:docMk/>
+            <pc:sldMk cId="2039938434" sldId="445"/>
+            <ac:cxnSpMk id="35" creationId="{1A51EF90-76DC-491E-A37B-EA9E007C3802}"/>
+          </ac:cxnSpMkLst>
+        </pc:cxnChg>
+        <pc:cxnChg chg="add del">
+          <ac:chgData name="Vaibhav" userId="fea9aad5-0821-494e-8ee5-cb10b5ecb44e" providerId="ADAL" clId="{2EC74AD1-3B96-4B7C-B2AC-53A567667F07}" dt="2020-03-14T15:28:42.997" v="835"/>
+          <ac:cxnSpMkLst>
+            <pc:docMk/>
+            <pc:sldMk cId="2039938434" sldId="445"/>
+            <ac:cxnSpMk id="36" creationId="{6031094F-DD21-4029-8741-0BBC8CB5E82B}"/>
+          </ac:cxnSpMkLst>
+        </pc:cxnChg>
+        <pc:cxnChg chg="add del">
+          <ac:chgData name="Vaibhav" userId="fea9aad5-0821-494e-8ee5-cb10b5ecb44e" providerId="ADAL" clId="{2EC74AD1-3B96-4B7C-B2AC-53A567667F07}" dt="2020-03-14T15:28:42.997" v="835"/>
+          <ac:cxnSpMkLst>
+            <pc:docMk/>
+            <pc:sldMk cId="2039938434" sldId="445"/>
+            <ac:cxnSpMk id="38" creationId="{6C66C2E1-7E38-44EA-86FE-CBB471C7EA1B}"/>
+          </ac:cxnSpMkLst>
+        </pc:cxnChg>
+        <pc:cxnChg chg="add del">
+          <ac:chgData name="Vaibhav" userId="fea9aad5-0821-494e-8ee5-cb10b5ecb44e" providerId="ADAL" clId="{2EC74AD1-3B96-4B7C-B2AC-53A567667F07}" dt="2020-03-14T15:28:42.997" v="835"/>
+          <ac:cxnSpMkLst>
+            <pc:docMk/>
+            <pc:sldMk cId="2039938434" sldId="445"/>
+            <ac:cxnSpMk id="40" creationId="{7FF57804-EAC5-4136-9A78-4B78D0513F15}"/>
+          </ac:cxnSpMkLst>
+        </pc:cxnChg>
+        <pc:cxnChg chg="add del">
+          <ac:chgData name="Vaibhav" userId="fea9aad5-0821-494e-8ee5-cb10b5ecb44e" providerId="ADAL" clId="{2EC74AD1-3B96-4B7C-B2AC-53A567667F07}" dt="2020-03-14T15:28:42.997" v="835"/>
+          <ac:cxnSpMkLst>
+            <pc:docMk/>
+            <pc:sldMk cId="2039938434" sldId="445"/>
+            <ac:cxnSpMk id="41" creationId="{0D64F0AF-B524-40B4-8003-2286ECF461D5}"/>
+          </ac:cxnSpMkLst>
+        </pc:cxnChg>
+        <pc:cxnChg chg="add del">
+          <ac:chgData name="Vaibhav" userId="fea9aad5-0821-494e-8ee5-cb10b5ecb44e" providerId="ADAL" clId="{2EC74AD1-3B96-4B7C-B2AC-53A567667F07}" dt="2020-03-14T15:28:42.997" v="835"/>
+          <ac:cxnSpMkLst>
+            <pc:docMk/>
+            <pc:sldMk cId="2039938434" sldId="445"/>
+            <ac:cxnSpMk id="42" creationId="{D0B4B73D-2E3D-4C00-B666-FFB5FCF4BB08}"/>
+          </ac:cxnSpMkLst>
+        </pc:cxnChg>
+        <pc:cxnChg chg="add del">
+          <ac:chgData name="Vaibhav" userId="fea9aad5-0821-494e-8ee5-cb10b5ecb44e" providerId="ADAL" clId="{2EC74AD1-3B96-4B7C-B2AC-53A567667F07}" dt="2020-03-14T15:28:42.997" v="835"/>
+          <ac:cxnSpMkLst>
+            <pc:docMk/>
+            <pc:sldMk cId="2039938434" sldId="445"/>
+            <ac:cxnSpMk id="43" creationId="{FE7869D2-29A5-4312-8206-27CBC1E4DFEA}"/>
+          </ac:cxnSpMkLst>
+        </pc:cxnChg>
+        <pc:cxnChg chg="add del">
+          <ac:chgData name="Vaibhav" userId="fea9aad5-0821-494e-8ee5-cb10b5ecb44e" providerId="ADAL" clId="{2EC74AD1-3B96-4B7C-B2AC-53A567667F07}" dt="2020-03-14T15:28:42.997" v="835"/>
+          <ac:cxnSpMkLst>
+            <pc:docMk/>
+            <pc:sldMk cId="2039938434" sldId="445"/>
+            <ac:cxnSpMk id="44" creationId="{BE413B48-9710-4B86-AD29-D69D26FABA07}"/>
+          </ac:cxnSpMkLst>
+        </pc:cxnChg>
+        <pc:cxnChg chg="add del">
+          <ac:chgData name="Vaibhav" userId="fea9aad5-0821-494e-8ee5-cb10b5ecb44e" providerId="ADAL" clId="{2EC74AD1-3B96-4B7C-B2AC-53A567667F07}" dt="2020-03-14T15:28:42.997" v="835"/>
+          <ac:cxnSpMkLst>
+            <pc:docMk/>
+            <pc:sldMk cId="2039938434" sldId="445"/>
+            <ac:cxnSpMk id="45" creationId="{630594D4-6748-41C8-8B4D-C57844CB08E5}"/>
+          </ac:cxnSpMkLst>
+        </pc:cxnChg>
+      </pc:sldChg>
+      <pc:sldChg chg="modSp">
+        <pc:chgData name="Vaibhav" userId="fea9aad5-0821-494e-8ee5-cb10b5ecb44e" providerId="ADAL" clId="{2EC74AD1-3B96-4B7C-B2AC-53A567667F07}" dt="2020-03-11T18:19:04.758" v="41" actId="20577"/>
+        <pc:sldMkLst>
+          <pc:docMk/>
+          <pc:sldMk cId="3974256901" sldId="447"/>
+        </pc:sldMkLst>
+        <pc:spChg chg="mod">
+          <ac:chgData name="Vaibhav" userId="fea9aad5-0821-494e-8ee5-cb10b5ecb44e" providerId="ADAL" clId="{2EC74AD1-3B96-4B7C-B2AC-53A567667F07}" dt="2020-03-11T18:19:04.758" v="41" actId="20577"/>
+          <ac:spMkLst>
+            <pc:docMk/>
+            <pc:sldMk cId="3974256901" sldId="447"/>
+            <ac:spMk id="14" creationId="{AA45ADCD-E329-45F2-9593-F6C494F183D1}"/>
+          </ac:spMkLst>
+        </pc:spChg>
+      </pc:sldChg>
+      <pc:sldChg chg="delSp modSp del modAnim">
+        <pc:chgData name="Vaibhav" userId="fea9aad5-0821-494e-8ee5-cb10b5ecb44e" providerId="ADAL" clId="{2EC74AD1-3B96-4B7C-B2AC-53A567667F07}" dt="2020-03-14T15:29:21.603" v="841" actId="47"/>
+        <pc:sldMkLst>
+          <pc:docMk/>
+          <pc:sldMk cId="3558691696" sldId="451"/>
+        </pc:sldMkLst>
+        <pc:spChg chg="mod topLvl">
+          <ac:chgData name="Vaibhav" userId="fea9aad5-0821-494e-8ee5-cb10b5ecb44e" providerId="ADAL" clId="{2EC74AD1-3B96-4B7C-B2AC-53A567667F07}" dt="2020-03-14T14:48:01.624" v="770" actId="165"/>
+          <ac:spMkLst>
+            <pc:docMk/>
+            <pc:sldMk cId="3558691696" sldId="451"/>
+            <ac:spMk id="6" creationId="{9676FD81-E951-4965-8B7B-78CA7DEBACE0}"/>
+          </ac:spMkLst>
+        </pc:spChg>
+        <pc:spChg chg="mod topLvl">
+          <ac:chgData name="Vaibhav" userId="fea9aad5-0821-494e-8ee5-cb10b5ecb44e" providerId="ADAL" clId="{2EC74AD1-3B96-4B7C-B2AC-53A567667F07}" dt="2020-03-14T14:48:01.624" v="770" actId="165"/>
+          <ac:spMkLst>
+            <pc:docMk/>
+            <pc:sldMk cId="3558691696" sldId="451"/>
+            <ac:spMk id="9" creationId="{761DA3FB-A098-4122-862F-B258101F240B}"/>
+          </ac:spMkLst>
+        </pc:spChg>
+        <pc:spChg chg="mod topLvl">
+          <ac:chgData name="Vaibhav" userId="fea9aad5-0821-494e-8ee5-cb10b5ecb44e" providerId="ADAL" clId="{2EC74AD1-3B96-4B7C-B2AC-53A567667F07}" dt="2020-03-14T14:48:01.624" v="770" actId="165"/>
+          <ac:spMkLst>
+            <pc:docMk/>
+            <pc:sldMk cId="3558691696" sldId="451"/>
+            <ac:spMk id="10" creationId="{15D508C4-ADF8-428E-B101-37EB50836155}"/>
+          </ac:spMkLst>
+        </pc:spChg>
+        <pc:spChg chg="mod topLvl">
+          <ac:chgData name="Vaibhav" userId="fea9aad5-0821-494e-8ee5-cb10b5ecb44e" providerId="ADAL" clId="{2EC74AD1-3B96-4B7C-B2AC-53A567667F07}" dt="2020-03-14T14:48:01.624" v="770" actId="165"/>
+          <ac:spMkLst>
+            <pc:docMk/>
+            <pc:sldMk cId="3558691696" sldId="451"/>
+            <ac:spMk id="11" creationId="{D7A16F72-9D9C-40FA-85CE-C0D04E3FF8FC}"/>
+          </ac:spMkLst>
+        </pc:spChg>
+        <pc:spChg chg="mod topLvl">
+          <ac:chgData name="Vaibhav" userId="fea9aad5-0821-494e-8ee5-cb10b5ecb44e" providerId="ADAL" clId="{2EC74AD1-3B96-4B7C-B2AC-53A567667F07}" dt="2020-03-14T14:48:01.624" v="770" actId="165"/>
+          <ac:spMkLst>
+            <pc:docMk/>
+            <pc:sldMk cId="3558691696" sldId="451"/>
+            <ac:spMk id="12" creationId="{17C4CEDC-5C96-43BA-8334-A8111832CB25}"/>
+          </ac:spMkLst>
+        </pc:spChg>
+        <pc:spChg chg="mod topLvl">
+          <ac:chgData name="Vaibhav" userId="fea9aad5-0821-494e-8ee5-cb10b5ecb44e" providerId="ADAL" clId="{2EC74AD1-3B96-4B7C-B2AC-53A567667F07}" dt="2020-03-14T14:48:01.624" v="770" actId="165"/>
+          <ac:spMkLst>
+            <pc:docMk/>
+            <pc:sldMk cId="3558691696" sldId="451"/>
+            <ac:spMk id="13" creationId="{68AD214B-E32E-4789-8472-6D6B39A9B8C4}"/>
+          </ac:spMkLst>
+        </pc:spChg>
+        <pc:spChg chg="mod topLvl">
+          <ac:chgData name="Vaibhav" userId="fea9aad5-0821-494e-8ee5-cb10b5ecb44e" providerId="ADAL" clId="{2EC74AD1-3B96-4B7C-B2AC-53A567667F07}" dt="2020-03-14T14:48:01.624" v="770" actId="165"/>
+          <ac:spMkLst>
+            <pc:docMk/>
+            <pc:sldMk cId="3558691696" sldId="451"/>
+            <ac:spMk id="14" creationId="{153E991D-A5BF-4180-9743-3BCAE37C9597}"/>
+          </ac:spMkLst>
+        </pc:spChg>
+        <pc:spChg chg="mod topLvl">
+          <ac:chgData name="Vaibhav" userId="fea9aad5-0821-494e-8ee5-cb10b5ecb44e" providerId="ADAL" clId="{2EC74AD1-3B96-4B7C-B2AC-53A567667F07}" dt="2020-03-14T14:48:01.624" v="770" actId="165"/>
+          <ac:spMkLst>
+            <pc:docMk/>
+            <pc:sldMk cId="3558691696" sldId="451"/>
+            <ac:spMk id="15" creationId="{C6395E34-0DF4-4ACA-A198-F02B2251A556}"/>
+          </ac:spMkLst>
+        </pc:spChg>
+        <pc:spChg chg="mod topLvl">
+          <ac:chgData name="Vaibhav" userId="fea9aad5-0821-494e-8ee5-cb10b5ecb44e" providerId="ADAL" clId="{2EC74AD1-3B96-4B7C-B2AC-53A567667F07}" dt="2020-03-14T14:48:01.624" v="770" actId="165"/>
+          <ac:spMkLst>
+            <pc:docMk/>
+            <pc:sldMk cId="3558691696" sldId="451"/>
+            <ac:spMk id="16" creationId="{1A7584A4-FA79-4969-A12D-06FCE6050BC3}"/>
+          </ac:spMkLst>
+        </pc:spChg>
+        <pc:spChg chg="mod topLvl">
+          <ac:chgData name="Vaibhav" userId="fea9aad5-0821-494e-8ee5-cb10b5ecb44e" providerId="ADAL" clId="{2EC74AD1-3B96-4B7C-B2AC-53A567667F07}" dt="2020-03-14T14:48:01.624" v="770" actId="165"/>
+          <ac:spMkLst>
+            <pc:docMk/>
+            <pc:sldMk cId="3558691696" sldId="451"/>
+            <ac:spMk id="35" creationId="{E2CF87EC-C0DA-4C1E-A1FA-F8B8AB37B978}"/>
+          </ac:spMkLst>
+        </pc:spChg>
+        <pc:spChg chg="mod topLvl">
+          <ac:chgData name="Vaibhav" userId="fea9aad5-0821-494e-8ee5-cb10b5ecb44e" providerId="ADAL" clId="{2EC74AD1-3B96-4B7C-B2AC-53A567667F07}" dt="2020-03-14T14:48:01.624" v="770" actId="165"/>
+          <ac:spMkLst>
+            <pc:docMk/>
+            <pc:sldMk cId="3558691696" sldId="451"/>
+            <ac:spMk id="36" creationId="{266AA321-DBFB-46B0-9610-0634AB029DF9}"/>
+          </ac:spMkLst>
+        </pc:spChg>
+        <pc:spChg chg="mod topLvl">
+          <ac:chgData name="Vaibhav" userId="fea9aad5-0821-494e-8ee5-cb10b5ecb44e" providerId="ADAL" clId="{2EC74AD1-3B96-4B7C-B2AC-53A567667F07}" dt="2020-03-14T14:48:10.051" v="772" actId="20577"/>
+          <ac:spMkLst>
+            <pc:docMk/>
+            <pc:sldMk cId="3558691696" sldId="451"/>
+            <ac:spMk id="37" creationId="{0A03FA8E-D8F5-4A55-BF6A-05E2A786957A}"/>
+          </ac:spMkLst>
+        </pc:spChg>
+        <pc:spChg chg="mod topLvl">
+          <ac:chgData name="Vaibhav" userId="fea9aad5-0821-494e-8ee5-cb10b5ecb44e" providerId="ADAL" clId="{2EC74AD1-3B96-4B7C-B2AC-53A567667F07}" dt="2020-03-14T14:48:01.624" v="770" actId="165"/>
+          <ac:spMkLst>
+            <pc:docMk/>
+            <pc:sldMk cId="3558691696" sldId="451"/>
+            <ac:spMk id="39" creationId="{CF3AFEC9-4166-4831-BE3A-3B19224CA58D}"/>
+          </ac:spMkLst>
+        </pc:spChg>
+        <pc:spChg chg="mod topLvl">
+          <ac:chgData name="Vaibhav" userId="fea9aad5-0821-494e-8ee5-cb10b5ecb44e" providerId="ADAL" clId="{2EC74AD1-3B96-4B7C-B2AC-53A567667F07}" dt="2020-03-14T14:48:01.624" v="770" actId="165"/>
+          <ac:spMkLst>
+            <pc:docMk/>
+            <pc:sldMk cId="3558691696" sldId="451"/>
+            <ac:spMk id="40" creationId="{4505C396-FDFA-4F15-8A60-FFB069729AA3}"/>
+          </ac:spMkLst>
+        </pc:spChg>
+        <pc:spChg chg="mod topLvl">
+          <ac:chgData name="Vaibhav" userId="fea9aad5-0821-494e-8ee5-cb10b5ecb44e" providerId="ADAL" clId="{2EC74AD1-3B96-4B7C-B2AC-53A567667F07}" dt="2020-03-14T14:48:01.624" v="770" actId="165"/>
+          <ac:spMkLst>
+            <pc:docMk/>
+            <pc:sldMk cId="3558691696" sldId="451"/>
+            <ac:spMk id="41" creationId="{5B6AD635-B731-4BE8-B210-F96A71737BD6}"/>
+          </ac:spMkLst>
+        </pc:spChg>
+        <pc:spChg chg="mod topLvl">
+          <ac:chgData name="Vaibhav" userId="fea9aad5-0821-494e-8ee5-cb10b5ecb44e" providerId="ADAL" clId="{2EC74AD1-3B96-4B7C-B2AC-53A567667F07}" dt="2020-03-14T14:48:01.624" v="770" actId="165"/>
+          <ac:spMkLst>
+            <pc:docMk/>
+            <pc:sldMk cId="3558691696" sldId="451"/>
+            <ac:spMk id="42" creationId="{9A59CB1D-0108-4042-A1E0-0A990A9A8FCD}"/>
+          </ac:spMkLst>
+        </pc:spChg>
+        <pc:spChg chg="mod topLvl">
+          <ac:chgData name="Vaibhav" userId="fea9aad5-0821-494e-8ee5-cb10b5ecb44e" providerId="ADAL" clId="{2EC74AD1-3B96-4B7C-B2AC-53A567667F07}" dt="2020-03-14T14:48:01.624" v="770" actId="165"/>
+          <ac:spMkLst>
+            <pc:docMk/>
+            <pc:sldMk cId="3558691696" sldId="451"/>
+            <ac:spMk id="43" creationId="{29F98067-6FFD-41A3-B53F-DC69011D1B90}"/>
+          </ac:spMkLst>
+        </pc:spChg>
+        <pc:spChg chg="mod topLvl">
+          <ac:chgData name="Vaibhav" userId="fea9aad5-0821-494e-8ee5-cb10b5ecb44e" providerId="ADAL" clId="{2EC74AD1-3B96-4B7C-B2AC-53A567667F07}" dt="2020-03-14T14:48:01.624" v="770" actId="165"/>
+          <ac:spMkLst>
+            <pc:docMk/>
+            <pc:sldMk cId="3558691696" sldId="451"/>
+            <ac:spMk id="44" creationId="{1C1F988C-A2AA-4017-9E57-124806CABBE6}"/>
+          </ac:spMkLst>
+        </pc:spChg>
+        <pc:spChg chg="mod topLvl">
+          <ac:chgData name="Vaibhav" userId="fea9aad5-0821-494e-8ee5-cb10b5ecb44e" providerId="ADAL" clId="{2EC74AD1-3B96-4B7C-B2AC-53A567667F07}" dt="2020-03-14T14:48:01.624" v="770" actId="165"/>
+          <ac:spMkLst>
+            <pc:docMk/>
+            <pc:sldMk cId="3558691696" sldId="451"/>
+            <ac:spMk id="45" creationId="{85246C12-982A-4C32-9B27-A7231F4B9C86}"/>
+          </ac:spMkLst>
+        </pc:spChg>
+        <pc:spChg chg="mod topLvl">
+          <ac:chgData name="Vaibhav" userId="fea9aad5-0821-494e-8ee5-cb10b5ecb44e" providerId="ADAL" clId="{2EC74AD1-3B96-4B7C-B2AC-53A567667F07}" dt="2020-03-14T14:48:01.624" v="770" actId="165"/>
+          <ac:spMkLst>
+            <pc:docMk/>
+            <pc:sldMk cId="3558691696" sldId="451"/>
+            <ac:spMk id="46" creationId="{A3F05D6B-589C-4093-A64D-436721E1C650}"/>
+          </ac:spMkLst>
+        </pc:spChg>
+        <pc:spChg chg="mod topLvl">
+          <ac:chgData name="Vaibhav" userId="fea9aad5-0821-494e-8ee5-cb10b5ecb44e" providerId="ADAL" clId="{2EC74AD1-3B96-4B7C-B2AC-53A567667F07}" dt="2020-03-14T14:48:01.624" v="770" actId="165"/>
+          <ac:spMkLst>
+            <pc:docMk/>
+            <pc:sldMk cId="3558691696" sldId="451"/>
+            <ac:spMk id="47" creationId="{010A21A4-8330-4BB4-9F28-3516B1904699}"/>
+          </ac:spMkLst>
+        </pc:spChg>
+        <pc:spChg chg="mod topLvl">
+          <ac:chgData name="Vaibhav" userId="fea9aad5-0821-494e-8ee5-cb10b5ecb44e" providerId="ADAL" clId="{2EC74AD1-3B96-4B7C-B2AC-53A567667F07}" dt="2020-03-14T14:48:01.624" v="770" actId="165"/>
+          <ac:spMkLst>
+            <pc:docMk/>
+            <pc:sldMk cId="3558691696" sldId="451"/>
+            <ac:spMk id="48" creationId="{C4C2BA93-7D7F-4BD1-A56E-CE770321499A}"/>
+          </ac:spMkLst>
+        </pc:spChg>
+        <pc:spChg chg="mod topLvl">
+          <ac:chgData name="Vaibhav" userId="fea9aad5-0821-494e-8ee5-cb10b5ecb44e" providerId="ADAL" clId="{2EC74AD1-3B96-4B7C-B2AC-53A567667F07}" dt="2020-03-14T14:48:01.624" v="770" actId="165"/>
+          <ac:spMkLst>
+            <pc:docMk/>
+            <pc:sldMk cId="3558691696" sldId="451"/>
+            <ac:spMk id="49" creationId="{4048EB3D-8298-4052-9901-4AD5F1000592}"/>
+          </ac:spMkLst>
+        </pc:spChg>
+        <pc:spChg chg="mod topLvl">
+          <ac:chgData name="Vaibhav" userId="fea9aad5-0821-494e-8ee5-cb10b5ecb44e" providerId="ADAL" clId="{2EC74AD1-3B96-4B7C-B2AC-53A567667F07}" dt="2020-03-14T14:48:01.624" v="770" actId="165"/>
+          <ac:spMkLst>
+            <pc:docMk/>
+            <pc:sldMk cId="3558691696" sldId="451"/>
+            <ac:spMk id="50" creationId="{9980ACF8-95EE-4209-8C73-65D03A33FB67}"/>
+          </ac:spMkLst>
+        </pc:spChg>
+        <pc:grpChg chg="del">
+          <ac:chgData name="Vaibhav" userId="fea9aad5-0821-494e-8ee5-cb10b5ecb44e" providerId="ADAL" clId="{2EC74AD1-3B96-4B7C-B2AC-53A567667F07}" dt="2020-03-14T14:48:01.624" v="770" actId="165"/>
+          <ac:grpSpMkLst>
+            <pc:docMk/>
+            <pc:sldMk cId="3558691696" sldId="451"/>
+            <ac:grpSpMk id="51" creationId="{B23A7AB3-25AF-4B2D-9A95-A9080BAD1D10}"/>
+          </ac:grpSpMkLst>
+        </pc:grpChg>
+        <pc:cxnChg chg="mod topLvl">
+          <ac:chgData name="Vaibhav" userId="fea9aad5-0821-494e-8ee5-cb10b5ecb44e" providerId="ADAL" clId="{2EC74AD1-3B96-4B7C-B2AC-53A567667F07}" dt="2020-03-14T14:48:01.624" v="770" actId="165"/>
+          <ac:cxnSpMkLst>
+            <pc:docMk/>
+            <pc:sldMk cId="3558691696" sldId="451"/>
+            <ac:cxnSpMk id="17" creationId="{0905FC46-1E13-45B1-A8CF-5D2940556FF1}"/>
+          </ac:cxnSpMkLst>
+        </pc:cxnChg>
+        <pc:cxnChg chg="mod topLvl">
+          <ac:chgData name="Vaibhav" userId="fea9aad5-0821-494e-8ee5-cb10b5ecb44e" providerId="ADAL" clId="{2EC74AD1-3B96-4B7C-B2AC-53A567667F07}" dt="2020-03-14T14:48:01.624" v="770" actId="165"/>
+          <ac:cxnSpMkLst>
+            <pc:docMk/>
+            <pc:sldMk cId="3558691696" sldId="451"/>
+            <ac:cxnSpMk id="19" creationId="{B8F88B17-0B8D-4F6E-A884-813AECB70CF5}"/>
+          </ac:cxnSpMkLst>
+        </pc:cxnChg>
+        <pc:cxnChg chg="mod topLvl">
+          <ac:chgData name="Vaibhav" userId="fea9aad5-0821-494e-8ee5-cb10b5ecb44e" providerId="ADAL" clId="{2EC74AD1-3B96-4B7C-B2AC-53A567667F07}" dt="2020-03-14T14:48:01.624" v="770" actId="165"/>
+          <ac:cxnSpMkLst>
+            <pc:docMk/>
+            <pc:sldMk cId="3558691696" sldId="451"/>
+            <ac:cxnSpMk id="22" creationId="{E166DD76-93E2-4879-9435-4CBB68673A94}"/>
+          </ac:cxnSpMkLst>
+        </pc:cxnChg>
+        <pc:cxnChg chg="mod topLvl">
+          <ac:chgData name="Vaibhav" userId="fea9aad5-0821-494e-8ee5-cb10b5ecb44e" providerId="ADAL" clId="{2EC74AD1-3B96-4B7C-B2AC-53A567667F07}" dt="2020-03-14T14:48:01.624" v="770" actId="165"/>
+          <ac:cxnSpMkLst>
+            <pc:docMk/>
+            <pc:sldMk cId="3558691696" sldId="451"/>
+            <ac:cxnSpMk id="24" creationId="{F7F10C6C-C5F4-43F0-9549-6ADFC520B792}"/>
+          </ac:cxnSpMkLst>
+        </pc:cxnChg>
+        <pc:cxnChg chg="mod topLvl">
+          <ac:chgData name="Vaibhav" userId="fea9aad5-0821-494e-8ee5-cb10b5ecb44e" providerId="ADAL" clId="{2EC74AD1-3B96-4B7C-B2AC-53A567667F07}" dt="2020-03-14T14:48:01.624" v="770" actId="165"/>
+          <ac:cxnSpMkLst>
+            <pc:docMk/>
+            <pc:sldMk cId="3558691696" sldId="451"/>
+            <ac:cxnSpMk id="26" creationId="{E82DE51D-A0C0-4F1D-85DD-E6C94C6ACC07}"/>
+          </ac:cxnSpMkLst>
+        </pc:cxnChg>
+        <pc:cxnChg chg="mod topLvl">
+          <ac:chgData name="Vaibhav" userId="fea9aad5-0821-494e-8ee5-cb10b5ecb44e" providerId="ADAL" clId="{2EC74AD1-3B96-4B7C-B2AC-53A567667F07}" dt="2020-03-14T14:48:01.624" v="770" actId="165"/>
+          <ac:cxnSpMkLst>
+            <pc:docMk/>
+            <pc:sldMk cId="3558691696" sldId="451"/>
+            <ac:cxnSpMk id="28" creationId="{6B271BCC-760C-423D-9988-B90290142CC8}"/>
+          </ac:cxnSpMkLst>
+        </pc:cxnChg>
+        <pc:cxnChg chg="mod topLvl">
+          <ac:chgData name="Vaibhav" userId="fea9aad5-0821-494e-8ee5-cb10b5ecb44e" providerId="ADAL" clId="{2EC74AD1-3B96-4B7C-B2AC-53A567667F07}" dt="2020-03-14T14:48:01.624" v="770" actId="165"/>
+          <ac:cxnSpMkLst>
+            <pc:docMk/>
+            <pc:sldMk cId="3558691696" sldId="451"/>
+            <ac:cxnSpMk id="30" creationId="{64CC8302-CAEB-4744-AF2D-345C87B586C8}"/>
+          </ac:cxnSpMkLst>
+        </pc:cxnChg>
+        <pc:cxnChg chg="mod topLvl">
+          <ac:chgData name="Vaibhav" userId="fea9aad5-0821-494e-8ee5-cb10b5ecb44e" providerId="ADAL" clId="{2EC74AD1-3B96-4B7C-B2AC-53A567667F07}" dt="2020-03-14T14:48:01.624" v="770" actId="165"/>
+          <ac:cxnSpMkLst>
+            <pc:docMk/>
+            <pc:sldMk cId="3558691696" sldId="451"/>
+            <ac:cxnSpMk id="32" creationId="{A0AF8A4F-F07F-4CD8-8EDD-83D5E27B5975}"/>
+          </ac:cxnSpMkLst>
+        </pc:cxnChg>
+        <pc:cxnChg chg="mod topLvl">
+          <ac:chgData name="Vaibhav" userId="fea9aad5-0821-494e-8ee5-cb10b5ecb44e" providerId="ADAL" clId="{2EC74AD1-3B96-4B7C-B2AC-53A567667F07}" dt="2020-03-14T14:48:01.624" v="770" actId="165"/>
+          <ac:cxnSpMkLst>
+            <pc:docMk/>
+            <pc:sldMk cId="3558691696" sldId="451"/>
+            <ac:cxnSpMk id="34" creationId="{AED7608C-7C3E-48AF-B14B-91E35DE41D8C}"/>
+          </ac:cxnSpMkLst>
+        </pc:cxnChg>
+      </pc:sldChg>
+      <pc:sldChg chg="modSp">
+        <pc:chgData name="Vaibhav" userId="fea9aad5-0821-494e-8ee5-cb10b5ecb44e" providerId="ADAL" clId="{2EC74AD1-3B96-4B7C-B2AC-53A567667F07}" dt="2020-03-15T05:56:55.234" v="869" actId="20577"/>
+        <pc:sldMkLst>
+          <pc:docMk/>
+          <pc:sldMk cId="1043254189" sldId="455"/>
+        </pc:sldMkLst>
+        <pc:spChg chg="mod">
+          <ac:chgData name="Vaibhav" userId="fea9aad5-0821-494e-8ee5-cb10b5ecb44e" providerId="ADAL" clId="{2EC74AD1-3B96-4B7C-B2AC-53A567667F07}" dt="2020-03-15T05:56:55.234" v="869" actId="20577"/>
+          <ac:spMkLst>
+            <pc:docMk/>
+            <pc:sldMk cId="1043254189" sldId="455"/>
+            <ac:spMk id="6" creationId="{72A673EE-EBEF-41AD-906A-9D89AB7CDC2F}"/>
+          </ac:spMkLst>
+        </pc:spChg>
+      </pc:sldChg>
+      <pc:sldChg chg="modSp">
+        <pc:chgData name="Vaibhav" userId="fea9aad5-0821-494e-8ee5-cb10b5ecb44e" providerId="ADAL" clId="{2EC74AD1-3B96-4B7C-B2AC-53A567667F07}" dt="2020-03-14T15:30:02.805" v="843" actId="692"/>
+        <pc:sldMkLst>
+          <pc:docMk/>
+          <pc:sldMk cId="4046370927" sldId="463"/>
+        </pc:sldMkLst>
+        <pc:picChg chg="mod">
+          <ac:chgData name="Vaibhav" userId="fea9aad5-0821-494e-8ee5-cb10b5ecb44e" providerId="ADAL" clId="{2EC74AD1-3B96-4B7C-B2AC-53A567667F07}" dt="2020-03-14T15:30:02.805" v="843" actId="692"/>
+          <ac:picMkLst>
+            <pc:docMk/>
+            <pc:sldMk cId="4046370927" sldId="463"/>
+            <ac:picMk id="3" creationId="{A4927F96-628B-4BB1-B966-607E48BC22CD}"/>
+          </ac:picMkLst>
+        </pc:picChg>
+      </pc:sldChg>
+      <pc:sldChg chg="modSp">
+        <pc:chgData name="Vaibhav" userId="fea9aad5-0821-494e-8ee5-cb10b5ecb44e" providerId="ADAL" clId="{2EC74AD1-3B96-4B7C-B2AC-53A567667F07}" dt="2020-03-15T15:51:06.484" v="965" actId="20577"/>
+        <pc:sldMkLst>
+          <pc:docMk/>
+          <pc:sldMk cId="2979194529" sldId="464"/>
+        </pc:sldMkLst>
+        <pc:spChg chg="mod">
+          <ac:chgData name="Vaibhav" userId="fea9aad5-0821-494e-8ee5-cb10b5ecb44e" providerId="ADAL" clId="{2EC74AD1-3B96-4B7C-B2AC-53A567667F07}" dt="2020-03-14T15:30:18.234" v="844" actId="692"/>
+          <ac:spMkLst>
+            <pc:docMk/>
+            <pc:sldMk cId="2979194529" sldId="464"/>
+            <ac:spMk id="14" creationId="{A8099651-538E-4C99-A763-699F44DF3544}"/>
+          </ac:spMkLst>
+        </pc:spChg>
+        <pc:spChg chg="mod">
+          <ac:chgData name="Vaibhav" userId="fea9aad5-0821-494e-8ee5-cb10b5ecb44e" providerId="ADAL" clId="{2EC74AD1-3B96-4B7C-B2AC-53A567667F07}" dt="2020-03-14T15:30:24.722" v="845" actId="692"/>
+          <ac:spMkLst>
+            <pc:docMk/>
+            <pc:sldMk cId="2979194529" sldId="464"/>
+            <ac:spMk id="15" creationId="{3FBBFD01-8A2E-42D3-8DC6-1F910B8435DB}"/>
+          </ac:spMkLst>
+        </pc:spChg>
+        <pc:spChg chg="mod">
+          <ac:chgData name="Vaibhav" userId="fea9aad5-0821-494e-8ee5-cb10b5ecb44e" providerId="ADAL" clId="{2EC74AD1-3B96-4B7C-B2AC-53A567667F07}" dt="2020-03-15T15:51:06.484" v="965" actId="20577"/>
+          <ac:spMkLst>
+            <pc:docMk/>
+            <pc:sldMk cId="2979194529" sldId="464"/>
+            <ac:spMk id="17" creationId="{A1DE7B27-1E79-4A9F-8DF4-567BD9578835}"/>
+          </ac:spMkLst>
+        </pc:spChg>
+        <pc:cxnChg chg="mod">
+          <ac:chgData name="Vaibhav" userId="fea9aad5-0821-494e-8ee5-cb10b5ecb44e" providerId="ADAL" clId="{2EC74AD1-3B96-4B7C-B2AC-53A567667F07}" dt="2020-03-14T15:30:30.978" v="846" actId="692"/>
+          <ac:cxnSpMkLst>
+            <pc:docMk/>
+            <pc:sldMk cId="2979194529" sldId="464"/>
+            <ac:cxnSpMk id="6" creationId="{6F0C22FD-B126-4CDA-A1D9-F0073B4E4533}"/>
+          </ac:cxnSpMkLst>
+        </pc:cxnChg>
+        <pc:cxnChg chg="mod">
+          <ac:chgData name="Vaibhav" userId="fea9aad5-0821-494e-8ee5-cb10b5ecb44e" providerId="ADAL" clId="{2EC74AD1-3B96-4B7C-B2AC-53A567667F07}" dt="2020-03-14T15:30:30.978" v="846" actId="692"/>
+          <ac:cxnSpMkLst>
+            <pc:docMk/>
+            <pc:sldMk cId="2979194529" sldId="464"/>
+            <ac:cxnSpMk id="18" creationId="{4C926182-51F9-43CE-9EC7-3FC5F43EF914}"/>
+          </ac:cxnSpMkLst>
+        </pc:cxnChg>
+      </pc:sldChg>
+      <pc:sldChg chg="addSp delSp modSp">
+        <pc:chgData name="Vaibhav" userId="fea9aad5-0821-494e-8ee5-cb10b5ecb44e" providerId="ADAL" clId="{2EC74AD1-3B96-4B7C-B2AC-53A567667F07}" dt="2020-03-14T13:37:16.138" v="527" actId="12"/>
+        <pc:sldMkLst>
+          <pc:docMk/>
+          <pc:sldMk cId="3189542477" sldId="465"/>
+        </pc:sldMkLst>
+        <pc:spChg chg="del">
+          <ac:chgData name="Vaibhav" userId="fea9aad5-0821-494e-8ee5-cb10b5ecb44e" providerId="ADAL" clId="{2EC74AD1-3B96-4B7C-B2AC-53A567667F07}" dt="2020-03-14T13:15:03.550" v="155" actId="478"/>
+          <ac:spMkLst>
+            <pc:docMk/>
+            <pc:sldMk cId="3189542477" sldId="465"/>
+            <ac:spMk id="6" creationId="{7F73FD7D-EB92-449B-AACE-31A7027B57E7}"/>
+          </ac:spMkLst>
+        </pc:spChg>
+        <pc:spChg chg="mod">
+          <ac:chgData name="Vaibhav" userId="fea9aad5-0821-494e-8ee5-cb10b5ecb44e" providerId="ADAL" clId="{2EC74AD1-3B96-4B7C-B2AC-53A567667F07}" dt="2020-03-14T13:37:16.138" v="527" actId="12"/>
+          <ac:spMkLst>
+            <pc:docMk/>
+            <pc:sldMk cId="3189542477" sldId="465"/>
+            <ac:spMk id="14" creationId="{AA45ADCD-E329-45F2-9593-F6C494F183D1}"/>
+          </ac:spMkLst>
+        </pc:spChg>
+        <pc:spChg chg="del">
+          <ac:chgData name="Vaibhav" userId="fea9aad5-0821-494e-8ee5-cb10b5ecb44e" providerId="ADAL" clId="{2EC74AD1-3B96-4B7C-B2AC-53A567667F07}" dt="2020-03-14T13:14:54.710" v="151" actId="478"/>
+          <ac:spMkLst>
+            <pc:docMk/>
+            <pc:sldMk cId="3189542477" sldId="465"/>
+            <ac:spMk id="15" creationId="{BE9E5314-678C-4C8E-9B1A-8A0E4FE8731D}"/>
+          </ac:spMkLst>
+        </pc:spChg>
+        <pc:spChg chg="del">
+          <ac:chgData name="Vaibhav" userId="fea9aad5-0821-494e-8ee5-cb10b5ecb44e" providerId="ADAL" clId="{2EC74AD1-3B96-4B7C-B2AC-53A567667F07}" dt="2020-03-14T13:14:58.079" v="153" actId="478"/>
+          <ac:spMkLst>
+            <pc:docMk/>
+            <pc:sldMk cId="3189542477" sldId="465"/>
+            <ac:spMk id="16" creationId="{43A7AA39-AD97-42AD-B47E-46015C4C3C76}"/>
+          </ac:spMkLst>
+        </pc:spChg>
+        <pc:spChg chg="del">
+          <ac:chgData name="Vaibhav" userId="fea9aad5-0821-494e-8ee5-cb10b5ecb44e" providerId="ADAL" clId="{2EC74AD1-3B96-4B7C-B2AC-53A567667F07}" dt="2020-03-14T13:22:54.430" v="213" actId="478"/>
+          <ac:spMkLst>
+            <pc:docMk/>
+            <pc:sldMk cId="3189542477" sldId="465"/>
+            <ac:spMk id="35" creationId="{9CCB4266-7DE5-4362-B50F-C52E57A02E03}"/>
+          </ac:spMkLst>
+        </pc:spChg>
+        <pc:spChg chg="del">
+          <ac:chgData name="Vaibhav" userId="fea9aad5-0821-494e-8ee5-cb10b5ecb44e" providerId="ADAL" clId="{2EC74AD1-3B96-4B7C-B2AC-53A567667F07}" dt="2020-03-14T13:15:06.626" v="156" actId="478"/>
+          <ac:spMkLst>
+            <pc:docMk/>
+            <pc:sldMk cId="3189542477" sldId="465"/>
+            <ac:spMk id="36" creationId="{4153AEBB-4A69-4709-9FC8-6FF3FD4FB23D}"/>
+          </ac:spMkLst>
+        </pc:spChg>
+        <pc:spChg chg="del">
+          <ac:chgData name="Vaibhav" userId="fea9aad5-0821-494e-8ee5-cb10b5ecb44e" providerId="ADAL" clId="{2EC74AD1-3B96-4B7C-B2AC-53A567667F07}" dt="2020-03-14T13:15:09.676" v="157" actId="478"/>
+          <ac:spMkLst>
+            <pc:docMk/>
+            <pc:sldMk cId="3189542477" sldId="465"/>
+            <ac:spMk id="37" creationId="{7DCDA8BA-0B98-43FD-82F5-04F929EE8928}"/>
+          </ac:spMkLst>
+        </pc:spChg>
+        <pc:spChg chg="del">
+          <ac:chgData name="Vaibhav" userId="fea9aad5-0821-494e-8ee5-cb10b5ecb44e" providerId="ADAL" clId="{2EC74AD1-3B96-4B7C-B2AC-53A567667F07}" dt="2020-03-14T13:22:51.081" v="212" actId="478"/>
+          <ac:spMkLst>
+            <pc:docMk/>
+            <pc:sldMk cId="3189542477" sldId="465"/>
+            <ac:spMk id="38" creationId="{6F5C339B-C649-4EF2-B442-3150BF01E2E4}"/>
+          </ac:spMkLst>
+        </pc:spChg>
+        <pc:spChg chg="mod">
+          <ac:chgData name="Vaibhav" userId="fea9aad5-0821-494e-8ee5-cb10b5ecb44e" providerId="ADAL" clId="{2EC74AD1-3B96-4B7C-B2AC-53A567667F07}" dt="2020-03-14T13:24:41.754" v="221" actId="1038"/>
+          <ac:spMkLst>
+            <pc:docMk/>
+            <pc:sldMk cId="3189542477" sldId="465"/>
+            <ac:spMk id="41" creationId="{C98C7131-D098-482D-A64B-825E4A99D3B0}"/>
+          </ac:spMkLst>
+        </pc:spChg>
+        <pc:spChg chg="del">
+          <ac:chgData name="Vaibhav" userId="fea9aad5-0821-494e-8ee5-cb10b5ecb44e" providerId="ADAL" clId="{2EC74AD1-3B96-4B7C-B2AC-53A567667F07}" dt="2020-03-14T13:22:47.228" v="211" actId="478"/>
+          <ac:spMkLst>
+            <pc:docMk/>
+            <pc:sldMk cId="3189542477" sldId="465"/>
+            <ac:spMk id="43" creationId="{33FE933D-DBFA-4C72-BAB6-C94DE23B6082}"/>
+          </ac:spMkLst>
+        </pc:spChg>
+        <pc:spChg chg="mod">
+          <ac:chgData name="Vaibhav" userId="fea9aad5-0821-494e-8ee5-cb10b5ecb44e" providerId="ADAL" clId="{2EC74AD1-3B96-4B7C-B2AC-53A567667F07}" dt="2020-03-14T13:26:27.179" v="306" actId="1076"/>
+          <ac:spMkLst>
+            <pc:docMk/>
+            <pc:sldMk cId="3189542477" sldId="465"/>
+            <ac:spMk id="44" creationId="{98491868-C4D0-461D-92E4-AC7D4E5EDDAD}"/>
+          </ac:spMkLst>
+        </pc:spChg>
+        <pc:spChg chg="add del mod">
+          <ac:chgData name="Vaibhav" userId="fea9aad5-0821-494e-8ee5-cb10b5ecb44e" providerId="ADAL" clId="{2EC74AD1-3B96-4B7C-B2AC-53A567667F07}" dt="2020-03-14T13:27:06.045" v="311" actId="1076"/>
+          <ac:spMkLst>
+            <pc:docMk/>
+            <pc:sldMk cId="3189542477" sldId="465"/>
+            <ac:spMk id="45" creationId="{5E926C92-3AB2-46BE-A25D-0E6B943EE363}"/>
+          </ac:spMkLst>
+        </pc:spChg>
+        <pc:spChg chg="add mod">
+          <ac:chgData name="Vaibhav" userId="fea9aad5-0821-494e-8ee5-cb10b5ecb44e" providerId="ADAL" clId="{2EC74AD1-3B96-4B7C-B2AC-53A567667F07}" dt="2020-03-14T13:28:11.466" v="343" actId="20577"/>
+          <ac:spMkLst>
+            <pc:docMk/>
+            <pc:sldMk cId="3189542477" sldId="465"/>
+            <ac:spMk id="46" creationId="{208F6C95-5AF7-47CE-86F6-3378CAC511C6}"/>
+          </ac:spMkLst>
+        </pc:spChg>
+        <pc:spChg chg="add mod">
+          <ac:chgData name="Vaibhav" userId="fea9aad5-0821-494e-8ee5-cb10b5ecb44e" providerId="ADAL" clId="{2EC74AD1-3B96-4B7C-B2AC-53A567667F07}" dt="2020-03-14T13:28:16.095" v="351" actId="20577"/>
+          <ac:spMkLst>
+            <pc:docMk/>
+            <pc:sldMk cId="3189542477" sldId="465"/>
+            <ac:spMk id="47" creationId="{E20C6BAD-D9B0-49DF-9B5B-0247EBCA6341}"/>
+          </ac:spMkLst>
+        </pc:spChg>
+        <pc:spChg chg="add mod">
+          <ac:chgData name="Vaibhav" userId="fea9aad5-0821-494e-8ee5-cb10b5ecb44e" providerId="ADAL" clId="{2EC74AD1-3B96-4B7C-B2AC-53A567667F07}" dt="2020-03-14T13:28:54.575" v="367" actId="1076"/>
+          <ac:spMkLst>
+            <pc:docMk/>
+            <pc:sldMk cId="3189542477" sldId="465"/>
+            <ac:spMk id="48" creationId="{E8CA1D28-F860-4AE6-BB1C-E145231C0FED}"/>
+          </ac:spMkLst>
+        </pc:spChg>
+        <pc:spChg chg="add mod">
+          <ac:chgData name="Vaibhav" userId="fea9aad5-0821-494e-8ee5-cb10b5ecb44e" providerId="ADAL" clId="{2EC74AD1-3B96-4B7C-B2AC-53A567667F07}" dt="2020-03-14T13:29:25.457" v="389" actId="1076"/>
+          <ac:spMkLst>
+            <pc:docMk/>
+            <pc:sldMk cId="3189542477" sldId="465"/>
+            <ac:spMk id="49" creationId="{600052AB-3E4F-49FA-97E7-CF171418BC34}"/>
+          </ac:spMkLst>
+        </pc:spChg>
+        <pc:spChg chg="add mod">
+          <ac:chgData name="Vaibhav" userId="fea9aad5-0821-494e-8ee5-cb10b5ecb44e" providerId="ADAL" clId="{2EC74AD1-3B96-4B7C-B2AC-53A567667F07}" dt="2020-03-14T13:29:56.472" v="400" actId="20577"/>
+          <ac:spMkLst>
+            <pc:docMk/>
+            <pc:sldMk cId="3189542477" sldId="465"/>
+            <ac:spMk id="51" creationId="{600F9B2E-E58F-4987-8930-361D73167497}"/>
+          </ac:spMkLst>
+        </pc:spChg>
+        <pc:spChg chg="add mod">
+          <ac:chgData name="Vaibhav" userId="fea9aad5-0821-494e-8ee5-cb10b5ecb44e" providerId="ADAL" clId="{2EC74AD1-3B96-4B7C-B2AC-53A567667F07}" dt="2020-03-14T13:33:57.673" v="427" actId="20577"/>
+          <ac:spMkLst>
+            <pc:docMk/>
+            <pc:sldMk cId="3189542477" sldId="465"/>
+            <ac:spMk id="56" creationId="{15B09250-BE86-4415-B964-E4B39D5D9600}"/>
+          </ac:spMkLst>
+        </pc:spChg>
+        <pc:grpChg chg="del">
+          <ac:chgData name="Vaibhav" userId="fea9aad5-0821-494e-8ee5-cb10b5ecb44e" providerId="ADAL" clId="{2EC74AD1-3B96-4B7C-B2AC-53A567667F07}" dt="2020-03-14T13:14:53.110" v="150" actId="478"/>
+          <ac:grpSpMkLst>
+            <pc:docMk/>
+            <pc:sldMk cId="3189542477" sldId="465"/>
+            <ac:grpSpMk id="7" creationId="{100EC0E5-9005-42F0-93E1-61825BBD91A5}"/>
+          </ac:grpSpMkLst>
+        </pc:grpChg>
+        <pc:grpChg chg="del mod">
+          <ac:chgData name="Vaibhav" userId="fea9aad5-0821-494e-8ee5-cb10b5ecb44e" providerId="ADAL" clId="{2EC74AD1-3B96-4B7C-B2AC-53A567667F07}" dt="2020-03-14T13:21:40.535" v="206" actId="478"/>
+          <ac:grpSpMkLst>
+            <pc:docMk/>
+            <pc:sldMk cId="3189542477" sldId="465"/>
+            <ac:grpSpMk id="25" creationId="{34021437-FB1A-4FB6-9DC4-35552E2D325B}"/>
+          </ac:grpSpMkLst>
+        </pc:grpChg>
+        <pc:picChg chg="add mod">
+          <ac:chgData name="Vaibhav" userId="fea9aad5-0821-494e-8ee5-cb10b5ecb44e" providerId="ADAL" clId="{2EC74AD1-3B96-4B7C-B2AC-53A567667F07}" dt="2020-03-14T13:34:16.615" v="429" actId="692"/>
+          <ac:picMkLst>
+            <pc:docMk/>
+            <pc:sldMk cId="3189542477" sldId="465"/>
+            <ac:picMk id="5" creationId="{F085B2CC-C281-4620-8274-DCB20982B863}"/>
+          </ac:picMkLst>
+        </pc:picChg>
+        <pc:picChg chg="add mod">
+          <ac:chgData name="Vaibhav" userId="fea9aad5-0821-494e-8ee5-cb10b5ecb44e" providerId="ADAL" clId="{2EC74AD1-3B96-4B7C-B2AC-53A567667F07}" dt="2020-03-14T13:34:21.688" v="430" actId="692"/>
+          <ac:picMkLst>
+            <pc:docMk/>
+            <pc:sldMk cId="3189542477" sldId="465"/>
+            <ac:picMk id="9" creationId="{7BC6B41E-AC32-4395-9C35-14042D72A702}"/>
+          </ac:picMkLst>
+        </pc:picChg>
+        <pc:picChg chg="add mod">
+          <ac:chgData name="Vaibhav" userId="fea9aad5-0821-494e-8ee5-cb10b5ecb44e" providerId="ADAL" clId="{2EC74AD1-3B96-4B7C-B2AC-53A567667F07}" dt="2020-03-14T13:28:35.011" v="363" actId="1037"/>
+          <ac:picMkLst>
+            <pc:docMk/>
+            <pc:sldMk cId="3189542477" sldId="465"/>
+            <ac:picMk id="12" creationId="{4B7A224C-5ABB-4810-A48A-672CBA0E38F2}"/>
+          </ac:picMkLst>
+        </pc:picChg>
+        <pc:picChg chg="add mod">
+          <ac:chgData name="Vaibhav" userId="fea9aad5-0821-494e-8ee5-cb10b5ecb44e" providerId="ADAL" clId="{2EC74AD1-3B96-4B7C-B2AC-53A567667F07}" dt="2020-03-14T13:26:22.541" v="305" actId="1035"/>
+          <ac:picMkLst>
+            <pc:docMk/>
+            <pc:sldMk cId="3189542477" sldId="465"/>
+            <ac:picMk id="13" creationId="{E07F3AF6-531E-46F0-8741-7576BD21F818}"/>
+          </ac:picMkLst>
+        </pc:picChg>
+        <pc:picChg chg="del">
+          <ac:chgData name="Vaibhav" userId="fea9aad5-0821-494e-8ee5-cb10b5ecb44e" providerId="ADAL" clId="{2EC74AD1-3B96-4B7C-B2AC-53A567667F07}" dt="2020-03-14T13:14:56.069" v="152" actId="478"/>
+          <ac:picMkLst>
+            <pc:docMk/>
+            <pc:sldMk cId="3189542477" sldId="465"/>
+            <ac:picMk id="17" creationId="{09C28A44-BDE1-432D-87E8-5B3AD65D8ADA}"/>
+          </ac:picMkLst>
+        </pc:picChg>
+        <pc:picChg chg="del">
+          <ac:chgData name="Vaibhav" userId="fea9aad5-0821-494e-8ee5-cb10b5ecb44e" providerId="ADAL" clId="{2EC74AD1-3B96-4B7C-B2AC-53A567667F07}" dt="2020-03-14T13:14:59.903" v="154" actId="478"/>
+          <ac:picMkLst>
+            <pc:docMk/>
+            <pc:sldMk cId="3189542477" sldId="465"/>
+            <ac:picMk id="18" creationId="{1B29729B-C077-44B4-81E3-01BC128291BB}"/>
+          </ac:picMkLst>
+        </pc:picChg>
+        <pc:picChg chg="del">
+          <ac:chgData name="Vaibhav" userId="fea9aad5-0821-494e-8ee5-cb10b5ecb44e" providerId="ADAL" clId="{2EC74AD1-3B96-4B7C-B2AC-53A567667F07}" dt="2020-03-14T13:19:09.219" v="186" actId="478"/>
+          <ac:picMkLst>
+            <pc:docMk/>
+            <pc:sldMk cId="3189542477" sldId="465"/>
+            <ac:picMk id="33" creationId="{6F064952-800A-4374-9994-F79D92E7797F}"/>
+          </ac:picMkLst>
+        </pc:picChg>
+        <pc:picChg chg="mod">
+          <ac:chgData name="Vaibhav" userId="fea9aad5-0821-494e-8ee5-cb10b5ecb44e" providerId="ADAL" clId="{2EC74AD1-3B96-4B7C-B2AC-53A567667F07}" dt="2020-03-14T13:29:45.491" v="391" actId="14100"/>
+          <ac:picMkLst>
+            <pc:docMk/>
+            <pc:sldMk cId="3189542477" sldId="465"/>
+            <ac:picMk id="42" creationId="{F4ADFC12-624A-45D8-B35C-A600D6328F40}"/>
+          </ac:picMkLst>
+        </pc:picChg>
+        <pc:picChg chg="add del mod">
+          <ac:chgData name="Vaibhav" userId="fea9aad5-0821-494e-8ee5-cb10b5ecb44e" providerId="ADAL" clId="{2EC74AD1-3B96-4B7C-B2AC-53A567667F07}" dt="2020-03-14T13:32:07.204" v="408"/>
+          <ac:picMkLst>
+            <pc:docMk/>
+            <pc:sldMk cId="3189542477" sldId="465"/>
+            <ac:picMk id="52" creationId="{9871BACD-3361-4BE8-B013-15F139FDB6E9}"/>
+          </ac:picMkLst>
+        </pc:picChg>
+        <pc:picChg chg="add mod">
+          <ac:chgData name="Vaibhav" userId="fea9aad5-0821-494e-8ee5-cb10b5ecb44e" providerId="ADAL" clId="{2EC74AD1-3B96-4B7C-B2AC-53A567667F07}" dt="2020-03-14T13:33:19.658" v="412" actId="1076"/>
+          <ac:picMkLst>
+            <pc:docMk/>
+            <pc:sldMk cId="3189542477" sldId="465"/>
+            <ac:picMk id="53" creationId="{D794ABDA-8A46-455A-80D7-0A7B135729CA}"/>
+          </ac:picMkLst>
+        </pc:picChg>
+        <pc:cxnChg chg="del mod">
+          <ac:chgData name="Vaibhav" userId="fea9aad5-0821-494e-8ee5-cb10b5ecb44e" providerId="ADAL" clId="{2EC74AD1-3B96-4B7C-B2AC-53A567667F07}" dt="2020-03-14T13:14:48.598" v="148" actId="478"/>
+          <ac:cxnSpMkLst>
+            <pc:docMk/>
+            <pc:sldMk cId="3189542477" sldId="465"/>
+            <ac:cxnSpMk id="11" creationId="{77A485C1-AC23-46AC-8DC4-C4FABAFD6183}"/>
+          </ac:cxnSpMkLst>
+        </pc:cxnChg>
+        <pc:cxnChg chg="add mod">
+          <ac:chgData name="Vaibhav" userId="fea9aad5-0821-494e-8ee5-cb10b5ecb44e" providerId="ADAL" clId="{2EC74AD1-3B96-4B7C-B2AC-53A567667F07}" dt="2020-03-14T13:29:45.491" v="391" actId="14100"/>
+          <ac:cxnSpMkLst>
+            <pc:docMk/>
+            <pc:sldMk cId="3189542477" sldId="465"/>
+            <ac:cxnSpMk id="21" creationId="{BA3EFCDB-1A3C-4612-9570-A1A19BB287F8}"/>
+          </ac:cxnSpMkLst>
+        </pc:cxnChg>
+        <pc:cxnChg chg="add mod">
+          <ac:chgData name="Vaibhav" userId="fea9aad5-0821-494e-8ee5-cb10b5ecb44e" providerId="ADAL" clId="{2EC74AD1-3B96-4B7C-B2AC-53A567667F07}" dt="2020-03-14T13:29:10.285" v="370" actId="1076"/>
+          <ac:cxnSpMkLst>
+            <pc:docMk/>
+            <pc:sldMk cId="3189542477" sldId="465"/>
+            <ac:cxnSpMk id="23" creationId="{F588FED0-D9A3-4BEB-A9D6-2CA003FAE887}"/>
+          </ac:cxnSpMkLst>
+        </pc:cxnChg>
+        <pc:cxnChg chg="del mod">
+          <ac:chgData name="Vaibhav" userId="fea9aad5-0821-494e-8ee5-cb10b5ecb44e" providerId="ADAL" clId="{2EC74AD1-3B96-4B7C-B2AC-53A567667F07}" dt="2020-03-14T13:14:51.218" v="149" actId="478"/>
+          <ac:cxnSpMkLst>
+            <pc:docMk/>
+            <pc:sldMk cId="3189542477" sldId="465"/>
+            <ac:cxnSpMk id="28" creationId="{BC3C6452-2C41-4ADC-9157-2E54F8C5FA1B}"/>
+          </ac:cxnSpMkLst>
+        </pc:cxnChg>
+        <pc:cxnChg chg="add mod">
+          <ac:chgData name="Vaibhav" userId="fea9aad5-0821-494e-8ee5-cb10b5ecb44e" providerId="ADAL" clId="{2EC74AD1-3B96-4B7C-B2AC-53A567667F07}" dt="2020-03-14T13:29:10.285" v="370" actId="1076"/>
+          <ac:cxnSpMkLst>
+            <pc:docMk/>
+            <pc:sldMk cId="3189542477" sldId="465"/>
+            <ac:cxnSpMk id="29" creationId="{1A803452-676C-460A-8206-3542FFE3062F}"/>
+          </ac:cxnSpMkLst>
+        </pc:cxnChg>
+        <pc:cxnChg chg="del mod">
+          <ac:chgData name="Vaibhav" userId="fea9aad5-0821-494e-8ee5-cb10b5ecb44e" providerId="ADAL" clId="{2EC74AD1-3B96-4B7C-B2AC-53A567667F07}" dt="2020-03-14T13:16:04.757" v="158" actId="478"/>
+          <ac:cxnSpMkLst>
+            <pc:docMk/>
+            <pc:sldMk cId="3189542477" sldId="465"/>
+            <ac:cxnSpMk id="31" creationId="{6515E4DF-66FC-4ADB-BE8C-FC045088F569}"/>
+          </ac:cxnSpMkLst>
+        </pc:cxnChg>
+        <pc:cxnChg chg="add del mod">
+          <ac:chgData name="Vaibhav" userId="fea9aad5-0821-494e-8ee5-cb10b5ecb44e" providerId="ADAL" clId="{2EC74AD1-3B96-4B7C-B2AC-53A567667F07}" dt="2020-03-14T13:28:20.325" v="352" actId="478"/>
+          <ac:cxnSpMkLst>
+            <pc:docMk/>
+            <pc:sldMk cId="3189542477" sldId="465"/>
+            <ac:cxnSpMk id="34" creationId="{AF8BD97F-6053-469F-BCE5-02506D805CEC}"/>
+          </ac:cxnSpMkLst>
+        </pc:cxnChg>
+        <pc:cxnChg chg="mod">
+          <ac:chgData name="Vaibhav" userId="fea9aad5-0821-494e-8ee5-cb10b5ecb44e" providerId="ADAL" clId="{2EC74AD1-3B96-4B7C-B2AC-53A567667F07}" dt="2020-03-14T13:25:06.378" v="286" actId="1036"/>
+          <ac:cxnSpMkLst>
+            <pc:docMk/>
+            <pc:sldMk cId="3189542477" sldId="465"/>
+            <ac:cxnSpMk id="39" creationId="{601A188A-A50B-4422-AF90-AC6F7D608279}"/>
+          </ac:cxnSpMkLst>
+        </pc:cxnChg>
+        <pc:cxnChg chg="add mod">
+          <ac:chgData name="Vaibhav" userId="fea9aad5-0821-494e-8ee5-cb10b5ecb44e" providerId="ADAL" clId="{2EC74AD1-3B96-4B7C-B2AC-53A567667F07}" dt="2020-03-14T13:29:10.285" v="370" actId="1076"/>
+          <ac:cxnSpMkLst>
+            <pc:docMk/>
+            <pc:sldMk cId="3189542477" sldId="465"/>
+            <ac:cxnSpMk id="40" creationId="{AFD0B9BB-9F4A-44F7-8CA8-8F40EEDD83DB}"/>
+          </ac:cxnSpMkLst>
+        </pc:cxnChg>
+        <pc:cxnChg chg="add mod">
+          <ac:chgData name="Vaibhav" userId="fea9aad5-0821-494e-8ee5-cb10b5ecb44e" providerId="ADAL" clId="{2EC74AD1-3B96-4B7C-B2AC-53A567667F07}" dt="2020-03-14T13:33:41.306" v="414" actId="14100"/>
+          <ac:cxnSpMkLst>
+            <pc:docMk/>
+            <pc:sldMk cId="3189542477" sldId="465"/>
+            <ac:cxnSpMk id="55" creationId="{F1C91393-70DC-4208-B11C-8E1AD94440E7}"/>
+          </ac:cxnSpMkLst>
+        </pc:cxnChg>
+      </pc:sldChg>
+      <pc:sldChg chg="add modAnim">
+        <pc:chgData name="Vaibhav" userId="fea9aad5-0821-494e-8ee5-cb10b5ecb44e" providerId="ADAL" clId="{2EC74AD1-3B96-4B7C-B2AC-53A567667F07}" dt="2020-03-15T08:21:27.768" v="964"/>
+        <pc:sldMkLst>
+          <pc:docMk/>
+          <pc:sldMk cId="558301410" sldId="466"/>
+        </pc:sldMkLst>
+      </pc:sldChg>
+      <pc:sldChg chg="addSp delSp modSp add ord">
+        <pc:chgData name="Vaibhav" userId="fea9aad5-0821-494e-8ee5-cb10b5ecb44e" providerId="ADAL" clId="{2EC74AD1-3B96-4B7C-B2AC-53A567667F07}" dt="2020-03-15T08:17:16.061" v="949" actId="14100"/>
+        <pc:sldMkLst>
+          <pc:docMk/>
+          <pc:sldMk cId="1934873283" sldId="467"/>
+        </pc:sldMkLst>
+        <pc:spChg chg="add mod">
+          <ac:chgData name="Vaibhav" userId="fea9aad5-0821-494e-8ee5-cb10b5ecb44e" providerId="ADAL" clId="{2EC74AD1-3B96-4B7C-B2AC-53A567667F07}" dt="2020-03-15T08:17:09.909" v="948" actId="404"/>
+          <ac:spMkLst>
+            <pc:docMk/>
+            <pc:sldMk cId="1934873283" sldId="467"/>
+            <ac:spMk id="3" creationId="{2D2588B0-E8EC-49BD-876D-E81478081590}"/>
+          </ac:spMkLst>
+        </pc:spChg>
+        <pc:spChg chg="del">
+          <ac:chgData name="Vaibhav" userId="fea9aad5-0821-494e-8ee5-cb10b5ecb44e" providerId="ADAL" clId="{2EC74AD1-3B96-4B7C-B2AC-53A567667F07}" dt="2020-03-15T08:12:17.569" v="902" actId="478"/>
+          <ac:spMkLst>
+            <pc:docMk/>
+            <pc:sldMk cId="1934873283" sldId="467"/>
+            <ac:spMk id="13" creationId="{A313A512-6AC0-483F-A98D-0471A9695173}"/>
+          </ac:spMkLst>
+        </pc:spChg>
+        <pc:spChg chg="del">
+          <ac:chgData name="Vaibhav" userId="fea9aad5-0821-494e-8ee5-cb10b5ecb44e" providerId="ADAL" clId="{2EC74AD1-3B96-4B7C-B2AC-53A567667F07}" dt="2020-03-15T08:12:19.927" v="903" actId="478"/>
+          <ac:spMkLst>
+            <pc:docMk/>
+            <pc:sldMk cId="1934873283" sldId="467"/>
+            <ac:spMk id="14" creationId="{A8099651-538E-4C99-A763-699F44DF3544}"/>
+          </ac:spMkLst>
+        </pc:spChg>
+        <pc:spChg chg="del">
+          <ac:chgData name="Vaibhav" userId="fea9aad5-0821-494e-8ee5-cb10b5ecb44e" providerId="ADAL" clId="{2EC74AD1-3B96-4B7C-B2AC-53A567667F07}" dt="2020-03-15T08:12:25.980" v="905" actId="478"/>
+          <ac:spMkLst>
+            <pc:docMk/>
+            <pc:sldMk cId="1934873283" sldId="467"/>
+            <ac:spMk id="15" creationId="{3FBBFD01-8A2E-42D3-8DC6-1F910B8435DB}"/>
+          </ac:spMkLst>
+        </pc:spChg>
+        <pc:spChg chg="del mod">
+          <ac:chgData name="Vaibhav" userId="fea9aad5-0821-494e-8ee5-cb10b5ecb44e" providerId="ADAL" clId="{2EC74AD1-3B96-4B7C-B2AC-53A567667F07}" dt="2020-03-15T08:12:31.385" v="907" actId="478"/>
+          <ac:spMkLst>
+            <pc:docMk/>
+            <pc:sldMk cId="1934873283" sldId="467"/>
+            <ac:spMk id="17" creationId="{A1DE7B27-1E79-4A9F-8DF4-567BD9578835}"/>
+          </ac:spMkLst>
+        </pc:spChg>
+        <pc:spChg chg="mod">
+          <ac:chgData name="Vaibhav" userId="fea9aad5-0821-494e-8ee5-cb10b5ecb44e" providerId="ADAL" clId="{2EC74AD1-3B96-4B7C-B2AC-53A567667F07}" dt="2020-03-15T08:12:51.426" v="909" actId="113"/>
+          <ac:spMkLst>
+            <pc:docMk/>
+            <pc:sldMk cId="1934873283" sldId="467"/>
+            <ac:spMk id="20" creationId="{1BECD259-6565-403C-85FE-F5F5C815F016}"/>
+          </ac:spMkLst>
+        </pc:spChg>
+        <pc:picChg chg="del">
+          <ac:chgData name="Vaibhav" userId="fea9aad5-0821-494e-8ee5-cb10b5ecb44e" providerId="ADAL" clId="{2EC74AD1-3B96-4B7C-B2AC-53A567667F07}" dt="2020-03-15T08:12:12.694" v="901" actId="478"/>
+          <ac:picMkLst>
+            <pc:docMk/>
+            <pc:sldMk cId="1934873283" sldId="467"/>
+            <ac:picMk id="4" creationId="{8FB1B823-7E0C-4D14-9BD1-DB0B05E53B38}"/>
+          </ac:picMkLst>
+        </pc:picChg>
+        <pc:picChg chg="add mod">
+          <ac:chgData name="Vaibhav" userId="fea9aad5-0821-494e-8ee5-cb10b5ecb44e" providerId="ADAL" clId="{2EC74AD1-3B96-4B7C-B2AC-53A567667F07}" dt="2020-03-15T08:17:16.061" v="949" actId="14100"/>
+          <ac:picMkLst>
+            <pc:docMk/>
+            <pc:sldMk cId="1934873283" sldId="467"/>
+            <ac:picMk id="5" creationId="{6D9624EE-CE83-46DA-AAB8-EDEFE0B57A61}"/>
+          </ac:picMkLst>
+        </pc:picChg>
+        <pc:cxnChg chg="del">
+          <ac:chgData name="Vaibhav" userId="fea9aad5-0821-494e-8ee5-cb10b5ecb44e" providerId="ADAL" clId="{2EC74AD1-3B96-4B7C-B2AC-53A567667F07}" dt="2020-03-15T08:12:23.179" v="904" actId="478"/>
+          <ac:cxnSpMkLst>
+            <pc:docMk/>
+            <pc:sldMk cId="1934873283" sldId="467"/>
+            <ac:cxnSpMk id="6" creationId="{6F0C22FD-B126-4CDA-A1D9-F0073B4E4533}"/>
+          </ac:cxnSpMkLst>
+        </pc:cxnChg>
+        <pc:cxnChg chg="del">
+          <ac:chgData name="Vaibhav" userId="fea9aad5-0821-494e-8ee5-cb10b5ecb44e" providerId="ADAL" clId="{2EC74AD1-3B96-4B7C-B2AC-53A567667F07}" dt="2020-03-15T08:12:33.306" v="908" actId="478"/>
+          <ac:cxnSpMkLst>
+            <pc:docMk/>
+            <pc:sldMk cId="1934873283" sldId="467"/>
+            <ac:cxnSpMk id="18" creationId="{4C926182-51F9-43CE-9EC7-3FC5F43EF914}"/>
+          </ac:cxnSpMkLst>
+        </pc:cxnChg>
+      </pc:sldChg>
+    </pc:docChg>
+  </pc:docChgLst>
 </pc:chgInfo>
 </file>
 
@@ -4135,7 +4135,7 @@
           <a:p>
             <a:fld id="{690E8B80-0403-D045-92C4-F62398F73169}" type="datetimeFigureOut">
               <a:rPr lang="en-US" smtClean="0"/>
-              <a:t>4/6/2020</a:t>
+              <a:t>4/16/2020</a:t>
             </a:fld>
             <a:endParaRPr lang="en-US" dirty="0"/>
           </a:p>
@@ -4300,7 +4300,7 @@
           <a:p>
             <a:fld id="{B239331A-02E9-794B-A5E4-62D509649550}" type="datetimeFigureOut">
               <a:rPr lang="en-US" smtClean="0"/>
-              <a:t>4/6/2020</a:t>
+              <a:t>4/16/2020</a:t>
             </a:fld>
             <a:endParaRPr lang="en-US" dirty="0"/>
           </a:p>
@@ -23219,8 +23219,12 @@
           <a:lstStyle/>
           <a:p>
             <a:r>
+              <a:rPr lang="en-US"/>
+              <a:t>Vaibhav  | </a:t>
+            </a:r>
+            <a:r>
               <a:rPr lang="en-US" dirty="0"/>
-              <a:t>Vaibhav  Narkhede| 30</a:t>
+              <a:t>30</a:t>
             </a:r>
             <a:r>
               <a:rPr lang="en-US" baseline="30000" dirty="0"/>
@@ -43706,6 +43710,21 @@
 </file>
 
 <file path=customXml/item1.xml><?xml version="1.0" encoding="utf-8"?>
+<p:properties xmlns:p="http://schemas.microsoft.com/office/2006/metadata/properties" xmlns:xsi="http://www.w3.org/2001/XMLSchema-instance" xmlns:pc="http://schemas.microsoft.com/office/infopath/2007/PartnerControls">
+  <documentManagement/>
+</p:properties>
+</file>
+
+<file path=customXml/item2.xml><?xml version="1.0" encoding="utf-8"?>
+<?mso-contentType ?>
+<FormTemplates xmlns="http://schemas.microsoft.com/sharepoint/v3/contenttype/forms">
+  <Display>DocumentLibraryForm</Display>
+  <Edit>DocumentLibraryForm</Edit>
+  <New>DocumentLibraryForm</New>
+</FormTemplates>
+</file>
+
+<file path=customXml/item3.xml><?xml version="1.0" encoding="utf-8"?>
 <ct:contentTypeSchema xmlns:ct="http://schemas.microsoft.com/office/2006/metadata/contentType" xmlns:ma="http://schemas.microsoft.com/office/2006/metadata/properties/metaAttributes" ct:_="" ma:_="" ma:contentTypeName="Document" ma:contentTypeID="0x0101008206566F2D53AD4BA20F28AD1ACABB3A" ma:contentTypeVersion="12" ma:contentTypeDescription="Create a new document." ma:contentTypeScope="" ma:versionID="8101fb5f2682f7562469825ea3ebb42e">
   <xsd:schema xmlns:xsd="http://www.w3.org/2001/XMLSchema" xmlns:xs="http://www.w3.org/2001/XMLSchema" xmlns:p="http://schemas.microsoft.com/office/2006/metadata/properties" xmlns:ns3="7946a848-0547-457e-9b8c-12b5ab8711c1" xmlns:ns4="0adcf541-62af-4f47-a4fc-92c8d8d2b0d0" targetNamespace="http://schemas.microsoft.com/office/2006/metadata/properties" ma:root="true" ma:fieldsID="55e382a382e180fa65098fcdcfaa202d" ns3:_="" ns4:_="">
     <xsd:import namespace="7946a848-0547-457e-9b8c-12b5ab8711c1"/>
@@ -43922,22 +43941,24 @@
 </ct:contentTypeSchema>
 </file>
 
-<file path=customXml/item2.xml><?xml version="1.0" encoding="utf-8"?>
-<?mso-contentType ?>
-<FormTemplates xmlns="http://schemas.microsoft.com/sharepoint/v3/contenttype/forms">
-  <Display>DocumentLibraryForm</Display>
-  <Edit>DocumentLibraryForm</Edit>
-  <New>DocumentLibraryForm</New>
-</FormTemplates>
+<file path=customXml/itemProps1.xml><?xml version="1.0" encoding="utf-8"?>
+<ds:datastoreItem xmlns:ds="http://schemas.openxmlformats.org/officeDocument/2006/customXml" ds:itemID="{719A25E0-8172-4559-9B99-D2074691BA91}">
+  <ds:schemaRefs>
+    <ds:schemaRef ds:uri="http://schemas.microsoft.com/office/2006/metadata/properties"/>
+    <ds:schemaRef ds:uri="http://schemas.microsoft.com/office/infopath/2007/PartnerControls"/>
+  </ds:schemaRefs>
+</ds:datastoreItem>
 </file>
 
-<file path=customXml/item3.xml><?xml version="1.0" encoding="utf-8"?>
-<p:properties xmlns:p="http://schemas.microsoft.com/office/2006/metadata/properties" xmlns:xsi="http://www.w3.org/2001/XMLSchema-instance" xmlns:pc="http://schemas.microsoft.com/office/infopath/2007/PartnerControls">
-  <documentManagement/>
-</p:properties>
+<file path=customXml/itemProps2.xml><?xml version="1.0" encoding="utf-8"?>
+<ds:datastoreItem xmlns:ds="http://schemas.openxmlformats.org/officeDocument/2006/customXml" ds:itemID="{B9E7B562-D17C-4D08-856F-263A530114CE}">
+  <ds:schemaRefs>
+    <ds:schemaRef ds:uri="http://schemas.microsoft.com/sharepoint/v3/contenttype/forms"/>
+  </ds:schemaRefs>
+</ds:datastoreItem>
 </file>
 
-<file path=customXml/itemProps1.xml><?xml version="1.0" encoding="utf-8"?>
+<file path=customXml/itemProps3.xml><?xml version="1.0" encoding="utf-8"?>
 <ds:datastoreItem xmlns:ds="http://schemas.openxmlformats.org/officeDocument/2006/customXml" ds:itemID="{C17D1D44-6720-4DEF-9A94-241EA7CE680C}">
   <ds:schemaRefs>
     <ds:schemaRef ds:uri="http://schemas.microsoft.com/office/2006/metadata/contentType"/>
@@ -43954,21 +43975,4 @@
     <ds:schemaRef ds:uri="http://schemas.microsoft.com/internal/obd"/>
   </ds:schemaRefs>
 </ds:datastoreItem>
-</file>
-
-<file path=customXml/itemProps2.xml><?xml version="1.0" encoding="utf-8"?>
-<ds:datastoreItem xmlns:ds="http://schemas.openxmlformats.org/officeDocument/2006/customXml" ds:itemID="{B9E7B562-D17C-4D08-856F-263A530114CE}">
-  <ds:schemaRefs>
-    <ds:schemaRef ds:uri="http://schemas.microsoft.com/sharepoint/v3/contenttype/forms"/>
-  </ds:schemaRefs>
-</ds:datastoreItem>
-</file>
-
-<file path=customXml/itemProps3.xml><?xml version="1.0" encoding="utf-8"?>
-<ds:datastoreItem xmlns:ds="http://schemas.openxmlformats.org/officeDocument/2006/customXml" ds:itemID="{719A25E0-8172-4559-9B99-D2074691BA91}">
-  <ds:schemaRefs>
-    <ds:schemaRef ds:uri="http://schemas.microsoft.com/office/2006/metadata/properties"/>
-    <ds:schemaRef ds:uri="http://schemas.microsoft.com/office/infopath/2007/PartnerControls"/>
-  </ds:schemaRefs>
-</ds:datastoreItem>
 </file>